--- a/pointer/fig/fig.pptx
+++ b/pointer/fig/fig.pptx
@@ -7,7 +7,9 @@
   <p:sldIdLst>
     <p:sldId id="263" r:id="rId2"/>
     <p:sldId id="264" r:id="rId3"/>
-    <p:sldId id="262" r:id="rId4"/>
+    <p:sldId id="265" r:id="rId4"/>
+    <p:sldId id="266" r:id="rId5"/>
+    <p:sldId id="262" r:id="rId6"/>
   </p:sldIdLst>
   <p:sldSz cx="9144000" cy="6858000" type="screen4x3"/>
   <p:notesSz cx="6858000" cy="9144000"/>
@@ -3962,6 +3964,3015 @@
           <a:chExt cx="0" cy="0"/>
         </a:xfrm>
       </p:grpSpPr>
+      <p:cxnSp>
+        <p:nvCxnSpPr>
+          <p:cNvPr id="65" name="直線コネクタ 64"/>
+          <p:cNvCxnSpPr/>
+          <p:nvPr/>
+        </p:nvCxnSpPr>
+        <p:spPr>
+          <a:xfrm>
+            <a:off x="1691680" y="1628800"/>
+            <a:ext cx="0" cy="360040"/>
+          </a:xfrm>
+          <a:prstGeom prst="line">
+            <a:avLst/>
+          </a:prstGeom>
+          <a:ln w="12700">
+            <a:solidFill>
+              <a:schemeClr val="tx1"/>
+            </a:solidFill>
+            <a:prstDash val="dash"/>
+          </a:ln>
+        </p:spPr>
+        <p:style>
+          <a:lnRef idx="1">
+            <a:schemeClr val="accent1"/>
+          </a:lnRef>
+          <a:fillRef idx="0">
+            <a:schemeClr val="accent1"/>
+          </a:fillRef>
+          <a:effectRef idx="0">
+            <a:schemeClr val="accent1"/>
+          </a:effectRef>
+          <a:fontRef idx="minor">
+            <a:schemeClr val="tx1"/>
+          </a:fontRef>
+        </p:style>
+      </p:cxnSp>
+      <p:cxnSp>
+        <p:nvCxnSpPr>
+          <p:cNvPr id="66" name="直線コネクタ 65"/>
+          <p:cNvCxnSpPr/>
+          <p:nvPr/>
+        </p:nvCxnSpPr>
+        <p:spPr>
+          <a:xfrm>
+            <a:off x="2411760" y="1628800"/>
+            <a:ext cx="0" cy="360040"/>
+          </a:xfrm>
+          <a:prstGeom prst="line">
+            <a:avLst/>
+          </a:prstGeom>
+          <a:ln w="12700">
+            <a:solidFill>
+              <a:schemeClr val="tx1"/>
+            </a:solidFill>
+            <a:prstDash val="dash"/>
+          </a:ln>
+        </p:spPr>
+        <p:style>
+          <a:lnRef idx="1">
+            <a:schemeClr val="accent1"/>
+          </a:lnRef>
+          <a:fillRef idx="0">
+            <a:schemeClr val="accent1"/>
+          </a:fillRef>
+          <a:effectRef idx="0">
+            <a:schemeClr val="accent1"/>
+          </a:effectRef>
+          <a:fontRef idx="minor">
+            <a:schemeClr val="tx1"/>
+          </a:fontRef>
+        </p:style>
+      </p:cxnSp>
+      <p:sp>
+        <p:nvSpPr>
+          <p:cNvPr id="67" name="正方形/長方形 66"/>
+          <p:cNvSpPr/>
+          <p:nvPr/>
+        </p:nvSpPr>
+        <p:spPr>
+          <a:xfrm>
+            <a:off x="1691680" y="548680"/>
+            <a:ext cx="720080" cy="360040"/>
+          </a:xfrm>
+          <a:prstGeom prst="rect">
+            <a:avLst/>
+          </a:prstGeom>
+          <a:noFill/>
+          <a:ln>
+            <a:solidFill>
+              <a:schemeClr val="tx1"/>
+            </a:solidFill>
+          </a:ln>
+        </p:spPr>
+        <p:style>
+          <a:lnRef idx="2">
+            <a:schemeClr val="accent1">
+              <a:shade val="50000"/>
+            </a:schemeClr>
+          </a:lnRef>
+          <a:fillRef idx="1">
+            <a:schemeClr val="accent1"/>
+          </a:fillRef>
+          <a:effectRef idx="0">
+            <a:schemeClr val="accent1"/>
+          </a:effectRef>
+          <a:fontRef idx="minor">
+            <a:schemeClr val="lt1"/>
+          </a:fontRef>
+        </p:style>
+        <p:txBody>
+          <a:bodyPr rtlCol="0" anchor="ctr"/>
+          <a:lstStyle/>
+          <a:p>
+            <a:pPr algn="ctr"/>
+            <a:r>
+              <a:rPr kumimoji="1" lang="en-US" altLang="ja-JP" dirty="0" smtClean="0">
+                <a:solidFill>
+                  <a:schemeClr val="tx1"/>
+                </a:solidFill>
+              </a:rPr>
+              <a:t>1</a:t>
+            </a:r>
+            <a:endParaRPr kumimoji="1" lang="ja-JP" altLang="en-US" dirty="0">
+              <a:solidFill>
+                <a:schemeClr val="tx1"/>
+              </a:solidFill>
+            </a:endParaRPr>
+          </a:p>
+        </p:txBody>
+      </p:sp>
+      <p:sp>
+        <p:nvSpPr>
+          <p:cNvPr id="68" name="正方形/長方形 67"/>
+          <p:cNvSpPr/>
+          <p:nvPr/>
+        </p:nvSpPr>
+        <p:spPr>
+          <a:xfrm>
+            <a:off x="1691680" y="908720"/>
+            <a:ext cx="720080" cy="360040"/>
+          </a:xfrm>
+          <a:prstGeom prst="rect">
+            <a:avLst/>
+          </a:prstGeom>
+          <a:noFill/>
+          <a:ln>
+            <a:solidFill>
+              <a:schemeClr val="tx1"/>
+            </a:solidFill>
+          </a:ln>
+        </p:spPr>
+        <p:style>
+          <a:lnRef idx="2">
+            <a:schemeClr val="accent1">
+              <a:shade val="50000"/>
+            </a:schemeClr>
+          </a:lnRef>
+          <a:fillRef idx="1">
+            <a:schemeClr val="accent1"/>
+          </a:fillRef>
+          <a:effectRef idx="0">
+            <a:schemeClr val="accent1"/>
+          </a:effectRef>
+          <a:fontRef idx="minor">
+            <a:schemeClr val="lt1"/>
+          </a:fontRef>
+        </p:style>
+        <p:txBody>
+          <a:bodyPr rtlCol="0" anchor="ctr"/>
+          <a:lstStyle/>
+          <a:p>
+            <a:pPr algn="ctr"/>
+            <a:endParaRPr kumimoji="1" lang="ja-JP" altLang="en-US"/>
+          </a:p>
+        </p:txBody>
+      </p:sp>
+      <p:sp>
+        <p:nvSpPr>
+          <p:cNvPr id="69" name="正方形/長方形 68"/>
+          <p:cNvSpPr/>
+          <p:nvPr/>
+        </p:nvSpPr>
+        <p:spPr>
+          <a:xfrm>
+            <a:off x="1691680" y="1268760"/>
+            <a:ext cx="720080" cy="360040"/>
+          </a:xfrm>
+          <a:prstGeom prst="rect">
+            <a:avLst/>
+          </a:prstGeom>
+          <a:noFill/>
+          <a:ln>
+            <a:solidFill>
+              <a:schemeClr val="tx1"/>
+            </a:solidFill>
+          </a:ln>
+        </p:spPr>
+        <p:style>
+          <a:lnRef idx="2">
+            <a:schemeClr val="accent1">
+              <a:shade val="50000"/>
+            </a:schemeClr>
+          </a:lnRef>
+          <a:fillRef idx="1">
+            <a:schemeClr val="accent1"/>
+          </a:fillRef>
+          <a:effectRef idx="0">
+            <a:schemeClr val="accent1"/>
+          </a:effectRef>
+          <a:fontRef idx="minor">
+            <a:schemeClr val="lt1"/>
+          </a:fontRef>
+        </p:style>
+        <p:txBody>
+          <a:bodyPr rtlCol="0" anchor="ctr"/>
+          <a:lstStyle/>
+          <a:p>
+            <a:pPr algn="ctr"/>
+            <a:endParaRPr kumimoji="1" lang="ja-JP" altLang="en-US"/>
+          </a:p>
+        </p:txBody>
+      </p:sp>
+      <p:sp>
+        <p:nvSpPr>
+          <p:cNvPr id="71" name="1 つの角を切り取った四角形 70">
+            <a:extLst>
+              <a:ext uri="{FF2B5EF4-FFF2-40B4-BE49-F238E27FC236}">
+                <a16:creationId xmlns:a16="http://schemas.microsoft.com/office/drawing/2014/main" id="{3A7A9F9D-EF21-FB45-AE2C-683CA2DCB754}"/>
+              </a:ext>
+            </a:extLst>
+          </p:cNvPr>
+          <p:cNvSpPr/>
+          <p:nvPr/>
+        </p:nvSpPr>
+        <p:spPr>
+          <a:xfrm>
+            <a:off x="467544" y="548680"/>
+            <a:ext cx="864096" cy="288032"/>
+          </a:xfrm>
+          <a:prstGeom prst="snip1Rect">
+            <a:avLst/>
+          </a:prstGeom>
+          <a:solidFill>
+            <a:schemeClr val="accent4">
+              <a:lumMod val="20000"/>
+              <a:lumOff val="80000"/>
+            </a:schemeClr>
+          </a:solidFill>
+          <a:ln>
+            <a:solidFill>
+              <a:schemeClr val="tx1"/>
+            </a:solidFill>
+          </a:ln>
+        </p:spPr>
+        <p:style>
+          <a:lnRef idx="2">
+            <a:schemeClr val="accent1">
+              <a:shade val="50000"/>
+            </a:schemeClr>
+          </a:lnRef>
+          <a:fillRef idx="1">
+            <a:schemeClr val="accent1"/>
+          </a:fillRef>
+          <a:effectRef idx="0">
+            <a:schemeClr val="accent1"/>
+          </a:effectRef>
+          <a:fontRef idx="minor">
+            <a:schemeClr val="lt1"/>
+          </a:fontRef>
+        </p:style>
+        <p:txBody>
+          <a:bodyPr rtlCol="0" anchor="ctr"/>
+          <a:lstStyle/>
+          <a:p>
+            <a:pPr algn="ctr"/>
+            <a:r>
+              <a:rPr kumimoji="1" lang="en-US" altLang="ja-JP" sz="2000" dirty="0" smtClean="0">
+                <a:solidFill>
+                  <a:schemeClr val="tx1"/>
+                </a:solidFill>
+              </a:rPr>
+              <a:t>a</a:t>
+            </a:r>
+            <a:endParaRPr kumimoji="1" lang="ja-JP" altLang="en-US" sz="2000" dirty="0">
+              <a:solidFill>
+                <a:schemeClr val="tx1"/>
+              </a:solidFill>
+            </a:endParaRPr>
+          </a:p>
+        </p:txBody>
+      </p:sp>
+      <p:cxnSp>
+        <p:nvCxnSpPr>
+          <p:cNvPr id="72" name="直線矢印コネクタ 71">
+            <a:extLst>
+              <a:ext uri="{FF2B5EF4-FFF2-40B4-BE49-F238E27FC236}">
+                <a16:creationId xmlns:a16="http://schemas.microsoft.com/office/drawing/2014/main" id="{1622A4B8-E122-2844-89B0-FB744648C60B}"/>
+              </a:ext>
+            </a:extLst>
+          </p:cNvPr>
+          <p:cNvCxnSpPr>
+            <a:stCxn id="71" idx="0"/>
+          </p:cNvCxnSpPr>
+          <p:nvPr/>
+        </p:nvCxnSpPr>
+        <p:spPr>
+          <a:xfrm>
+            <a:off x="1331640" y="692696"/>
+            <a:ext cx="288032" cy="0"/>
+          </a:xfrm>
+          <a:prstGeom prst="straightConnector1">
+            <a:avLst/>
+          </a:prstGeom>
+          <a:ln w="12700">
+            <a:solidFill>
+              <a:schemeClr val="tx1"/>
+            </a:solidFill>
+            <a:tailEnd type="triangle"/>
+          </a:ln>
+        </p:spPr>
+        <p:style>
+          <a:lnRef idx="1">
+            <a:schemeClr val="accent1"/>
+          </a:lnRef>
+          <a:fillRef idx="0">
+            <a:schemeClr val="accent1"/>
+          </a:fillRef>
+          <a:effectRef idx="0">
+            <a:schemeClr val="accent1"/>
+          </a:effectRef>
+          <a:fontRef idx="minor">
+            <a:schemeClr val="tx1"/>
+          </a:fontRef>
+        </p:style>
+      </p:cxnSp>
+      <p:sp>
+        <p:nvSpPr>
+          <p:cNvPr id="74" name="テキスト ボックス 73"/>
+          <p:cNvSpPr txBox="1"/>
+          <p:nvPr/>
+        </p:nvSpPr>
+        <p:spPr>
+          <a:xfrm>
+            <a:off x="2411760" y="548680"/>
+            <a:ext cx="1096775" cy="369332"/>
+          </a:xfrm>
+          <a:prstGeom prst="rect">
+            <a:avLst/>
+          </a:prstGeom>
+          <a:noFill/>
+        </p:spPr>
+        <p:txBody>
+          <a:bodyPr wrap="none" rtlCol="0">
+            <a:spAutoFit/>
+          </a:bodyPr>
+          <a:lstStyle/>
+          <a:p>
+            <a:r>
+              <a:rPr kumimoji="1" lang="en-US" altLang="ja-JP" dirty="0" smtClean="0"/>
+              <a:t>0x10</a:t>
+            </a:r>
+            <a:r>
+              <a:rPr kumimoji="1" lang="ja-JP" altLang="en-US" dirty="0" smtClean="0"/>
+              <a:t>番地</a:t>
+            </a:r>
+            <a:endParaRPr kumimoji="1" lang="ja-JP" altLang="en-US" dirty="0"/>
+          </a:p>
+        </p:txBody>
+      </p:sp>
+      <p:sp>
+        <p:nvSpPr>
+          <p:cNvPr id="75" name="テキスト ボックス 74"/>
+          <p:cNvSpPr txBox="1"/>
+          <p:nvPr/>
+        </p:nvSpPr>
+        <p:spPr>
+          <a:xfrm>
+            <a:off x="2411760" y="899428"/>
+            <a:ext cx="1096775" cy="369332"/>
+          </a:xfrm>
+          <a:prstGeom prst="rect">
+            <a:avLst/>
+          </a:prstGeom>
+          <a:noFill/>
+        </p:spPr>
+        <p:txBody>
+          <a:bodyPr wrap="none" rtlCol="0">
+            <a:spAutoFit/>
+          </a:bodyPr>
+          <a:lstStyle/>
+          <a:p>
+            <a:r>
+              <a:rPr kumimoji="1" lang="en-US" altLang="ja-JP" dirty="0" smtClean="0"/>
+              <a:t>0x14</a:t>
+            </a:r>
+            <a:r>
+              <a:rPr kumimoji="1" lang="ja-JP" altLang="en-US" dirty="0" smtClean="0"/>
+              <a:t>番地</a:t>
+            </a:r>
+            <a:endParaRPr kumimoji="1" lang="ja-JP" altLang="en-US" dirty="0"/>
+          </a:p>
+        </p:txBody>
+      </p:sp>
+      <p:sp>
+        <p:nvSpPr>
+          <p:cNvPr id="76" name="テキスト ボックス 75"/>
+          <p:cNvSpPr txBox="1"/>
+          <p:nvPr/>
+        </p:nvSpPr>
+        <p:spPr>
+          <a:xfrm>
+            <a:off x="2411760" y="1268760"/>
+            <a:ext cx="1096775" cy="369332"/>
+          </a:xfrm>
+          <a:prstGeom prst="rect">
+            <a:avLst/>
+          </a:prstGeom>
+          <a:noFill/>
+        </p:spPr>
+        <p:txBody>
+          <a:bodyPr wrap="none" rtlCol="0">
+            <a:spAutoFit/>
+          </a:bodyPr>
+          <a:lstStyle/>
+          <a:p>
+            <a:r>
+              <a:rPr kumimoji="1" lang="en-US" altLang="ja-JP" dirty="0" smtClean="0"/>
+              <a:t>0x18</a:t>
+            </a:r>
+            <a:r>
+              <a:rPr kumimoji="1" lang="ja-JP" altLang="en-US" dirty="0" smtClean="0"/>
+              <a:t>番地</a:t>
+            </a:r>
+            <a:endParaRPr kumimoji="1" lang="ja-JP" altLang="en-US" dirty="0"/>
+          </a:p>
+        </p:txBody>
+      </p:sp>
+      <p:sp>
+        <p:nvSpPr>
+          <p:cNvPr id="81" name="正方形/長方形 80"/>
+          <p:cNvSpPr/>
+          <p:nvPr/>
+        </p:nvSpPr>
+        <p:spPr>
+          <a:xfrm>
+            <a:off x="827584" y="2247255"/>
+            <a:ext cx="1883849" cy="461665"/>
+          </a:xfrm>
+          <a:prstGeom prst="rect">
+            <a:avLst/>
+          </a:prstGeom>
+          <a:ln>
+            <a:solidFill>
+              <a:schemeClr val="tx1"/>
+            </a:solidFill>
+          </a:ln>
+        </p:spPr>
+        <p:txBody>
+          <a:bodyPr wrap="none">
+            <a:spAutoFit/>
+          </a:bodyPr>
+          <a:lstStyle/>
+          <a:p>
+            <a:r>
+              <a:rPr lang="en-US" altLang="ja-JP" sz="2400" dirty="0">
+                <a:solidFill>
+                  <a:srgbClr val="0991B6"/>
+                </a:solidFill>
+                <a:latin typeface="Consolas" panose="020B0609020204030204" pitchFamily="49" charset="0"/>
+              </a:rPr>
+              <a:t>int</a:t>
+            </a:r>
+            <a:r>
+              <a:rPr lang="en-US" altLang="ja-JP" sz="2400" dirty="0">
+                <a:solidFill>
+                  <a:srgbClr val="236EBF"/>
+                </a:solidFill>
+                <a:latin typeface="Consolas" panose="020B0609020204030204" pitchFamily="49" charset="0"/>
+              </a:rPr>
+              <a:t> a </a:t>
+            </a:r>
+            <a:r>
+              <a:rPr lang="en-US" altLang="ja-JP" sz="2400" dirty="0">
+                <a:solidFill>
+                  <a:srgbClr val="7B30D0"/>
+                </a:solidFill>
+                <a:latin typeface="Consolas" panose="020B0609020204030204" pitchFamily="49" charset="0"/>
+              </a:rPr>
+              <a:t>=</a:t>
+            </a:r>
+            <a:r>
+              <a:rPr lang="en-US" altLang="ja-JP" sz="2400" dirty="0">
+                <a:solidFill>
+                  <a:srgbClr val="236EBF"/>
+                </a:solidFill>
+                <a:latin typeface="Consolas" panose="020B0609020204030204" pitchFamily="49" charset="0"/>
+              </a:rPr>
+              <a:t> </a:t>
+            </a:r>
+            <a:r>
+              <a:rPr lang="en-US" altLang="ja-JP" sz="2400" dirty="0">
+                <a:solidFill>
+                  <a:srgbClr val="174781"/>
+                </a:solidFill>
+                <a:latin typeface="Consolas" panose="020B0609020204030204" pitchFamily="49" charset="0"/>
+              </a:rPr>
+              <a:t>1</a:t>
+            </a:r>
+            <a:r>
+              <a:rPr lang="en-US" altLang="ja-JP" sz="2400" dirty="0">
+                <a:solidFill>
+                  <a:srgbClr val="236EBF"/>
+                </a:solidFill>
+                <a:latin typeface="Consolas" panose="020B0609020204030204" pitchFamily="49" charset="0"/>
+              </a:rPr>
+              <a:t>;</a:t>
+            </a:r>
+            <a:endParaRPr lang="en-US" altLang="ja-JP" sz="2400" b="0" dirty="0">
+              <a:solidFill>
+                <a:srgbClr val="236EBF"/>
+              </a:solidFill>
+              <a:effectLst/>
+              <a:latin typeface="Consolas" panose="020B0609020204030204" pitchFamily="49" charset="0"/>
+            </a:endParaRPr>
+          </a:p>
+        </p:txBody>
+      </p:sp>
+      <p:sp>
+        <p:nvSpPr>
+          <p:cNvPr id="82" name="正方形/長方形 81"/>
+          <p:cNvSpPr/>
+          <p:nvPr/>
+        </p:nvSpPr>
+        <p:spPr>
+          <a:xfrm>
+            <a:off x="5477164" y="2247255"/>
+            <a:ext cx="2223686" cy="461665"/>
+          </a:xfrm>
+          <a:prstGeom prst="rect">
+            <a:avLst/>
+          </a:prstGeom>
+          <a:ln>
+            <a:solidFill>
+              <a:schemeClr val="tx1"/>
+            </a:solidFill>
+          </a:ln>
+        </p:spPr>
+        <p:txBody>
+          <a:bodyPr wrap="none">
+            <a:spAutoFit/>
+          </a:bodyPr>
+          <a:lstStyle/>
+          <a:p>
+            <a:r>
+              <a:rPr lang="en-US" altLang="ja-JP" sz="2400" dirty="0">
+                <a:solidFill>
+                  <a:srgbClr val="0991B6"/>
+                </a:solidFill>
+                <a:latin typeface="Consolas" panose="020B0609020204030204" pitchFamily="49" charset="0"/>
+              </a:rPr>
+              <a:t>int</a:t>
+            </a:r>
+            <a:r>
+              <a:rPr lang="en-US" altLang="ja-JP" sz="2400" dirty="0">
+                <a:solidFill>
+                  <a:srgbClr val="236EBF"/>
+                </a:solidFill>
+                <a:latin typeface="Consolas" panose="020B0609020204030204" pitchFamily="49" charset="0"/>
+              </a:rPr>
+              <a:t> </a:t>
+            </a:r>
+            <a:r>
+              <a:rPr lang="en-US" altLang="ja-JP" sz="2400" dirty="0">
+                <a:solidFill>
+                  <a:srgbClr val="7B30D0"/>
+                </a:solidFill>
+                <a:latin typeface="Consolas" panose="020B0609020204030204" pitchFamily="49" charset="0"/>
+              </a:rPr>
+              <a:t>*</a:t>
+            </a:r>
+            <a:r>
+              <a:rPr lang="en-US" altLang="ja-JP" sz="2400" dirty="0">
+                <a:solidFill>
+                  <a:srgbClr val="236EBF"/>
+                </a:solidFill>
+                <a:latin typeface="Consolas" panose="020B0609020204030204" pitchFamily="49" charset="0"/>
+              </a:rPr>
+              <a:t>p </a:t>
+            </a:r>
+            <a:r>
+              <a:rPr lang="en-US" altLang="ja-JP" sz="2400" dirty="0">
+                <a:solidFill>
+                  <a:srgbClr val="7B30D0"/>
+                </a:solidFill>
+                <a:latin typeface="Consolas" panose="020B0609020204030204" pitchFamily="49" charset="0"/>
+              </a:rPr>
+              <a:t>=</a:t>
+            </a:r>
+            <a:r>
+              <a:rPr lang="en-US" altLang="ja-JP" sz="2400" dirty="0">
+                <a:solidFill>
+                  <a:srgbClr val="236EBF"/>
+                </a:solidFill>
+                <a:latin typeface="Consolas" panose="020B0609020204030204" pitchFamily="49" charset="0"/>
+              </a:rPr>
+              <a:t> </a:t>
+            </a:r>
+            <a:r>
+              <a:rPr lang="en-US" altLang="ja-JP" sz="2400" dirty="0">
+                <a:solidFill>
+                  <a:srgbClr val="7B30D0"/>
+                </a:solidFill>
+                <a:latin typeface="Consolas" panose="020B0609020204030204" pitchFamily="49" charset="0"/>
+              </a:rPr>
+              <a:t>&amp;</a:t>
+            </a:r>
+            <a:r>
+              <a:rPr lang="en-US" altLang="ja-JP" sz="2400" dirty="0">
+                <a:solidFill>
+                  <a:srgbClr val="236EBF"/>
+                </a:solidFill>
+                <a:latin typeface="Consolas" panose="020B0609020204030204" pitchFamily="49" charset="0"/>
+              </a:rPr>
+              <a:t>a;</a:t>
+            </a:r>
+            <a:endParaRPr lang="en-US" altLang="ja-JP" sz="2400" b="0" dirty="0">
+              <a:solidFill>
+                <a:srgbClr val="236EBF"/>
+              </a:solidFill>
+              <a:effectLst/>
+              <a:latin typeface="Consolas" panose="020B0609020204030204" pitchFamily="49" charset="0"/>
+            </a:endParaRPr>
+          </a:p>
+        </p:txBody>
+      </p:sp>
+      <p:cxnSp>
+        <p:nvCxnSpPr>
+          <p:cNvPr id="83" name="直線コネクタ 82"/>
+          <p:cNvCxnSpPr/>
+          <p:nvPr/>
+        </p:nvCxnSpPr>
+        <p:spPr>
+          <a:xfrm>
+            <a:off x="6197244" y="1628800"/>
+            <a:ext cx="0" cy="360040"/>
+          </a:xfrm>
+          <a:prstGeom prst="line">
+            <a:avLst/>
+          </a:prstGeom>
+          <a:ln w="12700">
+            <a:solidFill>
+              <a:schemeClr val="tx1"/>
+            </a:solidFill>
+            <a:prstDash val="dash"/>
+          </a:ln>
+        </p:spPr>
+        <p:style>
+          <a:lnRef idx="1">
+            <a:schemeClr val="accent1"/>
+          </a:lnRef>
+          <a:fillRef idx="0">
+            <a:schemeClr val="accent1"/>
+          </a:fillRef>
+          <a:effectRef idx="0">
+            <a:schemeClr val="accent1"/>
+          </a:effectRef>
+          <a:fontRef idx="minor">
+            <a:schemeClr val="tx1"/>
+          </a:fontRef>
+        </p:style>
+      </p:cxnSp>
+      <p:cxnSp>
+        <p:nvCxnSpPr>
+          <p:cNvPr id="84" name="直線コネクタ 83"/>
+          <p:cNvCxnSpPr/>
+          <p:nvPr/>
+        </p:nvCxnSpPr>
+        <p:spPr>
+          <a:xfrm>
+            <a:off x="6917324" y="1628800"/>
+            <a:ext cx="0" cy="360040"/>
+          </a:xfrm>
+          <a:prstGeom prst="line">
+            <a:avLst/>
+          </a:prstGeom>
+          <a:ln w="12700">
+            <a:solidFill>
+              <a:schemeClr val="tx1"/>
+            </a:solidFill>
+            <a:prstDash val="dash"/>
+          </a:ln>
+        </p:spPr>
+        <p:style>
+          <a:lnRef idx="1">
+            <a:schemeClr val="accent1"/>
+          </a:lnRef>
+          <a:fillRef idx="0">
+            <a:schemeClr val="accent1"/>
+          </a:fillRef>
+          <a:effectRef idx="0">
+            <a:schemeClr val="accent1"/>
+          </a:effectRef>
+          <a:fontRef idx="minor">
+            <a:schemeClr val="tx1"/>
+          </a:fontRef>
+        </p:style>
+      </p:cxnSp>
+      <p:sp>
+        <p:nvSpPr>
+          <p:cNvPr id="85" name="正方形/長方形 84"/>
+          <p:cNvSpPr/>
+          <p:nvPr/>
+        </p:nvSpPr>
+        <p:spPr>
+          <a:xfrm>
+            <a:off x="6197244" y="548680"/>
+            <a:ext cx="720080" cy="360040"/>
+          </a:xfrm>
+          <a:prstGeom prst="rect">
+            <a:avLst/>
+          </a:prstGeom>
+          <a:noFill/>
+          <a:ln>
+            <a:solidFill>
+              <a:schemeClr val="tx1"/>
+            </a:solidFill>
+          </a:ln>
+        </p:spPr>
+        <p:style>
+          <a:lnRef idx="2">
+            <a:schemeClr val="accent1">
+              <a:shade val="50000"/>
+            </a:schemeClr>
+          </a:lnRef>
+          <a:fillRef idx="1">
+            <a:schemeClr val="accent1"/>
+          </a:fillRef>
+          <a:effectRef idx="0">
+            <a:schemeClr val="accent1"/>
+          </a:effectRef>
+          <a:fontRef idx="minor">
+            <a:schemeClr val="lt1"/>
+          </a:fontRef>
+        </p:style>
+        <p:txBody>
+          <a:bodyPr rtlCol="0" anchor="ctr"/>
+          <a:lstStyle/>
+          <a:p>
+            <a:pPr algn="ctr"/>
+            <a:r>
+              <a:rPr kumimoji="1" lang="en-US" altLang="ja-JP" dirty="0" smtClean="0">
+                <a:solidFill>
+                  <a:schemeClr val="tx1"/>
+                </a:solidFill>
+              </a:rPr>
+              <a:t>1</a:t>
+            </a:r>
+            <a:endParaRPr kumimoji="1" lang="ja-JP" altLang="en-US" dirty="0">
+              <a:solidFill>
+                <a:schemeClr val="tx1"/>
+              </a:solidFill>
+            </a:endParaRPr>
+          </a:p>
+        </p:txBody>
+      </p:sp>
+      <p:sp>
+        <p:nvSpPr>
+          <p:cNvPr id="86" name="正方形/長方形 85"/>
+          <p:cNvSpPr/>
+          <p:nvPr/>
+        </p:nvSpPr>
+        <p:spPr>
+          <a:xfrm>
+            <a:off x="6197244" y="908720"/>
+            <a:ext cx="720080" cy="720080"/>
+          </a:xfrm>
+          <a:prstGeom prst="rect">
+            <a:avLst/>
+          </a:prstGeom>
+          <a:noFill/>
+          <a:ln>
+            <a:solidFill>
+              <a:schemeClr val="tx1"/>
+            </a:solidFill>
+          </a:ln>
+        </p:spPr>
+        <p:style>
+          <a:lnRef idx="2">
+            <a:schemeClr val="accent1">
+              <a:shade val="50000"/>
+            </a:schemeClr>
+          </a:lnRef>
+          <a:fillRef idx="1">
+            <a:schemeClr val="accent1"/>
+          </a:fillRef>
+          <a:effectRef idx="0">
+            <a:schemeClr val="accent1"/>
+          </a:effectRef>
+          <a:fontRef idx="minor">
+            <a:schemeClr val="lt1"/>
+          </a:fontRef>
+        </p:style>
+        <p:txBody>
+          <a:bodyPr rtlCol="0" anchor="ctr"/>
+          <a:lstStyle/>
+          <a:p>
+            <a:pPr algn="ctr"/>
+            <a:endParaRPr kumimoji="1" lang="ja-JP" altLang="en-US"/>
+          </a:p>
+        </p:txBody>
+      </p:sp>
+      <p:sp>
+        <p:nvSpPr>
+          <p:cNvPr id="88" name="1 つの角を切り取った四角形 87">
+            <a:extLst>
+              <a:ext uri="{FF2B5EF4-FFF2-40B4-BE49-F238E27FC236}">
+                <a16:creationId xmlns:a16="http://schemas.microsoft.com/office/drawing/2014/main" id="{3A7A9F9D-EF21-FB45-AE2C-683CA2DCB754}"/>
+              </a:ext>
+            </a:extLst>
+          </p:cNvPr>
+          <p:cNvSpPr/>
+          <p:nvPr/>
+        </p:nvSpPr>
+        <p:spPr>
+          <a:xfrm>
+            <a:off x="4973108" y="548680"/>
+            <a:ext cx="864096" cy="288032"/>
+          </a:xfrm>
+          <a:prstGeom prst="snip1Rect">
+            <a:avLst/>
+          </a:prstGeom>
+          <a:solidFill>
+            <a:schemeClr val="accent4">
+              <a:lumMod val="20000"/>
+              <a:lumOff val="80000"/>
+            </a:schemeClr>
+          </a:solidFill>
+          <a:ln>
+            <a:solidFill>
+              <a:schemeClr val="tx1"/>
+            </a:solidFill>
+          </a:ln>
+        </p:spPr>
+        <p:style>
+          <a:lnRef idx="2">
+            <a:schemeClr val="accent1">
+              <a:shade val="50000"/>
+            </a:schemeClr>
+          </a:lnRef>
+          <a:fillRef idx="1">
+            <a:schemeClr val="accent1"/>
+          </a:fillRef>
+          <a:effectRef idx="0">
+            <a:schemeClr val="accent1"/>
+          </a:effectRef>
+          <a:fontRef idx="minor">
+            <a:schemeClr val="lt1"/>
+          </a:fontRef>
+        </p:style>
+        <p:txBody>
+          <a:bodyPr rtlCol="0" anchor="ctr"/>
+          <a:lstStyle/>
+          <a:p>
+            <a:pPr algn="ctr"/>
+            <a:r>
+              <a:rPr kumimoji="1" lang="en-US" altLang="ja-JP" sz="2000" dirty="0" smtClean="0">
+                <a:solidFill>
+                  <a:schemeClr val="tx1"/>
+                </a:solidFill>
+              </a:rPr>
+              <a:t>a</a:t>
+            </a:r>
+            <a:endParaRPr kumimoji="1" lang="ja-JP" altLang="en-US" sz="2000" dirty="0">
+              <a:solidFill>
+                <a:schemeClr val="tx1"/>
+              </a:solidFill>
+            </a:endParaRPr>
+          </a:p>
+        </p:txBody>
+      </p:sp>
+      <p:cxnSp>
+        <p:nvCxnSpPr>
+          <p:cNvPr id="89" name="直線矢印コネクタ 88">
+            <a:extLst>
+              <a:ext uri="{FF2B5EF4-FFF2-40B4-BE49-F238E27FC236}">
+                <a16:creationId xmlns:a16="http://schemas.microsoft.com/office/drawing/2014/main" id="{1622A4B8-E122-2844-89B0-FB744648C60B}"/>
+              </a:ext>
+            </a:extLst>
+          </p:cNvPr>
+          <p:cNvCxnSpPr>
+            <a:stCxn id="88" idx="0"/>
+          </p:cNvCxnSpPr>
+          <p:nvPr/>
+        </p:nvCxnSpPr>
+        <p:spPr>
+          <a:xfrm>
+            <a:off x="5837204" y="692696"/>
+            <a:ext cx="288032" cy="0"/>
+          </a:xfrm>
+          <a:prstGeom prst="straightConnector1">
+            <a:avLst/>
+          </a:prstGeom>
+          <a:ln w="12700">
+            <a:solidFill>
+              <a:schemeClr val="tx1"/>
+            </a:solidFill>
+            <a:tailEnd type="triangle"/>
+          </a:ln>
+        </p:spPr>
+        <p:style>
+          <a:lnRef idx="1">
+            <a:schemeClr val="accent1"/>
+          </a:lnRef>
+          <a:fillRef idx="0">
+            <a:schemeClr val="accent1"/>
+          </a:fillRef>
+          <a:effectRef idx="0">
+            <a:schemeClr val="accent1"/>
+          </a:effectRef>
+          <a:fontRef idx="minor">
+            <a:schemeClr val="tx1"/>
+          </a:fontRef>
+        </p:style>
+      </p:cxnSp>
+      <p:sp>
+        <p:nvSpPr>
+          <p:cNvPr id="93" name="1 つの角を切り取った四角形 92">
+            <a:extLst>
+              <a:ext uri="{FF2B5EF4-FFF2-40B4-BE49-F238E27FC236}">
+                <a16:creationId xmlns:a16="http://schemas.microsoft.com/office/drawing/2014/main" id="{3A7A9F9D-EF21-FB45-AE2C-683CA2DCB754}"/>
+              </a:ext>
+            </a:extLst>
+          </p:cNvPr>
+          <p:cNvSpPr/>
+          <p:nvPr/>
+        </p:nvSpPr>
+        <p:spPr>
+          <a:xfrm>
+            <a:off x="4973108" y="936428"/>
+            <a:ext cx="864096" cy="288032"/>
+          </a:xfrm>
+          <a:prstGeom prst="snip1Rect">
+            <a:avLst/>
+          </a:prstGeom>
+          <a:solidFill>
+            <a:schemeClr val="accent4">
+              <a:lumMod val="20000"/>
+              <a:lumOff val="80000"/>
+            </a:schemeClr>
+          </a:solidFill>
+          <a:ln>
+            <a:solidFill>
+              <a:schemeClr val="tx1"/>
+            </a:solidFill>
+          </a:ln>
+        </p:spPr>
+        <p:style>
+          <a:lnRef idx="2">
+            <a:schemeClr val="accent1">
+              <a:shade val="50000"/>
+            </a:schemeClr>
+          </a:lnRef>
+          <a:fillRef idx="1">
+            <a:schemeClr val="accent1"/>
+          </a:fillRef>
+          <a:effectRef idx="0">
+            <a:schemeClr val="accent1"/>
+          </a:effectRef>
+          <a:fontRef idx="minor">
+            <a:schemeClr val="lt1"/>
+          </a:fontRef>
+        </p:style>
+        <p:txBody>
+          <a:bodyPr rtlCol="0" anchor="ctr"/>
+          <a:lstStyle/>
+          <a:p>
+            <a:pPr algn="ctr"/>
+            <a:r>
+              <a:rPr kumimoji="1" lang="en-US" altLang="ja-JP" sz="2000" dirty="0" smtClean="0">
+                <a:solidFill>
+                  <a:schemeClr val="tx1"/>
+                </a:solidFill>
+              </a:rPr>
+              <a:t>p</a:t>
+            </a:r>
+            <a:endParaRPr kumimoji="1" lang="ja-JP" altLang="en-US" sz="2000" dirty="0">
+              <a:solidFill>
+                <a:schemeClr val="tx1"/>
+              </a:solidFill>
+            </a:endParaRPr>
+          </a:p>
+        </p:txBody>
+      </p:sp>
+      <p:cxnSp>
+        <p:nvCxnSpPr>
+          <p:cNvPr id="94" name="直線矢印コネクタ 93">
+            <a:extLst>
+              <a:ext uri="{FF2B5EF4-FFF2-40B4-BE49-F238E27FC236}">
+                <a16:creationId xmlns:a16="http://schemas.microsoft.com/office/drawing/2014/main" id="{1622A4B8-E122-2844-89B0-FB744648C60B}"/>
+              </a:ext>
+            </a:extLst>
+          </p:cNvPr>
+          <p:cNvCxnSpPr>
+            <a:stCxn id="93" idx="0"/>
+          </p:cNvCxnSpPr>
+          <p:nvPr/>
+        </p:nvCxnSpPr>
+        <p:spPr>
+          <a:xfrm>
+            <a:off x="5837204" y="1080444"/>
+            <a:ext cx="288032" cy="0"/>
+          </a:xfrm>
+          <a:prstGeom prst="straightConnector1">
+            <a:avLst/>
+          </a:prstGeom>
+          <a:ln w="12700">
+            <a:solidFill>
+              <a:schemeClr val="tx1"/>
+            </a:solidFill>
+            <a:tailEnd type="triangle"/>
+          </a:ln>
+        </p:spPr>
+        <p:style>
+          <a:lnRef idx="1">
+            <a:schemeClr val="accent1"/>
+          </a:lnRef>
+          <a:fillRef idx="0">
+            <a:schemeClr val="accent1"/>
+          </a:fillRef>
+          <a:effectRef idx="0">
+            <a:schemeClr val="accent1"/>
+          </a:effectRef>
+          <a:fontRef idx="minor">
+            <a:schemeClr val="tx1"/>
+          </a:fontRef>
+        </p:style>
+      </p:cxnSp>
+      <p:cxnSp>
+        <p:nvCxnSpPr>
+          <p:cNvPr id="96" name="カギ線コネクタ 95"/>
+          <p:cNvCxnSpPr>
+            <a:stCxn id="86" idx="3"/>
+            <a:endCxn id="85" idx="3"/>
+          </p:cNvCxnSpPr>
+          <p:nvPr/>
+        </p:nvCxnSpPr>
+        <p:spPr>
+          <a:xfrm flipV="1">
+            <a:off x="6917324" y="728700"/>
+            <a:ext cx="12700" cy="540060"/>
+          </a:xfrm>
+          <a:prstGeom prst="bentConnector3">
+            <a:avLst>
+              <a:gd name="adj1" fmla="val 4781819"/>
+            </a:avLst>
+          </a:prstGeom>
+          <a:ln w="12700">
+            <a:solidFill>
+              <a:schemeClr val="tx1"/>
+            </a:solidFill>
+            <a:tailEnd type="triangle"/>
+          </a:ln>
+        </p:spPr>
+        <p:style>
+          <a:lnRef idx="1">
+            <a:schemeClr val="accent1"/>
+          </a:lnRef>
+          <a:fillRef idx="0">
+            <a:schemeClr val="accent1"/>
+          </a:fillRef>
+          <a:effectRef idx="0">
+            <a:schemeClr val="accent1"/>
+          </a:effectRef>
+          <a:fontRef idx="minor">
+            <a:schemeClr val="tx1"/>
+          </a:fontRef>
+        </p:style>
+      </p:cxnSp>
+      <p:sp>
+        <p:nvSpPr>
+          <p:cNvPr id="99" name="テキスト ボックス 98"/>
+          <p:cNvSpPr txBox="1"/>
+          <p:nvPr/>
+        </p:nvSpPr>
+        <p:spPr>
+          <a:xfrm>
+            <a:off x="6234188" y="962256"/>
+            <a:ext cx="646331" cy="646331"/>
+          </a:xfrm>
+          <a:prstGeom prst="rect">
+            <a:avLst/>
+          </a:prstGeom>
+          <a:noFill/>
+        </p:spPr>
+        <p:txBody>
+          <a:bodyPr wrap="none" rtlCol="0">
+            <a:spAutoFit/>
+          </a:bodyPr>
+          <a:lstStyle/>
+          <a:p>
+            <a:r>
+              <a:rPr kumimoji="1" lang="en-US" altLang="ja-JP" dirty="0" smtClean="0"/>
+              <a:t>0x10</a:t>
+            </a:r>
+          </a:p>
+          <a:p>
+            <a:r>
+              <a:rPr kumimoji="1" lang="ja-JP" altLang="en-US" dirty="0" smtClean="0"/>
+              <a:t>番地</a:t>
+            </a:r>
+            <a:endParaRPr kumimoji="1" lang="ja-JP" altLang="en-US" dirty="0"/>
+          </a:p>
+        </p:txBody>
+      </p:sp>
+      <p:sp>
+        <p:nvSpPr>
+          <p:cNvPr id="100" name="右矢印 99"/>
+          <p:cNvSpPr/>
+          <p:nvPr/>
+        </p:nvSpPr>
+        <p:spPr>
+          <a:xfrm>
+            <a:off x="3925455" y="1108827"/>
+            <a:ext cx="618836" cy="553719"/>
+          </a:xfrm>
+          <a:prstGeom prst="rightArrow">
+            <a:avLst/>
+          </a:prstGeom>
+          <a:solidFill>
+            <a:srgbClr val="FF0000"/>
+          </a:solidFill>
+          <a:ln>
+            <a:solidFill>
+              <a:schemeClr val="tx1"/>
+            </a:solidFill>
+          </a:ln>
+        </p:spPr>
+        <p:style>
+          <a:lnRef idx="2">
+            <a:schemeClr val="accent1">
+              <a:shade val="50000"/>
+            </a:schemeClr>
+          </a:lnRef>
+          <a:fillRef idx="1">
+            <a:schemeClr val="accent1"/>
+          </a:fillRef>
+          <a:effectRef idx="0">
+            <a:schemeClr val="accent1"/>
+          </a:effectRef>
+          <a:fontRef idx="minor">
+            <a:schemeClr val="lt1"/>
+          </a:fontRef>
+        </p:style>
+        <p:txBody>
+          <a:bodyPr rtlCol="0" anchor="ctr"/>
+          <a:lstStyle/>
+          <a:p>
+            <a:pPr algn="ctr"/>
+            <a:endParaRPr kumimoji="1" lang="ja-JP" altLang="en-US"/>
+          </a:p>
+        </p:txBody>
+      </p:sp>
+    </p:spTree>
+    <p:extLst>
+      <p:ext uri="{BB962C8B-B14F-4D97-AF65-F5344CB8AC3E}">
+        <p14:creationId xmlns:p14="http://schemas.microsoft.com/office/powerpoint/2010/main" val="1414783735"/>
+      </p:ext>
+    </p:extLst>
+  </p:cSld>
+  <p:clrMapOvr>
+    <a:masterClrMapping/>
+  </p:clrMapOvr>
+</p:sld>
+</file>
+
+<file path=ppt/slides/slide4.xml><?xml version="1.0" encoding="utf-8"?>
+<p:sld xmlns:a="http://schemas.openxmlformats.org/drawingml/2006/main" xmlns:r="http://schemas.openxmlformats.org/officeDocument/2006/relationships" xmlns:p="http://schemas.openxmlformats.org/presentationml/2006/main">
+  <p:cSld>
+    <p:spTree>
+      <p:nvGrpSpPr>
+        <p:cNvPr id="1" name=""/>
+        <p:cNvGrpSpPr/>
+        <p:nvPr/>
+      </p:nvGrpSpPr>
+      <p:grpSpPr>
+        <a:xfrm>
+          <a:off x="0" y="0"/>
+          <a:ext cx="0" cy="0"/>
+          <a:chOff x="0" y="0"/>
+          <a:chExt cx="0" cy="0"/>
+        </a:xfrm>
+      </p:grpSpPr>
+      <p:sp>
+        <p:nvSpPr>
+          <p:cNvPr id="19" name="正方形/長方形 18"/>
+          <p:cNvSpPr/>
+          <p:nvPr/>
+        </p:nvSpPr>
+        <p:spPr>
+          <a:xfrm>
+            <a:off x="1331640" y="548680"/>
+            <a:ext cx="1704313" cy="369332"/>
+          </a:xfrm>
+          <a:prstGeom prst="rect">
+            <a:avLst/>
+          </a:prstGeom>
+          <a:ln>
+            <a:solidFill>
+              <a:schemeClr val="tx1"/>
+            </a:solidFill>
+          </a:ln>
+        </p:spPr>
+        <p:txBody>
+          <a:bodyPr wrap="none">
+            <a:spAutoFit/>
+          </a:bodyPr>
+          <a:lstStyle/>
+          <a:p>
+            <a:r>
+              <a:rPr lang="en-US" altLang="ja-JP" dirty="0">
+                <a:solidFill>
+                  <a:srgbClr val="0991B6"/>
+                </a:solidFill>
+                <a:latin typeface="Consolas" panose="020B0609020204030204" pitchFamily="49" charset="0"/>
+              </a:rPr>
+              <a:t>int</a:t>
+            </a:r>
+            <a:r>
+              <a:rPr lang="en-US" altLang="ja-JP" dirty="0">
+                <a:solidFill>
+                  <a:srgbClr val="236EBF"/>
+                </a:solidFill>
+                <a:latin typeface="Consolas" panose="020B0609020204030204" pitchFamily="49" charset="0"/>
+              </a:rPr>
+              <a:t> </a:t>
+            </a:r>
+            <a:r>
+              <a:rPr lang="en-US" altLang="ja-JP" dirty="0">
+                <a:solidFill>
+                  <a:srgbClr val="7B30D0"/>
+                </a:solidFill>
+                <a:latin typeface="Consolas" panose="020B0609020204030204" pitchFamily="49" charset="0"/>
+              </a:rPr>
+              <a:t>*</a:t>
+            </a:r>
+            <a:r>
+              <a:rPr lang="en-US" altLang="ja-JP" dirty="0">
+                <a:solidFill>
+                  <a:srgbClr val="236EBF"/>
+                </a:solidFill>
+                <a:latin typeface="Consolas" panose="020B0609020204030204" pitchFamily="49" charset="0"/>
+              </a:rPr>
+              <a:t>pi </a:t>
+            </a:r>
+            <a:r>
+              <a:rPr lang="en-US" altLang="ja-JP" dirty="0">
+                <a:solidFill>
+                  <a:srgbClr val="7B30D0"/>
+                </a:solidFill>
+                <a:latin typeface="Consolas" panose="020B0609020204030204" pitchFamily="49" charset="0"/>
+              </a:rPr>
+              <a:t>=</a:t>
+            </a:r>
+            <a:r>
+              <a:rPr lang="en-US" altLang="ja-JP" dirty="0">
+                <a:solidFill>
+                  <a:srgbClr val="236EBF"/>
+                </a:solidFill>
+                <a:latin typeface="Consolas" panose="020B0609020204030204" pitchFamily="49" charset="0"/>
+              </a:rPr>
+              <a:t> </a:t>
+            </a:r>
+            <a:r>
+              <a:rPr lang="en-US" altLang="ja-JP" dirty="0">
+                <a:solidFill>
+                  <a:srgbClr val="174781"/>
+                </a:solidFill>
+                <a:latin typeface="Consolas" panose="020B0609020204030204" pitchFamily="49" charset="0"/>
+              </a:rPr>
+              <a:t>0</a:t>
+            </a:r>
+            <a:r>
+              <a:rPr lang="en-US" altLang="ja-JP" dirty="0">
+                <a:solidFill>
+                  <a:srgbClr val="236EBF"/>
+                </a:solidFill>
+                <a:latin typeface="Consolas" panose="020B0609020204030204" pitchFamily="49" charset="0"/>
+              </a:rPr>
+              <a:t>;</a:t>
+            </a:r>
+            <a:endParaRPr lang="en-US" altLang="ja-JP" b="0" dirty="0">
+              <a:solidFill>
+                <a:srgbClr val="236EBF"/>
+              </a:solidFill>
+              <a:effectLst/>
+              <a:latin typeface="Consolas" panose="020B0609020204030204" pitchFamily="49" charset="0"/>
+            </a:endParaRPr>
+          </a:p>
+        </p:txBody>
+      </p:sp>
+      <p:sp>
+        <p:nvSpPr>
+          <p:cNvPr id="28" name="正方形/長方形 27"/>
+          <p:cNvSpPr/>
+          <p:nvPr/>
+        </p:nvSpPr>
+        <p:spPr>
+          <a:xfrm>
+            <a:off x="611560" y="1988840"/>
+            <a:ext cx="360040" cy="720080"/>
+          </a:xfrm>
+          <a:prstGeom prst="rect">
+            <a:avLst/>
+          </a:prstGeom>
+          <a:noFill/>
+          <a:ln>
+            <a:solidFill>
+              <a:schemeClr val="tx1"/>
+            </a:solidFill>
+          </a:ln>
+        </p:spPr>
+        <p:style>
+          <a:lnRef idx="2">
+            <a:schemeClr val="accent1">
+              <a:shade val="50000"/>
+            </a:schemeClr>
+          </a:lnRef>
+          <a:fillRef idx="1">
+            <a:schemeClr val="accent1"/>
+          </a:fillRef>
+          <a:effectRef idx="0">
+            <a:schemeClr val="accent1"/>
+          </a:effectRef>
+          <a:fontRef idx="minor">
+            <a:schemeClr val="lt1"/>
+          </a:fontRef>
+        </p:style>
+        <p:txBody>
+          <a:bodyPr rtlCol="0" anchor="ctr"/>
+          <a:lstStyle/>
+          <a:p>
+            <a:pPr algn="ctr"/>
+            <a:endParaRPr kumimoji="1" lang="ja-JP" altLang="en-US"/>
+          </a:p>
+        </p:txBody>
+      </p:sp>
+      <p:sp>
+        <p:nvSpPr>
+          <p:cNvPr id="29" name="正方形/長方形 28"/>
+          <p:cNvSpPr/>
+          <p:nvPr/>
+        </p:nvSpPr>
+        <p:spPr>
+          <a:xfrm>
+            <a:off x="971600" y="1988840"/>
+            <a:ext cx="360040" cy="720080"/>
+          </a:xfrm>
+          <a:prstGeom prst="rect">
+            <a:avLst/>
+          </a:prstGeom>
+          <a:noFill/>
+          <a:ln>
+            <a:solidFill>
+              <a:schemeClr val="tx1"/>
+            </a:solidFill>
+          </a:ln>
+        </p:spPr>
+        <p:style>
+          <a:lnRef idx="2">
+            <a:schemeClr val="accent1">
+              <a:shade val="50000"/>
+            </a:schemeClr>
+          </a:lnRef>
+          <a:fillRef idx="1">
+            <a:schemeClr val="accent1"/>
+          </a:fillRef>
+          <a:effectRef idx="0">
+            <a:schemeClr val="accent1"/>
+          </a:effectRef>
+          <a:fontRef idx="minor">
+            <a:schemeClr val="lt1"/>
+          </a:fontRef>
+        </p:style>
+        <p:txBody>
+          <a:bodyPr rtlCol="0" anchor="ctr"/>
+          <a:lstStyle/>
+          <a:p>
+            <a:pPr algn="ctr"/>
+            <a:endParaRPr kumimoji="1" lang="ja-JP" altLang="en-US"/>
+          </a:p>
+        </p:txBody>
+      </p:sp>
+      <p:sp>
+        <p:nvSpPr>
+          <p:cNvPr id="30" name="正方形/長方形 29"/>
+          <p:cNvSpPr/>
+          <p:nvPr/>
+        </p:nvSpPr>
+        <p:spPr>
+          <a:xfrm>
+            <a:off x="1331640" y="1988840"/>
+            <a:ext cx="360040" cy="720080"/>
+          </a:xfrm>
+          <a:prstGeom prst="rect">
+            <a:avLst/>
+          </a:prstGeom>
+          <a:noFill/>
+          <a:ln>
+            <a:solidFill>
+              <a:schemeClr val="tx1"/>
+            </a:solidFill>
+          </a:ln>
+        </p:spPr>
+        <p:style>
+          <a:lnRef idx="2">
+            <a:schemeClr val="accent1">
+              <a:shade val="50000"/>
+            </a:schemeClr>
+          </a:lnRef>
+          <a:fillRef idx="1">
+            <a:schemeClr val="accent1"/>
+          </a:fillRef>
+          <a:effectRef idx="0">
+            <a:schemeClr val="accent1"/>
+          </a:effectRef>
+          <a:fontRef idx="minor">
+            <a:schemeClr val="lt1"/>
+          </a:fontRef>
+        </p:style>
+        <p:txBody>
+          <a:bodyPr rtlCol="0" anchor="ctr"/>
+          <a:lstStyle/>
+          <a:p>
+            <a:pPr algn="ctr"/>
+            <a:endParaRPr kumimoji="1" lang="ja-JP" altLang="en-US"/>
+          </a:p>
+        </p:txBody>
+      </p:sp>
+      <p:sp>
+        <p:nvSpPr>
+          <p:cNvPr id="31" name="正方形/長方形 30"/>
+          <p:cNvSpPr/>
+          <p:nvPr/>
+        </p:nvSpPr>
+        <p:spPr>
+          <a:xfrm>
+            <a:off x="1691680" y="1988840"/>
+            <a:ext cx="360040" cy="720080"/>
+          </a:xfrm>
+          <a:prstGeom prst="rect">
+            <a:avLst/>
+          </a:prstGeom>
+          <a:noFill/>
+          <a:ln>
+            <a:solidFill>
+              <a:schemeClr val="tx1"/>
+            </a:solidFill>
+          </a:ln>
+        </p:spPr>
+        <p:style>
+          <a:lnRef idx="2">
+            <a:schemeClr val="accent1">
+              <a:shade val="50000"/>
+            </a:schemeClr>
+          </a:lnRef>
+          <a:fillRef idx="1">
+            <a:schemeClr val="accent1"/>
+          </a:fillRef>
+          <a:effectRef idx="0">
+            <a:schemeClr val="accent1"/>
+          </a:effectRef>
+          <a:fontRef idx="minor">
+            <a:schemeClr val="lt1"/>
+          </a:fontRef>
+        </p:style>
+        <p:txBody>
+          <a:bodyPr rtlCol="0" anchor="ctr"/>
+          <a:lstStyle/>
+          <a:p>
+            <a:pPr algn="ctr"/>
+            <a:endParaRPr kumimoji="1" lang="ja-JP" altLang="en-US"/>
+          </a:p>
+        </p:txBody>
+      </p:sp>
+      <p:sp>
+        <p:nvSpPr>
+          <p:cNvPr id="32" name="正方形/長方形 31"/>
+          <p:cNvSpPr/>
+          <p:nvPr/>
+        </p:nvSpPr>
+        <p:spPr>
+          <a:xfrm>
+            <a:off x="2051720" y="1988840"/>
+            <a:ext cx="360040" cy="720080"/>
+          </a:xfrm>
+          <a:prstGeom prst="rect">
+            <a:avLst/>
+          </a:prstGeom>
+          <a:noFill/>
+          <a:ln>
+            <a:solidFill>
+              <a:schemeClr val="tx1"/>
+            </a:solidFill>
+          </a:ln>
+        </p:spPr>
+        <p:style>
+          <a:lnRef idx="2">
+            <a:schemeClr val="accent1">
+              <a:shade val="50000"/>
+            </a:schemeClr>
+          </a:lnRef>
+          <a:fillRef idx="1">
+            <a:schemeClr val="accent1"/>
+          </a:fillRef>
+          <a:effectRef idx="0">
+            <a:schemeClr val="accent1"/>
+          </a:effectRef>
+          <a:fontRef idx="minor">
+            <a:schemeClr val="lt1"/>
+          </a:fontRef>
+        </p:style>
+        <p:txBody>
+          <a:bodyPr rtlCol="0" anchor="ctr"/>
+          <a:lstStyle/>
+          <a:p>
+            <a:pPr algn="ctr"/>
+            <a:endParaRPr kumimoji="1" lang="ja-JP" altLang="en-US"/>
+          </a:p>
+        </p:txBody>
+      </p:sp>
+      <p:sp>
+        <p:nvSpPr>
+          <p:cNvPr id="33" name="正方形/長方形 32"/>
+          <p:cNvSpPr/>
+          <p:nvPr/>
+        </p:nvSpPr>
+        <p:spPr>
+          <a:xfrm>
+            <a:off x="2411760" y="1988840"/>
+            <a:ext cx="360040" cy="720080"/>
+          </a:xfrm>
+          <a:prstGeom prst="rect">
+            <a:avLst/>
+          </a:prstGeom>
+          <a:noFill/>
+          <a:ln>
+            <a:solidFill>
+              <a:schemeClr val="tx1"/>
+            </a:solidFill>
+          </a:ln>
+        </p:spPr>
+        <p:style>
+          <a:lnRef idx="2">
+            <a:schemeClr val="accent1">
+              <a:shade val="50000"/>
+            </a:schemeClr>
+          </a:lnRef>
+          <a:fillRef idx="1">
+            <a:schemeClr val="accent1"/>
+          </a:fillRef>
+          <a:effectRef idx="0">
+            <a:schemeClr val="accent1"/>
+          </a:effectRef>
+          <a:fontRef idx="minor">
+            <a:schemeClr val="lt1"/>
+          </a:fontRef>
+        </p:style>
+        <p:txBody>
+          <a:bodyPr rtlCol="0" anchor="ctr"/>
+          <a:lstStyle/>
+          <a:p>
+            <a:pPr algn="ctr"/>
+            <a:endParaRPr kumimoji="1" lang="ja-JP" altLang="en-US"/>
+          </a:p>
+        </p:txBody>
+      </p:sp>
+      <p:sp>
+        <p:nvSpPr>
+          <p:cNvPr id="35" name="正方形/長方形 34"/>
+          <p:cNvSpPr/>
+          <p:nvPr/>
+        </p:nvSpPr>
+        <p:spPr>
+          <a:xfrm>
+            <a:off x="2771800" y="1988840"/>
+            <a:ext cx="360040" cy="720080"/>
+          </a:xfrm>
+          <a:prstGeom prst="rect">
+            <a:avLst/>
+          </a:prstGeom>
+          <a:noFill/>
+          <a:ln>
+            <a:solidFill>
+              <a:schemeClr val="tx1"/>
+            </a:solidFill>
+          </a:ln>
+        </p:spPr>
+        <p:style>
+          <a:lnRef idx="2">
+            <a:schemeClr val="accent1">
+              <a:shade val="50000"/>
+            </a:schemeClr>
+          </a:lnRef>
+          <a:fillRef idx="1">
+            <a:schemeClr val="accent1"/>
+          </a:fillRef>
+          <a:effectRef idx="0">
+            <a:schemeClr val="accent1"/>
+          </a:effectRef>
+          <a:fontRef idx="minor">
+            <a:schemeClr val="lt1"/>
+          </a:fontRef>
+        </p:style>
+        <p:txBody>
+          <a:bodyPr rtlCol="0" anchor="ctr"/>
+          <a:lstStyle/>
+          <a:p>
+            <a:pPr algn="ctr"/>
+            <a:endParaRPr kumimoji="1" lang="ja-JP" altLang="en-US"/>
+          </a:p>
+        </p:txBody>
+      </p:sp>
+      <p:cxnSp>
+        <p:nvCxnSpPr>
+          <p:cNvPr id="37" name="直線コネクタ 36"/>
+          <p:cNvCxnSpPr/>
+          <p:nvPr/>
+        </p:nvCxnSpPr>
+        <p:spPr>
+          <a:xfrm>
+            <a:off x="3131840" y="1988840"/>
+            <a:ext cx="360040" cy="0"/>
+          </a:xfrm>
+          <a:prstGeom prst="line">
+            <a:avLst/>
+          </a:prstGeom>
+          <a:ln w="12700">
+            <a:solidFill>
+              <a:schemeClr val="tx1"/>
+            </a:solidFill>
+            <a:prstDash val="dash"/>
+          </a:ln>
+        </p:spPr>
+        <p:style>
+          <a:lnRef idx="1">
+            <a:schemeClr val="accent1"/>
+          </a:lnRef>
+          <a:fillRef idx="0">
+            <a:schemeClr val="accent1"/>
+          </a:fillRef>
+          <a:effectRef idx="0">
+            <a:schemeClr val="accent1"/>
+          </a:effectRef>
+          <a:fontRef idx="minor">
+            <a:schemeClr val="tx1"/>
+          </a:fontRef>
+        </p:style>
+      </p:cxnSp>
+      <p:cxnSp>
+        <p:nvCxnSpPr>
+          <p:cNvPr id="38" name="直線コネクタ 37"/>
+          <p:cNvCxnSpPr/>
+          <p:nvPr/>
+        </p:nvCxnSpPr>
+        <p:spPr>
+          <a:xfrm>
+            <a:off x="3131840" y="2708920"/>
+            <a:ext cx="360040" cy="0"/>
+          </a:xfrm>
+          <a:prstGeom prst="line">
+            <a:avLst/>
+          </a:prstGeom>
+          <a:ln w="12700">
+            <a:solidFill>
+              <a:schemeClr val="tx1"/>
+            </a:solidFill>
+            <a:prstDash val="dash"/>
+          </a:ln>
+        </p:spPr>
+        <p:style>
+          <a:lnRef idx="1">
+            <a:schemeClr val="accent1"/>
+          </a:lnRef>
+          <a:fillRef idx="0">
+            <a:schemeClr val="accent1"/>
+          </a:fillRef>
+          <a:effectRef idx="0">
+            <a:schemeClr val="accent1"/>
+          </a:effectRef>
+          <a:fontRef idx="minor">
+            <a:schemeClr val="tx1"/>
+          </a:fontRef>
+        </p:style>
+      </p:cxnSp>
+      <p:sp>
+        <p:nvSpPr>
+          <p:cNvPr id="40" name="正方形/長方形 39"/>
+          <p:cNvSpPr/>
+          <p:nvPr/>
+        </p:nvSpPr>
+        <p:spPr>
+          <a:xfrm>
+            <a:off x="539552" y="1196752"/>
+            <a:ext cx="437940" cy="369332"/>
+          </a:xfrm>
+          <a:prstGeom prst="rect">
+            <a:avLst/>
+          </a:prstGeom>
+        </p:spPr>
+        <p:txBody>
+          <a:bodyPr wrap="none">
+            <a:spAutoFit/>
+          </a:bodyPr>
+          <a:lstStyle/>
+          <a:p>
+            <a:r>
+              <a:rPr lang="en-US" altLang="ja-JP" dirty="0">
+                <a:solidFill>
+                  <a:srgbClr val="236EBF"/>
+                </a:solidFill>
+                <a:latin typeface="Consolas" panose="020B0609020204030204" pitchFamily="49" charset="0"/>
+              </a:rPr>
+              <a:t>pi</a:t>
+            </a:r>
+            <a:endParaRPr lang="ja-JP" altLang="en-US" dirty="0"/>
+          </a:p>
+        </p:txBody>
+      </p:sp>
+      <p:sp>
+        <p:nvSpPr>
+          <p:cNvPr id="42" name="角丸四角形 41"/>
+          <p:cNvSpPr/>
+          <p:nvPr/>
+        </p:nvSpPr>
+        <p:spPr>
+          <a:xfrm>
+            <a:off x="323528" y="1196752"/>
+            <a:ext cx="936104" cy="410344"/>
+          </a:xfrm>
+          <a:prstGeom prst="roundRect">
+            <a:avLst/>
+          </a:prstGeom>
+          <a:noFill/>
+          <a:ln>
+            <a:solidFill>
+              <a:schemeClr val="tx1"/>
+            </a:solidFill>
+          </a:ln>
+        </p:spPr>
+        <p:style>
+          <a:lnRef idx="2">
+            <a:schemeClr val="accent1">
+              <a:shade val="50000"/>
+            </a:schemeClr>
+          </a:lnRef>
+          <a:fillRef idx="1">
+            <a:schemeClr val="accent1"/>
+          </a:fillRef>
+          <a:effectRef idx="0">
+            <a:schemeClr val="accent1"/>
+          </a:effectRef>
+          <a:fontRef idx="minor">
+            <a:schemeClr val="lt1"/>
+          </a:fontRef>
+        </p:style>
+        <p:txBody>
+          <a:bodyPr rtlCol="0" anchor="ctr"/>
+          <a:lstStyle/>
+          <a:p>
+            <a:pPr algn="ctr"/>
+            <a:endParaRPr kumimoji="1" lang="ja-JP" altLang="en-US"/>
+          </a:p>
+        </p:txBody>
+      </p:sp>
+      <p:cxnSp>
+        <p:nvCxnSpPr>
+          <p:cNvPr id="44" name="直線矢印コネクタ 43"/>
+          <p:cNvCxnSpPr>
+            <a:stCxn id="42" idx="2"/>
+            <a:endCxn id="28" idx="0"/>
+          </p:cNvCxnSpPr>
+          <p:nvPr/>
+        </p:nvCxnSpPr>
+        <p:spPr>
+          <a:xfrm>
+            <a:off x="791580" y="1607096"/>
+            <a:ext cx="0" cy="381744"/>
+          </a:xfrm>
+          <a:prstGeom prst="straightConnector1">
+            <a:avLst/>
+          </a:prstGeom>
+          <a:ln w="12700">
+            <a:solidFill>
+              <a:schemeClr val="tx1"/>
+            </a:solidFill>
+            <a:tailEnd type="triangle"/>
+          </a:ln>
+        </p:spPr>
+        <p:style>
+          <a:lnRef idx="1">
+            <a:schemeClr val="accent1"/>
+          </a:lnRef>
+          <a:fillRef idx="0">
+            <a:schemeClr val="accent1"/>
+          </a:fillRef>
+          <a:effectRef idx="0">
+            <a:schemeClr val="accent1"/>
+          </a:effectRef>
+          <a:fontRef idx="minor">
+            <a:schemeClr val="tx1"/>
+          </a:fontRef>
+        </p:style>
+      </p:cxnSp>
+      <p:sp>
+        <p:nvSpPr>
+          <p:cNvPr id="49" name="角丸四角形 48"/>
+          <p:cNvSpPr/>
+          <p:nvPr/>
+        </p:nvSpPr>
+        <p:spPr>
+          <a:xfrm>
+            <a:off x="1763688" y="1196752"/>
+            <a:ext cx="936104" cy="410344"/>
+          </a:xfrm>
+          <a:prstGeom prst="roundRect">
+            <a:avLst/>
+          </a:prstGeom>
+          <a:noFill/>
+          <a:ln>
+            <a:solidFill>
+              <a:schemeClr val="tx1"/>
+            </a:solidFill>
+          </a:ln>
+        </p:spPr>
+        <p:style>
+          <a:lnRef idx="2">
+            <a:schemeClr val="accent1">
+              <a:shade val="50000"/>
+            </a:schemeClr>
+          </a:lnRef>
+          <a:fillRef idx="1">
+            <a:schemeClr val="accent1"/>
+          </a:fillRef>
+          <a:effectRef idx="0">
+            <a:schemeClr val="accent1"/>
+          </a:effectRef>
+          <a:fontRef idx="minor">
+            <a:schemeClr val="lt1"/>
+          </a:fontRef>
+        </p:style>
+        <p:txBody>
+          <a:bodyPr rtlCol="0" anchor="ctr"/>
+          <a:lstStyle/>
+          <a:p>
+            <a:pPr algn="ctr"/>
+            <a:endParaRPr kumimoji="1" lang="ja-JP" altLang="en-US"/>
+          </a:p>
+        </p:txBody>
+      </p:sp>
+      <p:cxnSp>
+        <p:nvCxnSpPr>
+          <p:cNvPr id="50" name="直線矢印コネクタ 49"/>
+          <p:cNvCxnSpPr>
+            <a:stCxn id="49" idx="2"/>
+          </p:cNvCxnSpPr>
+          <p:nvPr/>
+        </p:nvCxnSpPr>
+        <p:spPr>
+          <a:xfrm>
+            <a:off x="2231740" y="1607096"/>
+            <a:ext cx="0" cy="381744"/>
+          </a:xfrm>
+          <a:prstGeom prst="straightConnector1">
+            <a:avLst/>
+          </a:prstGeom>
+          <a:ln w="12700">
+            <a:solidFill>
+              <a:schemeClr val="tx1"/>
+            </a:solidFill>
+            <a:tailEnd type="triangle"/>
+          </a:ln>
+        </p:spPr>
+        <p:style>
+          <a:lnRef idx="1">
+            <a:schemeClr val="accent1"/>
+          </a:lnRef>
+          <a:fillRef idx="0">
+            <a:schemeClr val="accent1"/>
+          </a:fillRef>
+          <a:effectRef idx="0">
+            <a:schemeClr val="accent1"/>
+          </a:effectRef>
+          <a:fontRef idx="minor">
+            <a:schemeClr val="tx1"/>
+          </a:fontRef>
+        </p:style>
+      </p:cxnSp>
+      <p:sp>
+        <p:nvSpPr>
+          <p:cNvPr id="51" name="正方形/長方形 50"/>
+          <p:cNvSpPr/>
+          <p:nvPr/>
+        </p:nvSpPr>
+        <p:spPr>
+          <a:xfrm>
+            <a:off x="1763688" y="1196752"/>
+            <a:ext cx="944489" cy="369332"/>
+          </a:xfrm>
+          <a:prstGeom prst="rect">
+            <a:avLst/>
+          </a:prstGeom>
+        </p:spPr>
+        <p:txBody>
+          <a:bodyPr wrap="none">
+            <a:spAutoFit/>
+          </a:bodyPr>
+          <a:lstStyle/>
+          <a:p>
+            <a:r>
+              <a:rPr lang="en-US" altLang="ja-JP" dirty="0">
+                <a:solidFill>
+                  <a:srgbClr val="236EBF"/>
+                </a:solidFill>
+                <a:latin typeface="Consolas" panose="020B0609020204030204" pitchFamily="49" charset="0"/>
+              </a:rPr>
+              <a:t>pi </a:t>
+            </a:r>
+            <a:r>
+              <a:rPr lang="en-US" altLang="ja-JP" dirty="0">
+                <a:solidFill>
+                  <a:srgbClr val="7B30D0"/>
+                </a:solidFill>
+                <a:latin typeface="Consolas" panose="020B0609020204030204" pitchFamily="49" charset="0"/>
+              </a:rPr>
+              <a:t>+</a:t>
+            </a:r>
+            <a:r>
+              <a:rPr lang="en-US" altLang="ja-JP" dirty="0">
+                <a:solidFill>
+                  <a:srgbClr val="236EBF"/>
+                </a:solidFill>
+                <a:latin typeface="Consolas" panose="020B0609020204030204" pitchFamily="49" charset="0"/>
+              </a:rPr>
+              <a:t> </a:t>
+            </a:r>
+            <a:r>
+              <a:rPr lang="en-US" altLang="ja-JP" dirty="0">
+                <a:solidFill>
+                  <a:srgbClr val="174781"/>
+                </a:solidFill>
+                <a:latin typeface="Consolas" panose="020B0609020204030204" pitchFamily="49" charset="0"/>
+              </a:rPr>
+              <a:t>1</a:t>
+            </a:r>
+            <a:endParaRPr lang="en-US" altLang="ja-JP" b="0" dirty="0">
+              <a:solidFill>
+                <a:srgbClr val="236EBF"/>
+              </a:solidFill>
+              <a:effectLst/>
+              <a:latin typeface="Consolas" panose="020B0609020204030204" pitchFamily="49" charset="0"/>
+            </a:endParaRPr>
+          </a:p>
+        </p:txBody>
+      </p:sp>
+      <p:cxnSp>
+        <p:nvCxnSpPr>
+          <p:cNvPr id="53" name="直線矢印コネクタ 52"/>
+          <p:cNvCxnSpPr/>
+          <p:nvPr/>
+        </p:nvCxnSpPr>
+        <p:spPr>
+          <a:xfrm>
+            <a:off x="611560" y="2852936"/>
+            <a:ext cx="1440160" cy="0"/>
+          </a:xfrm>
+          <a:prstGeom prst="straightConnector1">
+            <a:avLst/>
+          </a:prstGeom>
+          <a:ln w="12700">
+            <a:solidFill>
+              <a:schemeClr val="tx1"/>
+            </a:solidFill>
+            <a:headEnd type="triangle"/>
+            <a:tailEnd type="triangle"/>
+          </a:ln>
+        </p:spPr>
+        <p:style>
+          <a:lnRef idx="1">
+            <a:schemeClr val="accent1"/>
+          </a:lnRef>
+          <a:fillRef idx="0">
+            <a:schemeClr val="accent1"/>
+          </a:fillRef>
+          <a:effectRef idx="0">
+            <a:schemeClr val="accent1"/>
+          </a:effectRef>
+          <a:fontRef idx="minor">
+            <a:schemeClr val="tx1"/>
+          </a:fontRef>
+        </p:style>
+      </p:cxnSp>
+      <p:sp>
+        <p:nvSpPr>
+          <p:cNvPr id="55" name="テキスト ボックス 54"/>
+          <p:cNvSpPr txBox="1"/>
+          <p:nvPr/>
+        </p:nvSpPr>
+        <p:spPr>
+          <a:xfrm>
+            <a:off x="755576" y="2987660"/>
+            <a:ext cx="1179618" cy="369332"/>
+          </a:xfrm>
+          <a:prstGeom prst="rect">
+            <a:avLst/>
+          </a:prstGeom>
+          <a:noFill/>
+        </p:spPr>
+        <p:txBody>
+          <a:bodyPr wrap="none" rtlCol="0">
+            <a:spAutoFit/>
+          </a:bodyPr>
+          <a:lstStyle/>
+          <a:p>
+            <a:r>
+              <a:rPr kumimoji="1" lang="en-US" altLang="ja-JP" dirty="0" smtClean="0"/>
+              <a:t>int </a:t>
+            </a:r>
+            <a:r>
+              <a:rPr kumimoji="1" lang="ja-JP" altLang="en-US" dirty="0" smtClean="0"/>
+              <a:t>一つ分</a:t>
+            </a:r>
+            <a:endParaRPr kumimoji="1" lang="ja-JP" altLang="en-US" dirty="0"/>
+          </a:p>
+        </p:txBody>
+      </p:sp>
+      <p:sp>
+        <p:nvSpPr>
+          <p:cNvPr id="57" name="正方形/長方形 56"/>
+          <p:cNvSpPr/>
+          <p:nvPr/>
+        </p:nvSpPr>
+        <p:spPr>
+          <a:xfrm>
+            <a:off x="4572000" y="1988840"/>
+            <a:ext cx="360040" cy="720080"/>
+          </a:xfrm>
+          <a:prstGeom prst="rect">
+            <a:avLst/>
+          </a:prstGeom>
+          <a:noFill/>
+          <a:ln>
+            <a:solidFill>
+              <a:schemeClr val="tx1"/>
+            </a:solidFill>
+          </a:ln>
+        </p:spPr>
+        <p:style>
+          <a:lnRef idx="2">
+            <a:schemeClr val="accent1">
+              <a:shade val="50000"/>
+            </a:schemeClr>
+          </a:lnRef>
+          <a:fillRef idx="1">
+            <a:schemeClr val="accent1"/>
+          </a:fillRef>
+          <a:effectRef idx="0">
+            <a:schemeClr val="accent1"/>
+          </a:effectRef>
+          <a:fontRef idx="minor">
+            <a:schemeClr val="lt1"/>
+          </a:fontRef>
+        </p:style>
+        <p:txBody>
+          <a:bodyPr rtlCol="0" anchor="ctr"/>
+          <a:lstStyle/>
+          <a:p>
+            <a:pPr algn="ctr"/>
+            <a:endParaRPr kumimoji="1" lang="ja-JP" altLang="en-US"/>
+          </a:p>
+        </p:txBody>
+      </p:sp>
+      <p:cxnSp>
+        <p:nvCxnSpPr>
+          <p:cNvPr id="65" name="直線コネクタ 64"/>
+          <p:cNvCxnSpPr/>
+          <p:nvPr/>
+        </p:nvCxnSpPr>
+        <p:spPr>
+          <a:xfrm>
+            <a:off x="7812360" y="1988840"/>
+            <a:ext cx="360040" cy="0"/>
+          </a:xfrm>
+          <a:prstGeom prst="line">
+            <a:avLst/>
+          </a:prstGeom>
+          <a:ln w="12700">
+            <a:solidFill>
+              <a:schemeClr val="tx1"/>
+            </a:solidFill>
+            <a:prstDash val="dash"/>
+          </a:ln>
+        </p:spPr>
+        <p:style>
+          <a:lnRef idx="1">
+            <a:schemeClr val="accent1"/>
+          </a:lnRef>
+          <a:fillRef idx="0">
+            <a:schemeClr val="accent1"/>
+          </a:fillRef>
+          <a:effectRef idx="0">
+            <a:schemeClr val="accent1"/>
+          </a:effectRef>
+          <a:fontRef idx="minor">
+            <a:schemeClr val="tx1"/>
+          </a:fontRef>
+        </p:style>
+      </p:cxnSp>
+      <p:cxnSp>
+        <p:nvCxnSpPr>
+          <p:cNvPr id="66" name="直線コネクタ 65"/>
+          <p:cNvCxnSpPr/>
+          <p:nvPr/>
+        </p:nvCxnSpPr>
+        <p:spPr>
+          <a:xfrm>
+            <a:off x="7812360" y="2708920"/>
+            <a:ext cx="360040" cy="0"/>
+          </a:xfrm>
+          <a:prstGeom prst="line">
+            <a:avLst/>
+          </a:prstGeom>
+          <a:ln w="12700">
+            <a:solidFill>
+              <a:schemeClr val="tx1"/>
+            </a:solidFill>
+            <a:prstDash val="dash"/>
+          </a:ln>
+        </p:spPr>
+        <p:style>
+          <a:lnRef idx="1">
+            <a:schemeClr val="accent1"/>
+          </a:lnRef>
+          <a:fillRef idx="0">
+            <a:schemeClr val="accent1"/>
+          </a:fillRef>
+          <a:effectRef idx="0">
+            <a:schemeClr val="accent1"/>
+          </a:effectRef>
+          <a:fontRef idx="minor">
+            <a:schemeClr val="tx1"/>
+          </a:fontRef>
+        </p:style>
+      </p:cxnSp>
+      <p:sp>
+        <p:nvSpPr>
+          <p:cNvPr id="67" name="正方形/長方形 66"/>
+          <p:cNvSpPr/>
+          <p:nvPr/>
+        </p:nvSpPr>
+        <p:spPr>
+          <a:xfrm>
+            <a:off x="4499992" y="1206044"/>
+            <a:ext cx="437940" cy="369332"/>
+          </a:xfrm>
+          <a:prstGeom prst="rect">
+            <a:avLst/>
+          </a:prstGeom>
+        </p:spPr>
+        <p:txBody>
+          <a:bodyPr wrap="none">
+            <a:spAutoFit/>
+          </a:bodyPr>
+          <a:lstStyle/>
+          <a:p>
+            <a:r>
+              <a:rPr lang="en-US" altLang="ja-JP" dirty="0" smtClean="0">
+                <a:solidFill>
+                  <a:srgbClr val="236EBF"/>
+                </a:solidFill>
+                <a:latin typeface="Consolas" panose="020B0609020204030204" pitchFamily="49" charset="0"/>
+              </a:rPr>
+              <a:t>pd</a:t>
+            </a:r>
+            <a:endParaRPr lang="ja-JP" altLang="en-US" dirty="0"/>
+          </a:p>
+        </p:txBody>
+      </p:sp>
+      <p:sp>
+        <p:nvSpPr>
+          <p:cNvPr id="68" name="角丸四角形 67"/>
+          <p:cNvSpPr/>
+          <p:nvPr/>
+        </p:nvSpPr>
+        <p:spPr>
+          <a:xfrm>
+            <a:off x="4283968" y="1206044"/>
+            <a:ext cx="936104" cy="410344"/>
+          </a:xfrm>
+          <a:prstGeom prst="roundRect">
+            <a:avLst/>
+          </a:prstGeom>
+          <a:noFill/>
+          <a:ln>
+            <a:solidFill>
+              <a:schemeClr val="tx1"/>
+            </a:solidFill>
+          </a:ln>
+        </p:spPr>
+        <p:style>
+          <a:lnRef idx="2">
+            <a:schemeClr val="accent1">
+              <a:shade val="50000"/>
+            </a:schemeClr>
+          </a:lnRef>
+          <a:fillRef idx="1">
+            <a:schemeClr val="accent1"/>
+          </a:fillRef>
+          <a:effectRef idx="0">
+            <a:schemeClr val="accent1"/>
+          </a:effectRef>
+          <a:fontRef idx="minor">
+            <a:schemeClr val="lt1"/>
+          </a:fontRef>
+        </p:style>
+        <p:txBody>
+          <a:bodyPr rtlCol="0" anchor="ctr"/>
+          <a:lstStyle/>
+          <a:p>
+            <a:pPr algn="ctr"/>
+            <a:endParaRPr kumimoji="1" lang="ja-JP" altLang="en-US"/>
+          </a:p>
+        </p:txBody>
+      </p:sp>
+      <p:cxnSp>
+        <p:nvCxnSpPr>
+          <p:cNvPr id="69" name="直線矢印コネクタ 68"/>
+          <p:cNvCxnSpPr>
+            <a:stCxn id="68" idx="2"/>
+            <a:endCxn id="57" idx="0"/>
+          </p:cNvCxnSpPr>
+          <p:nvPr/>
+        </p:nvCxnSpPr>
+        <p:spPr>
+          <a:xfrm>
+            <a:off x="4752020" y="1616388"/>
+            <a:ext cx="0" cy="372452"/>
+          </a:xfrm>
+          <a:prstGeom prst="straightConnector1">
+            <a:avLst/>
+          </a:prstGeom>
+          <a:ln w="12700">
+            <a:solidFill>
+              <a:schemeClr val="tx1"/>
+            </a:solidFill>
+            <a:tailEnd type="triangle"/>
+          </a:ln>
+        </p:spPr>
+        <p:style>
+          <a:lnRef idx="1">
+            <a:schemeClr val="accent1"/>
+          </a:lnRef>
+          <a:fillRef idx="0">
+            <a:schemeClr val="accent1"/>
+          </a:fillRef>
+          <a:effectRef idx="0">
+            <a:schemeClr val="accent1"/>
+          </a:effectRef>
+          <a:fontRef idx="minor">
+            <a:schemeClr val="tx1"/>
+          </a:fontRef>
+        </p:style>
+      </p:cxnSp>
+      <p:sp>
+        <p:nvSpPr>
+          <p:cNvPr id="70" name="角丸四角形 69"/>
+          <p:cNvSpPr/>
+          <p:nvPr/>
+        </p:nvSpPr>
+        <p:spPr>
+          <a:xfrm>
+            <a:off x="7155903" y="1206044"/>
+            <a:ext cx="936104" cy="410344"/>
+          </a:xfrm>
+          <a:prstGeom prst="roundRect">
+            <a:avLst/>
+          </a:prstGeom>
+          <a:noFill/>
+          <a:ln>
+            <a:solidFill>
+              <a:schemeClr val="tx1"/>
+            </a:solidFill>
+          </a:ln>
+        </p:spPr>
+        <p:style>
+          <a:lnRef idx="2">
+            <a:schemeClr val="accent1">
+              <a:shade val="50000"/>
+            </a:schemeClr>
+          </a:lnRef>
+          <a:fillRef idx="1">
+            <a:schemeClr val="accent1"/>
+          </a:fillRef>
+          <a:effectRef idx="0">
+            <a:schemeClr val="accent1"/>
+          </a:effectRef>
+          <a:fontRef idx="minor">
+            <a:schemeClr val="lt1"/>
+          </a:fontRef>
+        </p:style>
+        <p:txBody>
+          <a:bodyPr rtlCol="0" anchor="ctr"/>
+          <a:lstStyle/>
+          <a:p>
+            <a:pPr algn="ctr"/>
+            <a:endParaRPr kumimoji="1" lang="ja-JP" altLang="en-US"/>
+          </a:p>
+        </p:txBody>
+      </p:sp>
+      <p:cxnSp>
+        <p:nvCxnSpPr>
+          <p:cNvPr id="71" name="直線矢印コネクタ 70"/>
+          <p:cNvCxnSpPr>
+            <a:stCxn id="70" idx="2"/>
+          </p:cNvCxnSpPr>
+          <p:nvPr/>
+        </p:nvCxnSpPr>
+        <p:spPr>
+          <a:xfrm>
+            <a:off x="7623955" y="1616388"/>
+            <a:ext cx="0" cy="381744"/>
+          </a:xfrm>
+          <a:prstGeom prst="straightConnector1">
+            <a:avLst/>
+          </a:prstGeom>
+          <a:ln w="12700">
+            <a:solidFill>
+              <a:schemeClr val="tx1"/>
+            </a:solidFill>
+            <a:tailEnd type="triangle"/>
+          </a:ln>
+        </p:spPr>
+        <p:style>
+          <a:lnRef idx="1">
+            <a:schemeClr val="accent1"/>
+          </a:lnRef>
+          <a:fillRef idx="0">
+            <a:schemeClr val="accent1"/>
+          </a:fillRef>
+          <a:effectRef idx="0">
+            <a:schemeClr val="accent1"/>
+          </a:effectRef>
+          <a:fontRef idx="minor">
+            <a:schemeClr val="tx1"/>
+          </a:fontRef>
+        </p:style>
+      </p:cxnSp>
+      <p:sp>
+        <p:nvSpPr>
+          <p:cNvPr id="72" name="正方形/長方形 71"/>
+          <p:cNvSpPr/>
+          <p:nvPr/>
+        </p:nvSpPr>
+        <p:spPr>
+          <a:xfrm>
+            <a:off x="7155903" y="1206044"/>
+            <a:ext cx="944489" cy="369332"/>
+          </a:xfrm>
+          <a:prstGeom prst="rect">
+            <a:avLst/>
+          </a:prstGeom>
+        </p:spPr>
+        <p:txBody>
+          <a:bodyPr wrap="none">
+            <a:spAutoFit/>
+          </a:bodyPr>
+          <a:lstStyle/>
+          <a:p>
+            <a:r>
+              <a:rPr lang="en-US" altLang="ja-JP" dirty="0" smtClean="0">
+                <a:solidFill>
+                  <a:srgbClr val="236EBF"/>
+                </a:solidFill>
+                <a:latin typeface="Consolas" panose="020B0609020204030204" pitchFamily="49" charset="0"/>
+              </a:rPr>
+              <a:t>pd</a:t>
+            </a:r>
+            <a:r>
+              <a:rPr lang="en-US" altLang="ja-JP" dirty="0">
+                <a:solidFill>
+                  <a:srgbClr val="236EBF"/>
+                </a:solidFill>
+                <a:latin typeface="Consolas" panose="020B0609020204030204" pitchFamily="49" charset="0"/>
+              </a:rPr>
+              <a:t> </a:t>
+            </a:r>
+            <a:r>
+              <a:rPr lang="en-US" altLang="ja-JP" dirty="0">
+                <a:solidFill>
+                  <a:srgbClr val="7B30D0"/>
+                </a:solidFill>
+                <a:latin typeface="Consolas" panose="020B0609020204030204" pitchFamily="49" charset="0"/>
+              </a:rPr>
+              <a:t>+</a:t>
+            </a:r>
+            <a:r>
+              <a:rPr lang="en-US" altLang="ja-JP" dirty="0">
+                <a:solidFill>
+                  <a:srgbClr val="236EBF"/>
+                </a:solidFill>
+                <a:latin typeface="Consolas" panose="020B0609020204030204" pitchFamily="49" charset="0"/>
+              </a:rPr>
+              <a:t> </a:t>
+            </a:r>
+            <a:r>
+              <a:rPr lang="en-US" altLang="ja-JP" dirty="0">
+                <a:solidFill>
+                  <a:srgbClr val="174781"/>
+                </a:solidFill>
+                <a:latin typeface="Consolas" panose="020B0609020204030204" pitchFamily="49" charset="0"/>
+              </a:rPr>
+              <a:t>1</a:t>
+            </a:r>
+            <a:endParaRPr lang="en-US" altLang="ja-JP" b="0" dirty="0">
+              <a:solidFill>
+                <a:srgbClr val="236EBF"/>
+              </a:solidFill>
+              <a:effectLst/>
+              <a:latin typeface="Consolas" panose="020B0609020204030204" pitchFamily="49" charset="0"/>
+            </a:endParaRPr>
+          </a:p>
+        </p:txBody>
+      </p:sp>
+      <p:cxnSp>
+        <p:nvCxnSpPr>
+          <p:cNvPr id="73" name="直線矢印コネクタ 72"/>
+          <p:cNvCxnSpPr/>
+          <p:nvPr/>
+        </p:nvCxnSpPr>
+        <p:spPr>
+          <a:xfrm>
+            <a:off x="4572000" y="2862228"/>
+            <a:ext cx="2880320" cy="0"/>
+          </a:xfrm>
+          <a:prstGeom prst="straightConnector1">
+            <a:avLst/>
+          </a:prstGeom>
+          <a:ln w="12700">
+            <a:solidFill>
+              <a:schemeClr val="tx1"/>
+            </a:solidFill>
+            <a:headEnd type="triangle"/>
+            <a:tailEnd type="triangle"/>
+          </a:ln>
+        </p:spPr>
+        <p:style>
+          <a:lnRef idx="1">
+            <a:schemeClr val="accent1"/>
+          </a:lnRef>
+          <a:fillRef idx="0">
+            <a:schemeClr val="accent1"/>
+          </a:fillRef>
+          <a:effectRef idx="0">
+            <a:schemeClr val="accent1"/>
+          </a:effectRef>
+          <a:fontRef idx="minor">
+            <a:schemeClr val="tx1"/>
+          </a:fontRef>
+        </p:style>
+      </p:cxnSp>
+      <p:sp>
+        <p:nvSpPr>
+          <p:cNvPr id="74" name="テキスト ボックス 73"/>
+          <p:cNvSpPr txBox="1"/>
+          <p:nvPr/>
+        </p:nvSpPr>
+        <p:spPr>
+          <a:xfrm>
+            <a:off x="5237666" y="2996952"/>
+            <a:ext cx="1638590" cy="369332"/>
+          </a:xfrm>
+          <a:prstGeom prst="rect">
+            <a:avLst/>
+          </a:prstGeom>
+          <a:noFill/>
+        </p:spPr>
+        <p:txBody>
+          <a:bodyPr wrap="none" rtlCol="0">
+            <a:spAutoFit/>
+          </a:bodyPr>
+          <a:lstStyle/>
+          <a:p>
+            <a:r>
+              <a:rPr kumimoji="1" lang="en-US" altLang="ja-JP" dirty="0" smtClean="0"/>
+              <a:t>double  </a:t>
+            </a:r>
+            <a:r>
+              <a:rPr kumimoji="1" lang="ja-JP" altLang="en-US" dirty="0" smtClean="0"/>
+              <a:t>一つ分</a:t>
+            </a:r>
+            <a:endParaRPr kumimoji="1" lang="ja-JP" altLang="en-US" dirty="0"/>
+          </a:p>
+        </p:txBody>
+      </p:sp>
+      <p:sp>
+        <p:nvSpPr>
+          <p:cNvPr id="75" name="正方形/長方形 74"/>
+          <p:cNvSpPr/>
+          <p:nvPr/>
+        </p:nvSpPr>
+        <p:spPr>
+          <a:xfrm>
+            <a:off x="5152071" y="548680"/>
+            <a:ext cx="2084225" cy="369332"/>
+          </a:xfrm>
+          <a:prstGeom prst="rect">
+            <a:avLst/>
+          </a:prstGeom>
+          <a:ln>
+            <a:solidFill>
+              <a:schemeClr val="tx1"/>
+            </a:solidFill>
+          </a:ln>
+        </p:spPr>
+        <p:txBody>
+          <a:bodyPr wrap="none">
+            <a:spAutoFit/>
+          </a:bodyPr>
+          <a:lstStyle/>
+          <a:p>
+            <a:r>
+              <a:rPr lang="en-US" altLang="ja-JP" dirty="0">
+                <a:solidFill>
+                  <a:srgbClr val="0991B6"/>
+                </a:solidFill>
+                <a:latin typeface="Consolas" panose="020B0609020204030204" pitchFamily="49" charset="0"/>
+              </a:rPr>
+              <a:t>double</a:t>
+            </a:r>
+            <a:r>
+              <a:rPr lang="en-US" altLang="ja-JP" dirty="0">
+                <a:solidFill>
+                  <a:srgbClr val="236EBF"/>
+                </a:solidFill>
+                <a:latin typeface="Consolas" panose="020B0609020204030204" pitchFamily="49" charset="0"/>
+              </a:rPr>
+              <a:t> </a:t>
+            </a:r>
+            <a:r>
+              <a:rPr lang="en-US" altLang="ja-JP" dirty="0">
+                <a:solidFill>
+                  <a:srgbClr val="7B30D0"/>
+                </a:solidFill>
+                <a:latin typeface="Consolas" panose="020B0609020204030204" pitchFamily="49" charset="0"/>
+              </a:rPr>
+              <a:t>*</a:t>
+            </a:r>
+            <a:r>
+              <a:rPr lang="en-US" altLang="ja-JP" dirty="0">
+                <a:solidFill>
+                  <a:srgbClr val="236EBF"/>
+                </a:solidFill>
+                <a:latin typeface="Consolas" panose="020B0609020204030204" pitchFamily="49" charset="0"/>
+              </a:rPr>
+              <a:t>pd </a:t>
+            </a:r>
+            <a:r>
+              <a:rPr lang="en-US" altLang="ja-JP" dirty="0">
+                <a:solidFill>
+                  <a:srgbClr val="7B30D0"/>
+                </a:solidFill>
+                <a:latin typeface="Consolas" panose="020B0609020204030204" pitchFamily="49" charset="0"/>
+              </a:rPr>
+              <a:t>=</a:t>
+            </a:r>
+            <a:r>
+              <a:rPr lang="en-US" altLang="ja-JP" dirty="0">
+                <a:solidFill>
+                  <a:srgbClr val="236EBF"/>
+                </a:solidFill>
+                <a:latin typeface="Consolas" panose="020B0609020204030204" pitchFamily="49" charset="0"/>
+              </a:rPr>
+              <a:t> </a:t>
+            </a:r>
+            <a:r>
+              <a:rPr lang="en-US" altLang="ja-JP" dirty="0">
+                <a:solidFill>
+                  <a:srgbClr val="174781"/>
+                </a:solidFill>
+                <a:latin typeface="Consolas" panose="020B0609020204030204" pitchFamily="49" charset="0"/>
+              </a:rPr>
+              <a:t>0</a:t>
+            </a:r>
+            <a:r>
+              <a:rPr lang="en-US" altLang="ja-JP" dirty="0">
+                <a:solidFill>
+                  <a:srgbClr val="236EBF"/>
+                </a:solidFill>
+                <a:latin typeface="Consolas" panose="020B0609020204030204" pitchFamily="49" charset="0"/>
+              </a:rPr>
+              <a:t>;</a:t>
+            </a:r>
+            <a:endParaRPr lang="en-US" altLang="ja-JP" b="0" dirty="0">
+              <a:solidFill>
+                <a:srgbClr val="236EBF"/>
+              </a:solidFill>
+              <a:effectLst/>
+              <a:latin typeface="Consolas" panose="020B0609020204030204" pitchFamily="49" charset="0"/>
+            </a:endParaRPr>
+          </a:p>
+        </p:txBody>
+      </p:sp>
+      <p:sp>
+        <p:nvSpPr>
+          <p:cNvPr id="83" name="正方形/長方形 82"/>
+          <p:cNvSpPr/>
+          <p:nvPr/>
+        </p:nvSpPr>
+        <p:spPr>
+          <a:xfrm>
+            <a:off x="4932040" y="1988840"/>
+            <a:ext cx="360040" cy="720080"/>
+          </a:xfrm>
+          <a:prstGeom prst="rect">
+            <a:avLst/>
+          </a:prstGeom>
+          <a:noFill/>
+          <a:ln>
+            <a:solidFill>
+              <a:schemeClr val="tx1"/>
+            </a:solidFill>
+          </a:ln>
+        </p:spPr>
+        <p:style>
+          <a:lnRef idx="2">
+            <a:schemeClr val="accent1">
+              <a:shade val="50000"/>
+            </a:schemeClr>
+          </a:lnRef>
+          <a:fillRef idx="1">
+            <a:schemeClr val="accent1"/>
+          </a:fillRef>
+          <a:effectRef idx="0">
+            <a:schemeClr val="accent1"/>
+          </a:effectRef>
+          <a:fontRef idx="minor">
+            <a:schemeClr val="lt1"/>
+          </a:fontRef>
+        </p:style>
+        <p:txBody>
+          <a:bodyPr rtlCol="0" anchor="ctr"/>
+          <a:lstStyle/>
+          <a:p>
+            <a:pPr algn="ctr"/>
+            <a:endParaRPr kumimoji="1" lang="ja-JP" altLang="en-US"/>
+          </a:p>
+        </p:txBody>
+      </p:sp>
+      <p:sp>
+        <p:nvSpPr>
+          <p:cNvPr id="84" name="正方形/長方形 83"/>
+          <p:cNvSpPr/>
+          <p:nvPr/>
+        </p:nvSpPr>
+        <p:spPr>
+          <a:xfrm>
+            <a:off x="5292080" y="1988840"/>
+            <a:ext cx="360040" cy="720080"/>
+          </a:xfrm>
+          <a:prstGeom prst="rect">
+            <a:avLst/>
+          </a:prstGeom>
+          <a:noFill/>
+          <a:ln>
+            <a:solidFill>
+              <a:schemeClr val="tx1"/>
+            </a:solidFill>
+          </a:ln>
+        </p:spPr>
+        <p:style>
+          <a:lnRef idx="2">
+            <a:schemeClr val="accent1">
+              <a:shade val="50000"/>
+            </a:schemeClr>
+          </a:lnRef>
+          <a:fillRef idx="1">
+            <a:schemeClr val="accent1"/>
+          </a:fillRef>
+          <a:effectRef idx="0">
+            <a:schemeClr val="accent1"/>
+          </a:effectRef>
+          <a:fontRef idx="minor">
+            <a:schemeClr val="lt1"/>
+          </a:fontRef>
+        </p:style>
+        <p:txBody>
+          <a:bodyPr rtlCol="0" anchor="ctr"/>
+          <a:lstStyle/>
+          <a:p>
+            <a:pPr algn="ctr"/>
+            <a:endParaRPr kumimoji="1" lang="ja-JP" altLang="en-US"/>
+          </a:p>
+        </p:txBody>
+      </p:sp>
+      <p:sp>
+        <p:nvSpPr>
+          <p:cNvPr id="85" name="正方形/長方形 84"/>
+          <p:cNvSpPr/>
+          <p:nvPr/>
+        </p:nvSpPr>
+        <p:spPr>
+          <a:xfrm>
+            <a:off x="5652120" y="1988840"/>
+            <a:ext cx="360040" cy="720080"/>
+          </a:xfrm>
+          <a:prstGeom prst="rect">
+            <a:avLst/>
+          </a:prstGeom>
+          <a:noFill/>
+          <a:ln>
+            <a:solidFill>
+              <a:schemeClr val="tx1"/>
+            </a:solidFill>
+          </a:ln>
+        </p:spPr>
+        <p:style>
+          <a:lnRef idx="2">
+            <a:schemeClr val="accent1">
+              <a:shade val="50000"/>
+            </a:schemeClr>
+          </a:lnRef>
+          <a:fillRef idx="1">
+            <a:schemeClr val="accent1"/>
+          </a:fillRef>
+          <a:effectRef idx="0">
+            <a:schemeClr val="accent1"/>
+          </a:effectRef>
+          <a:fontRef idx="minor">
+            <a:schemeClr val="lt1"/>
+          </a:fontRef>
+        </p:style>
+        <p:txBody>
+          <a:bodyPr rtlCol="0" anchor="ctr"/>
+          <a:lstStyle/>
+          <a:p>
+            <a:pPr algn="ctr"/>
+            <a:endParaRPr kumimoji="1" lang="ja-JP" altLang="en-US"/>
+          </a:p>
+        </p:txBody>
+      </p:sp>
+      <p:sp>
+        <p:nvSpPr>
+          <p:cNvPr id="86" name="正方形/長方形 85"/>
+          <p:cNvSpPr/>
+          <p:nvPr/>
+        </p:nvSpPr>
+        <p:spPr>
+          <a:xfrm>
+            <a:off x="6012160" y="1988840"/>
+            <a:ext cx="360040" cy="720080"/>
+          </a:xfrm>
+          <a:prstGeom prst="rect">
+            <a:avLst/>
+          </a:prstGeom>
+          <a:noFill/>
+          <a:ln>
+            <a:solidFill>
+              <a:schemeClr val="tx1"/>
+            </a:solidFill>
+          </a:ln>
+        </p:spPr>
+        <p:style>
+          <a:lnRef idx="2">
+            <a:schemeClr val="accent1">
+              <a:shade val="50000"/>
+            </a:schemeClr>
+          </a:lnRef>
+          <a:fillRef idx="1">
+            <a:schemeClr val="accent1"/>
+          </a:fillRef>
+          <a:effectRef idx="0">
+            <a:schemeClr val="accent1"/>
+          </a:effectRef>
+          <a:fontRef idx="minor">
+            <a:schemeClr val="lt1"/>
+          </a:fontRef>
+        </p:style>
+        <p:txBody>
+          <a:bodyPr rtlCol="0" anchor="ctr"/>
+          <a:lstStyle/>
+          <a:p>
+            <a:pPr algn="ctr"/>
+            <a:endParaRPr kumimoji="1" lang="ja-JP" altLang="en-US"/>
+          </a:p>
+        </p:txBody>
+      </p:sp>
+      <p:sp>
+        <p:nvSpPr>
+          <p:cNvPr id="87" name="正方形/長方形 86"/>
+          <p:cNvSpPr/>
+          <p:nvPr/>
+        </p:nvSpPr>
+        <p:spPr>
+          <a:xfrm>
+            <a:off x="6372200" y="1988840"/>
+            <a:ext cx="360040" cy="720080"/>
+          </a:xfrm>
+          <a:prstGeom prst="rect">
+            <a:avLst/>
+          </a:prstGeom>
+          <a:noFill/>
+          <a:ln>
+            <a:solidFill>
+              <a:schemeClr val="tx1"/>
+            </a:solidFill>
+          </a:ln>
+        </p:spPr>
+        <p:style>
+          <a:lnRef idx="2">
+            <a:schemeClr val="accent1">
+              <a:shade val="50000"/>
+            </a:schemeClr>
+          </a:lnRef>
+          <a:fillRef idx="1">
+            <a:schemeClr val="accent1"/>
+          </a:fillRef>
+          <a:effectRef idx="0">
+            <a:schemeClr val="accent1"/>
+          </a:effectRef>
+          <a:fontRef idx="minor">
+            <a:schemeClr val="lt1"/>
+          </a:fontRef>
+        </p:style>
+        <p:txBody>
+          <a:bodyPr rtlCol="0" anchor="ctr"/>
+          <a:lstStyle/>
+          <a:p>
+            <a:pPr algn="ctr"/>
+            <a:endParaRPr kumimoji="1" lang="ja-JP" altLang="en-US"/>
+          </a:p>
+        </p:txBody>
+      </p:sp>
+      <p:sp>
+        <p:nvSpPr>
+          <p:cNvPr id="88" name="正方形/長方形 87"/>
+          <p:cNvSpPr/>
+          <p:nvPr/>
+        </p:nvSpPr>
+        <p:spPr>
+          <a:xfrm>
+            <a:off x="6732240" y="1988840"/>
+            <a:ext cx="360040" cy="720080"/>
+          </a:xfrm>
+          <a:prstGeom prst="rect">
+            <a:avLst/>
+          </a:prstGeom>
+          <a:noFill/>
+          <a:ln>
+            <a:solidFill>
+              <a:schemeClr val="tx1"/>
+            </a:solidFill>
+          </a:ln>
+        </p:spPr>
+        <p:style>
+          <a:lnRef idx="2">
+            <a:schemeClr val="accent1">
+              <a:shade val="50000"/>
+            </a:schemeClr>
+          </a:lnRef>
+          <a:fillRef idx="1">
+            <a:schemeClr val="accent1"/>
+          </a:fillRef>
+          <a:effectRef idx="0">
+            <a:schemeClr val="accent1"/>
+          </a:effectRef>
+          <a:fontRef idx="minor">
+            <a:schemeClr val="lt1"/>
+          </a:fontRef>
+        </p:style>
+        <p:txBody>
+          <a:bodyPr rtlCol="0" anchor="ctr"/>
+          <a:lstStyle/>
+          <a:p>
+            <a:pPr algn="ctr"/>
+            <a:endParaRPr kumimoji="1" lang="ja-JP" altLang="en-US"/>
+          </a:p>
+        </p:txBody>
+      </p:sp>
+      <p:sp>
+        <p:nvSpPr>
+          <p:cNvPr id="89" name="正方形/長方形 88"/>
+          <p:cNvSpPr/>
+          <p:nvPr/>
+        </p:nvSpPr>
+        <p:spPr>
+          <a:xfrm>
+            <a:off x="7092280" y="1988840"/>
+            <a:ext cx="360040" cy="720080"/>
+          </a:xfrm>
+          <a:prstGeom prst="rect">
+            <a:avLst/>
+          </a:prstGeom>
+          <a:noFill/>
+          <a:ln>
+            <a:solidFill>
+              <a:schemeClr val="tx1"/>
+            </a:solidFill>
+          </a:ln>
+        </p:spPr>
+        <p:style>
+          <a:lnRef idx="2">
+            <a:schemeClr val="accent1">
+              <a:shade val="50000"/>
+            </a:schemeClr>
+          </a:lnRef>
+          <a:fillRef idx="1">
+            <a:schemeClr val="accent1"/>
+          </a:fillRef>
+          <a:effectRef idx="0">
+            <a:schemeClr val="accent1"/>
+          </a:effectRef>
+          <a:fontRef idx="minor">
+            <a:schemeClr val="lt1"/>
+          </a:fontRef>
+        </p:style>
+        <p:txBody>
+          <a:bodyPr rtlCol="0" anchor="ctr"/>
+          <a:lstStyle/>
+          <a:p>
+            <a:pPr algn="ctr"/>
+            <a:endParaRPr kumimoji="1" lang="ja-JP" altLang="en-US"/>
+          </a:p>
+        </p:txBody>
+      </p:sp>
+      <p:sp>
+        <p:nvSpPr>
+          <p:cNvPr id="90" name="正方形/長方形 89"/>
+          <p:cNvSpPr/>
+          <p:nvPr/>
+        </p:nvSpPr>
+        <p:spPr>
+          <a:xfrm>
+            <a:off x="7452320" y="1988840"/>
+            <a:ext cx="360040" cy="720080"/>
+          </a:xfrm>
+          <a:prstGeom prst="rect">
+            <a:avLst/>
+          </a:prstGeom>
+          <a:noFill/>
+          <a:ln>
+            <a:solidFill>
+              <a:schemeClr val="tx1"/>
+            </a:solidFill>
+          </a:ln>
+        </p:spPr>
+        <p:style>
+          <a:lnRef idx="2">
+            <a:schemeClr val="accent1">
+              <a:shade val="50000"/>
+            </a:schemeClr>
+          </a:lnRef>
+          <a:fillRef idx="1">
+            <a:schemeClr val="accent1"/>
+          </a:fillRef>
+          <a:effectRef idx="0">
+            <a:schemeClr val="accent1"/>
+          </a:effectRef>
+          <a:fontRef idx="minor">
+            <a:schemeClr val="lt1"/>
+          </a:fontRef>
+        </p:style>
+        <p:txBody>
+          <a:bodyPr rtlCol="0" anchor="ctr"/>
+          <a:lstStyle/>
+          <a:p>
+            <a:pPr algn="ctr"/>
+            <a:endParaRPr kumimoji="1" lang="ja-JP" altLang="en-US"/>
+          </a:p>
+        </p:txBody>
+      </p:sp>
+    </p:spTree>
+    <p:extLst>
+      <p:ext uri="{BB962C8B-B14F-4D97-AF65-F5344CB8AC3E}">
+        <p14:creationId xmlns:p14="http://schemas.microsoft.com/office/powerpoint/2010/main" val="2682915098"/>
+      </p:ext>
+    </p:extLst>
+  </p:cSld>
+  <p:clrMapOvr>
+    <a:masterClrMapping/>
+  </p:clrMapOvr>
+</p:sld>
+</file>
+
+<file path=ppt/slides/slide5.xml><?xml version="1.0" encoding="utf-8"?>
+<p:sld xmlns:a="http://schemas.openxmlformats.org/drawingml/2006/main" xmlns:r="http://schemas.openxmlformats.org/officeDocument/2006/relationships" xmlns:p="http://schemas.openxmlformats.org/presentationml/2006/main">
+  <p:cSld>
+    <p:spTree>
+      <p:nvGrpSpPr>
+        <p:cNvPr id="1" name=""/>
+        <p:cNvGrpSpPr/>
+        <p:nvPr/>
+      </p:nvGrpSpPr>
+      <p:grpSpPr>
+        <a:xfrm>
+          <a:off x="0" y="0"/>
+          <a:ext cx="0" cy="0"/>
+          <a:chOff x="0" y="0"/>
+          <a:chExt cx="0" cy="0"/>
+        </a:xfrm>
+      </p:grpSpPr>
       <p:sp>
         <p:nvSpPr>
           <p:cNvPr id="2" name="正方形/長方形 1">

--- a/pointer/fig/fig.pptx
+++ b/pointer/fig/fig.pptx
@@ -9,7 +9,8 @@
     <p:sldId id="264" r:id="rId3"/>
     <p:sldId id="265" r:id="rId4"/>
     <p:sldId id="266" r:id="rId5"/>
-    <p:sldId id="262" r:id="rId6"/>
+    <p:sldId id="267" r:id="rId6"/>
+    <p:sldId id="262" r:id="rId7"/>
   </p:sldIdLst>
   <p:sldSz cx="9144000" cy="6858000" type="screen4x3"/>
   <p:notesSz cx="6858000" cy="9144000"/>
@@ -6975,6 +6976,1585 @@
       </p:grpSpPr>
       <p:sp>
         <p:nvSpPr>
+          <p:cNvPr id="2" name="正方形/長方形 1"/>
+          <p:cNvSpPr/>
+          <p:nvPr/>
+        </p:nvSpPr>
+        <p:spPr>
+          <a:xfrm>
+            <a:off x="611560" y="1988840"/>
+            <a:ext cx="360040" cy="720080"/>
+          </a:xfrm>
+          <a:prstGeom prst="rect">
+            <a:avLst/>
+          </a:prstGeom>
+          <a:noFill/>
+          <a:ln>
+            <a:solidFill>
+              <a:schemeClr val="tx1"/>
+            </a:solidFill>
+          </a:ln>
+        </p:spPr>
+        <p:style>
+          <a:lnRef idx="2">
+            <a:schemeClr val="accent1">
+              <a:shade val="50000"/>
+            </a:schemeClr>
+          </a:lnRef>
+          <a:fillRef idx="1">
+            <a:schemeClr val="accent1"/>
+          </a:fillRef>
+          <a:effectRef idx="0">
+            <a:schemeClr val="accent1"/>
+          </a:effectRef>
+          <a:fontRef idx="minor">
+            <a:schemeClr val="lt1"/>
+          </a:fontRef>
+        </p:style>
+        <p:txBody>
+          <a:bodyPr rtlCol="0" anchor="ctr"/>
+          <a:lstStyle/>
+          <a:p>
+            <a:pPr algn="ctr"/>
+            <a:endParaRPr kumimoji="1" lang="ja-JP" altLang="en-US"/>
+          </a:p>
+        </p:txBody>
+      </p:sp>
+      <p:sp>
+        <p:nvSpPr>
+          <p:cNvPr id="3" name="正方形/長方形 2"/>
+          <p:cNvSpPr/>
+          <p:nvPr/>
+        </p:nvSpPr>
+        <p:spPr>
+          <a:xfrm>
+            <a:off x="971600" y="1988840"/>
+            <a:ext cx="360040" cy="720080"/>
+          </a:xfrm>
+          <a:prstGeom prst="rect">
+            <a:avLst/>
+          </a:prstGeom>
+          <a:noFill/>
+          <a:ln>
+            <a:solidFill>
+              <a:schemeClr val="tx1"/>
+            </a:solidFill>
+          </a:ln>
+        </p:spPr>
+        <p:style>
+          <a:lnRef idx="2">
+            <a:schemeClr val="accent1">
+              <a:shade val="50000"/>
+            </a:schemeClr>
+          </a:lnRef>
+          <a:fillRef idx="1">
+            <a:schemeClr val="accent1"/>
+          </a:fillRef>
+          <a:effectRef idx="0">
+            <a:schemeClr val="accent1"/>
+          </a:effectRef>
+          <a:fontRef idx="minor">
+            <a:schemeClr val="lt1"/>
+          </a:fontRef>
+        </p:style>
+        <p:txBody>
+          <a:bodyPr rtlCol="0" anchor="ctr"/>
+          <a:lstStyle/>
+          <a:p>
+            <a:pPr algn="ctr"/>
+            <a:endParaRPr kumimoji="1" lang="ja-JP" altLang="en-US"/>
+          </a:p>
+        </p:txBody>
+      </p:sp>
+      <p:sp>
+        <p:nvSpPr>
+          <p:cNvPr id="4" name="正方形/長方形 3"/>
+          <p:cNvSpPr/>
+          <p:nvPr/>
+        </p:nvSpPr>
+        <p:spPr>
+          <a:xfrm>
+            <a:off x="1331640" y="1988840"/>
+            <a:ext cx="360040" cy="720080"/>
+          </a:xfrm>
+          <a:prstGeom prst="rect">
+            <a:avLst/>
+          </a:prstGeom>
+          <a:noFill/>
+          <a:ln>
+            <a:solidFill>
+              <a:schemeClr val="tx1"/>
+            </a:solidFill>
+          </a:ln>
+        </p:spPr>
+        <p:style>
+          <a:lnRef idx="2">
+            <a:schemeClr val="accent1">
+              <a:shade val="50000"/>
+            </a:schemeClr>
+          </a:lnRef>
+          <a:fillRef idx="1">
+            <a:schemeClr val="accent1"/>
+          </a:fillRef>
+          <a:effectRef idx="0">
+            <a:schemeClr val="accent1"/>
+          </a:effectRef>
+          <a:fontRef idx="minor">
+            <a:schemeClr val="lt1"/>
+          </a:fontRef>
+        </p:style>
+        <p:txBody>
+          <a:bodyPr rtlCol="0" anchor="ctr"/>
+          <a:lstStyle/>
+          <a:p>
+            <a:pPr algn="ctr"/>
+            <a:endParaRPr kumimoji="1" lang="ja-JP" altLang="en-US"/>
+          </a:p>
+        </p:txBody>
+      </p:sp>
+      <p:sp>
+        <p:nvSpPr>
+          <p:cNvPr id="5" name="正方形/長方形 4"/>
+          <p:cNvSpPr/>
+          <p:nvPr/>
+        </p:nvSpPr>
+        <p:spPr>
+          <a:xfrm>
+            <a:off x="1691680" y="1988840"/>
+            <a:ext cx="360040" cy="720080"/>
+          </a:xfrm>
+          <a:prstGeom prst="rect">
+            <a:avLst/>
+          </a:prstGeom>
+          <a:noFill/>
+          <a:ln>
+            <a:solidFill>
+              <a:schemeClr val="tx1"/>
+            </a:solidFill>
+          </a:ln>
+        </p:spPr>
+        <p:style>
+          <a:lnRef idx="2">
+            <a:schemeClr val="accent1">
+              <a:shade val="50000"/>
+            </a:schemeClr>
+          </a:lnRef>
+          <a:fillRef idx="1">
+            <a:schemeClr val="accent1"/>
+          </a:fillRef>
+          <a:effectRef idx="0">
+            <a:schemeClr val="accent1"/>
+          </a:effectRef>
+          <a:fontRef idx="minor">
+            <a:schemeClr val="lt1"/>
+          </a:fontRef>
+        </p:style>
+        <p:txBody>
+          <a:bodyPr rtlCol="0" anchor="ctr"/>
+          <a:lstStyle/>
+          <a:p>
+            <a:pPr algn="ctr"/>
+            <a:endParaRPr kumimoji="1" lang="ja-JP" altLang="en-US"/>
+          </a:p>
+        </p:txBody>
+      </p:sp>
+      <p:sp>
+        <p:nvSpPr>
+          <p:cNvPr id="6" name="正方形/長方形 5"/>
+          <p:cNvSpPr/>
+          <p:nvPr/>
+        </p:nvSpPr>
+        <p:spPr>
+          <a:xfrm>
+            <a:off x="2051720" y="1988840"/>
+            <a:ext cx="360040" cy="720080"/>
+          </a:xfrm>
+          <a:prstGeom prst="rect">
+            <a:avLst/>
+          </a:prstGeom>
+          <a:noFill/>
+          <a:ln>
+            <a:solidFill>
+              <a:schemeClr val="tx1"/>
+            </a:solidFill>
+          </a:ln>
+        </p:spPr>
+        <p:style>
+          <a:lnRef idx="2">
+            <a:schemeClr val="accent1">
+              <a:shade val="50000"/>
+            </a:schemeClr>
+          </a:lnRef>
+          <a:fillRef idx="1">
+            <a:schemeClr val="accent1"/>
+          </a:fillRef>
+          <a:effectRef idx="0">
+            <a:schemeClr val="accent1"/>
+          </a:effectRef>
+          <a:fontRef idx="minor">
+            <a:schemeClr val="lt1"/>
+          </a:fontRef>
+        </p:style>
+        <p:txBody>
+          <a:bodyPr rtlCol="0" anchor="ctr"/>
+          <a:lstStyle/>
+          <a:p>
+            <a:pPr algn="ctr"/>
+            <a:endParaRPr kumimoji="1" lang="ja-JP" altLang="en-US"/>
+          </a:p>
+        </p:txBody>
+      </p:sp>
+      <p:sp>
+        <p:nvSpPr>
+          <p:cNvPr id="7" name="正方形/長方形 6"/>
+          <p:cNvSpPr/>
+          <p:nvPr/>
+        </p:nvSpPr>
+        <p:spPr>
+          <a:xfrm>
+            <a:off x="2411760" y="1988840"/>
+            <a:ext cx="360040" cy="720080"/>
+          </a:xfrm>
+          <a:prstGeom prst="rect">
+            <a:avLst/>
+          </a:prstGeom>
+          <a:noFill/>
+          <a:ln>
+            <a:solidFill>
+              <a:schemeClr val="tx1"/>
+            </a:solidFill>
+          </a:ln>
+        </p:spPr>
+        <p:style>
+          <a:lnRef idx="2">
+            <a:schemeClr val="accent1">
+              <a:shade val="50000"/>
+            </a:schemeClr>
+          </a:lnRef>
+          <a:fillRef idx="1">
+            <a:schemeClr val="accent1"/>
+          </a:fillRef>
+          <a:effectRef idx="0">
+            <a:schemeClr val="accent1"/>
+          </a:effectRef>
+          <a:fontRef idx="minor">
+            <a:schemeClr val="lt1"/>
+          </a:fontRef>
+        </p:style>
+        <p:txBody>
+          <a:bodyPr rtlCol="0" anchor="ctr"/>
+          <a:lstStyle/>
+          <a:p>
+            <a:pPr algn="ctr"/>
+            <a:endParaRPr kumimoji="1" lang="ja-JP" altLang="en-US"/>
+          </a:p>
+        </p:txBody>
+      </p:sp>
+      <p:sp>
+        <p:nvSpPr>
+          <p:cNvPr id="8" name="正方形/長方形 7"/>
+          <p:cNvSpPr/>
+          <p:nvPr/>
+        </p:nvSpPr>
+        <p:spPr>
+          <a:xfrm>
+            <a:off x="4932040" y="1988840"/>
+            <a:ext cx="360040" cy="720080"/>
+          </a:xfrm>
+          <a:prstGeom prst="rect">
+            <a:avLst/>
+          </a:prstGeom>
+          <a:noFill/>
+          <a:ln>
+            <a:solidFill>
+              <a:schemeClr val="tx1"/>
+            </a:solidFill>
+          </a:ln>
+        </p:spPr>
+        <p:style>
+          <a:lnRef idx="2">
+            <a:schemeClr val="accent1">
+              <a:shade val="50000"/>
+            </a:schemeClr>
+          </a:lnRef>
+          <a:fillRef idx="1">
+            <a:schemeClr val="accent1"/>
+          </a:fillRef>
+          <a:effectRef idx="0">
+            <a:schemeClr val="accent1"/>
+          </a:effectRef>
+          <a:fontRef idx="minor">
+            <a:schemeClr val="lt1"/>
+          </a:fontRef>
+        </p:style>
+        <p:txBody>
+          <a:bodyPr rtlCol="0" anchor="ctr"/>
+          <a:lstStyle/>
+          <a:p>
+            <a:pPr algn="ctr"/>
+            <a:endParaRPr kumimoji="1" lang="ja-JP" altLang="en-US"/>
+          </a:p>
+        </p:txBody>
+      </p:sp>
+      <p:cxnSp>
+        <p:nvCxnSpPr>
+          <p:cNvPr id="9" name="直線コネクタ 8"/>
+          <p:cNvCxnSpPr/>
+          <p:nvPr/>
+        </p:nvCxnSpPr>
+        <p:spPr>
+          <a:xfrm>
+            <a:off x="5292080" y="1988840"/>
+            <a:ext cx="360040" cy="0"/>
+          </a:xfrm>
+          <a:prstGeom prst="line">
+            <a:avLst/>
+          </a:prstGeom>
+          <a:ln w="12700">
+            <a:solidFill>
+              <a:schemeClr val="tx1"/>
+            </a:solidFill>
+            <a:prstDash val="dash"/>
+          </a:ln>
+        </p:spPr>
+        <p:style>
+          <a:lnRef idx="1">
+            <a:schemeClr val="accent1"/>
+          </a:lnRef>
+          <a:fillRef idx="0">
+            <a:schemeClr val="accent1"/>
+          </a:fillRef>
+          <a:effectRef idx="0">
+            <a:schemeClr val="accent1"/>
+          </a:effectRef>
+          <a:fontRef idx="minor">
+            <a:schemeClr val="tx1"/>
+          </a:fontRef>
+        </p:style>
+      </p:cxnSp>
+      <p:cxnSp>
+        <p:nvCxnSpPr>
+          <p:cNvPr id="10" name="直線コネクタ 9"/>
+          <p:cNvCxnSpPr/>
+          <p:nvPr/>
+        </p:nvCxnSpPr>
+        <p:spPr>
+          <a:xfrm>
+            <a:off x="5292080" y="2708920"/>
+            <a:ext cx="360040" cy="0"/>
+          </a:xfrm>
+          <a:prstGeom prst="line">
+            <a:avLst/>
+          </a:prstGeom>
+          <a:ln w="12700">
+            <a:solidFill>
+              <a:schemeClr val="tx1"/>
+            </a:solidFill>
+            <a:prstDash val="dash"/>
+          </a:ln>
+        </p:spPr>
+        <p:style>
+          <a:lnRef idx="1">
+            <a:schemeClr val="accent1"/>
+          </a:lnRef>
+          <a:fillRef idx="0">
+            <a:schemeClr val="accent1"/>
+          </a:fillRef>
+          <a:effectRef idx="0">
+            <a:schemeClr val="accent1"/>
+          </a:effectRef>
+          <a:fontRef idx="minor">
+            <a:schemeClr val="tx1"/>
+          </a:fontRef>
+        </p:style>
+      </p:cxnSp>
+      <p:sp>
+        <p:nvSpPr>
+          <p:cNvPr id="11" name="正方形/長方形 10"/>
+          <p:cNvSpPr/>
+          <p:nvPr/>
+        </p:nvSpPr>
+        <p:spPr>
+          <a:xfrm>
+            <a:off x="660296" y="1196752"/>
+            <a:ext cx="311304" cy="369332"/>
+          </a:xfrm>
+          <a:prstGeom prst="rect">
+            <a:avLst/>
+          </a:prstGeom>
+        </p:spPr>
+        <p:txBody>
+          <a:bodyPr wrap="none">
+            <a:spAutoFit/>
+          </a:bodyPr>
+          <a:lstStyle/>
+          <a:p>
+            <a:r>
+              <a:rPr lang="en-US" altLang="ja-JP" dirty="0" smtClean="0">
+                <a:solidFill>
+                  <a:srgbClr val="236EBF"/>
+                </a:solidFill>
+                <a:latin typeface="Consolas" panose="020B0609020204030204" pitchFamily="49" charset="0"/>
+              </a:rPr>
+              <a:t>p</a:t>
+            </a:r>
+            <a:endParaRPr lang="ja-JP" altLang="en-US" dirty="0"/>
+          </a:p>
+        </p:txBody>
+      </p:sp>
+      <p:sp>
+        <p:nvSpPr>
+          <p:cNvPr id="12" name="角丸四角形 11"/>
+          <p:cNvSpPr/>
+          <p:nvPr/>
+        </p:nvSpPr>
+        <p:spPr>
+          <a:xfrm>
+            <a:off x="323528" y="1196752"/>
+            <a:ext cx="936104" cy="410344"/>
+          </a:xfrm>
+          <a:prstGeom prst="roundRect">
+            <a:avLst/>
+          </a:prstGeom>
+          <a:noFill/>
+          <a:ln>
+            <a:solidFill>
+              <a:schemeClr val="tx1"/>
+            </a:solidFill>
+          </a:ln>
+        </p:spPr>
+        <p:style>
+          <a:lnRef idx="2">
+            <a:schemeClr val="accent1">
+              <a:shade val="50000"/>
+            </a:schemeClr>
+          </a:lnRef>
+          <a:fillRef idx="1">
+            <a:schemeClr val="accent1"/>
+          </a:fillRef>
+          <a:effectRef idx="0">
+            <a:schemeClr val="accent1"/>
+          </a:effectRef>
+          <a:fontRef idx="minor">
+            <a:schemeClr val="lt1"/>
+          </a:fontRef>
+        </p:style>
+        <p:txBody>
+          <a:bodyPr rtlCol="0" anchor="ctr"/>
+          <a:lstStyle/>
+          <a:p>
+            <a:pPr algn="ctr"/>
+            <a:endParaRPr kumimoji="1" lang="ja-JP" altLang="en-US"/>
+          </a:p>
+        </p:txBody>
+      </p:sp>
+      <p:cxnSp>
+        <p:nvCxnSpPr>
+          <p:cNvPr id="13" name="直線矢印コネクタ 12"/>
+          <p:cNvCxnSpPr>
+            <a:stCxn id="12" idx="2"/>
+            <a:endCxn id="2" idx="0"/>
+          </p:cNvCxnSpPr>
+          <p:nvPr/>
+        </p:nvCxnSpPr>
+        <p:spPr>
+          <a:xfrm>
+            <a:off x="791580" y="1607096"/>
+            <a:ext cx="0" cy="381744"/>
+          </a:xfrm>
+          <a:prstGeom prst="straightConnector1">
+            <a:avLst/>
+          </a:prstGeom>
+          <a:ln w="12700">
+            <a:solidFill>
+              <a:schemeClr val="tx1"/>
+            </a:solidFill>
+            <a:tailEnd type="triangle"/>
+          </a:ln>
+        </p:spPr>
+        <p:style>
+          <a:lnRef idx="1">
+            <a:schemeClr val="accent1"/>
+          </a:lnRef>
+          <a:fillRef idx="0">
+            <a:schemeClr val="accent1"/>
+          </a:fillRef>
+          <a:effectRef idx="0">
+            <a:schemeClr val="accent1"/>
+          </a:effectRef>
+          <a:fontRef idx="minor">
+            <a:schemeClr val="tx1"/>
+          </a:fontRef>
+        </p:style>
+      </p:cxnSp>
+      <p:sp>
+        <p:nvSpPr>
+          <p:cNvPr id="14" name="角丸四角形 13"/>
+          <p:cNvSpPr/>
+          <p:nvPr/>
+        </p:nvSpPr>
+        <p:spPr>
+          <a:xfrm>
+            <a:off x="1763688" y="1196752"/>
+            <a:ext cx="936104" cy="410344"/>
+          </a:xfrm>
+          <a:prstGeom prst="roundRect">
+            <a:avLst/>
+          </a:prstGeom>
+          <a:noFill/>
+          <a:ln>
+            <a:solidFill>
+              <a:schemeClr val="tx1"/>
+            </a:solidFill>
+          </a:ln>
+        </p:spPr>
+        <p:style>
+          <a:lnRef idx="2">
+            <a:schemeClr val="accent1">
+              <a:shade val="50000"/>
+            </a:schemeClr>
+          </a:lnRef>
+          <a:fillRef idx="1">
+            <a:schemeClr val="accent1"/>
+          </a:fillRef>
+          <a:effectRef idx="0">
+            <a:schemeClr val="accent1"/>
+          </a:effectRef>
+          <a:fontRef idx="minor">
+            <a:schemeClr val="lt1"/>
+          </a:fontRef>
+        </p:style>
+        <p:txBody>
+          <a:bodyPr rtlCol="0" anchor="ctr"/>
+          <a:lstStyle/>
+          <a:p>
+            <a:pPr algn="ctr"/>
+            <a:endParaRPr kumimoji="1" lang="ja-JP" altLang="en-US"/>
+          </a:p>
+        </p:txBody>
+      </p:sp>
+      <p:cxnSp>
+        <p:nvCxnSpPr>
+          <p:cNvPr id="15" name="直線矢印コネクタ 14"/>
+          <p:cNvCxnSpPr>
+            <a:stCxn id="14" idx="2"/>
+          </p:cNvCxnSpPr>
+          <p:nvPr/>
+        </p:nvCxnSpPr>
+        <p:spPr>
+          <a:xfrm>
+            <a:off x="2231740" y="1607096"/>
+            <a:ext cx="0" cy="381744"/>
+          </a:xfrm>
+          <a:prstGeom prst="straightConnector1">
+            <a:avLst/>
+          </a:prstGeom>
+          <a:ln w="12700">
+            <a:solidFill>
+              <a:schemeClr val="tx1"/>
+            </a:solidFill>
+            <a:tailEnd type="triangle"/>
+          </a:ln>
+        </p:spPr>
+        <p:style>
+          <a:lnRef idx="1">
+            <a:schemeClr val="accent1"/>
+          </a:lnRef>
+          <a:fillRef idx="0">
+            <a:schemeClr val="accent1"/>
+          </a:fillRef>
+          <a:effectRef idx="0">
+            <a:schemeClr val="accent1"/>
+          </a:effectRef>
+          <a:fontRef idx="minor">
+            <a:schemeClr val="tx1"/>
+          </a:fontRef>
+        </p:style>
+      </p:cxnSp>
+      <p:sp>
+        <p:nvSpPr>
+          <p:cNvPr id="16" name="正方形/長方形 15"/>
+          <p:cNvSpPr/>
+          <p:nvPr/>
+        </p:nvSpPr>
+        <p:spPr>
+          <a:xfrm>
+            <a:off x="1835696" y="1196752"/>
+            <a:ext cx="817853" cy="369332"/>
+          </a:xfrm>
+          <a:prstGeom prst="rect">
+            <a:avLst/>
+          </a:prstGeom>
+        </p:spPr>
+        <p:txBody>
+          <a:bodyPr wrap="none">
+            <a:spAutoFit/>
+          </a:bodyPr>
+          <a:lstStyle/>
+          <a:p>
+            <a:r>
+              <a:rPr lang="en-US" altLang="ja-JP" dirty="0" smtClean="0">
+                <a:solidFill>
+                  <a:srgbClr val="236EBF"/>
+                </a:solidFill>
+                <a:latin typeface="Consolas" panose="020B0609020204030204" pitchFamily="49" charset="0"/>
+              </a:rPr>
+              <a:t>p</a:t>
+            </a:r>
+            <a:r>
+              <a:rPr lang="en-US" altLang="ja-JP" dirty="0">
+                <a:solidFill>
+                  <a:srgbClr val="236EBF"/>
+                </a:solidFill>
+                <a:latin typeface="Consolas" panose="020B0609020204030204" pitchFamily="49" charset="0"/>
+              </a:rPr>
+              <a:t> </a:t>
+            </a:r>
+            <a:r>
+              <a:rPr lang="en-US" altLang="ja-JP" dirty="0">
+                <a:solidFill>
+                  <a:srgbClr val="7B30D0"/>
+                </a:solidFill>
+                <a:latin typeface="Consolas" panose="020B0609020204030204" pitchFamily="49" charset="0"/>
+              </a:rPr>
+              <a:t>+</a:t>
+            </a:r>
+            <a:r>
+              <a:rPr lang="en-US" altLang="ja-JP" dirty="0">
+                <a:solidFill>
+                  <a:srgbClr val="236EBF"/>
+                </a:solidFill>
+                <a:latin typeface="Consolas" panose="020B0609020204030204" pitchFamily="49" charset="0"/>
+              </a:rPr>
+              <a:t> </a:t>
+            </a:r>
+            <a:r>
+              <a:rPr lang="en-US" altLang="ja-JP" dirty="0">
+                <a:solidFill>
+                  <a:srgbClr val="174781"/>
+                </a:solidFill>
+                <a:latin typeface="Consolas" panose="020B0609020204030204" pitchFamily="49" charset="0"/>
+              </a:rPr>
+              <a:t>1</a:t>
+            </a:r>
+            <a:endParaRPr lang="en-US" altLang="ja-JP" b="0" dirty="0">
+              <a:solidFill>
+                <a:srgbClr val="236EBF"/>
+              </a:solidFill>
+              <a:effectLst/>
+              <a:latin typeface="Consolas" panose="020B0609020204030204" pitchFamily="49" charset="0"/>
+            </a:endParaRPr>
+          </a:p>
+        </p:txBody>
+      </p:sp>
+      <p:cxnSp>
+        <p:nvCxnSpPr>
+          <p:cNvPr id="17" name="直線矢印コネクタ 16"/>
+          <p:cNvCxnSpPr/>
+          <p:nvPr/>
+        </p:nvCxnSpPr>
+        <p:spPr>
+          <a:xfrm>
+            <a:off x="611560" y="2852936"/>
+            <a:ext cx="1440160" cy="0"/>
+          </a:xfrm>
+          <a:prstGeom prst="straightConnector1">
+            <a:avLst/>
+          </a:prstGeom>
+          <a:ln w="12700">
+            <a:solidFill>
+              <a:schemeClr val="tx1"/>
+            </a:solidFill>
+            <a:headEnd type="triangle"/>
+            <a:tailEnd type="triangle"/>
+          </a:ln>
+        </p:spPr>
+        <p:style>
+          <a:lnRef idx="1">
+            <a:schemeClr val="accent1"/>
+          </a:lnRef>
+          <a:fillRef idx="0">
+            <a:schemeClr val="accent1"/>
+          </a:fillRef>
+          <a:effectRef idx="0">
+            <a:schemeClr val="accent1"/>
+          </a:effectRef>
+          <a:fontRef idx="minor">
+            <a:schemeClr val="tx1"/>
+          </a:fontRef>
+        </p:style>
+      </p:cxnSp>
+      <p:sp>
+        <p:nvSpPr>
+          <p:cNvPr id="19" name="正方形/長方形 18"/>
+          <p:cNvSpPr/>
+          <p:nvPr/>
+        </p:nvSpPr>
+        <p:spPr>
+          <a:xfrm>
+            <a:off x="2771800" y="1988840"/>
+            <a:ext cx="360040" cy="720080"/>
+          </a:xfrm>
+          <a:prstGeom prst="rect">
+            <a:avLst/>
+          </a:prstGeom>
+          <a:noFill/>
+          <a:ln>
+            <a:solidFill>
+              <a:schemeClr val="tx1"/>
+            </a:solidFill>
+          </a:ln>
+        </p:spPr>
+        <p:style>
+          <a:lnRef idx="2">
+            <a:schemeClr val="accent1">
+              <a:shade val="50000"/>
+            </a:schemeClr>
+          </a:lnRef>
+          <a:fillRef idx="1">
+            <a:schemeClr val="accent1"/>
+          </a:fillRef>
+          <a:effectRef idx="0">
+            <a:schemeClr val="accent1"/>
+          </a:effectRef>
+          <a:fontRef idx="minor">
+            <a:schemeClr val="lt1"/>
+          </a:fontRef>
+        </p:style>
+        <p:txBody>
+          <a:bodyPr rtlCol="0" anchor="ctr"/>
+          <a:lstStyle/>
+          <a:p>
+            <a:pPr algn="ctr"/>
+            <a:endParaRPr kumimoji="1" lang="ja-JP" altLang="en-US"/>
+          </a:p>
+        </p:txBody>
+      </p:sp>
+      <p:sp>
+        <p:nvSpPr>
+          <p:cNvPr id="20" name="正方形/長方形 19"/>
+          <p:cNvSpPr/>
+          <p:nvPr/>
+        </p:nvSpPr>
+        <p:spPr>
+          <a:xfrm>
+            <a:off x="3131840" y="1988840"/>
+            <a:ext cx="360040" cy="720080"/>
+          </a:xfrm>
+          <a:prstGeom prst="rect">
+            <a:avLst/>
+          </a:prstGeom>
+          <a:noFill/>
+          <a:ln>
+            <a:solidFill>
+              <a:schemeClr val="tx1"/>
+            </a:solidFill>
+          </a:ln>
+        </p:spPr>
+        <p:style>
+          <a:lnRef idx="2">
+            <a:schemeClr val="accent1">
+              <a:shade val="50000"/>
+            </a:schemeClr>
+          </a:lnRef>
+          <a:fillRef idx="1">
+            <a:schemeClr val="accent1"/>
+          </a:fillRef>
+          <a:effectRef idx="0">
+            <a:schemeClr val="accent1"/>
+          </a:effectRef>
+          <a:fontRef idx="minor">
+            <a:schemeClr val="lt1"/>
+          </a:fontRef>
+        </p:style>
+        <p:txBody>
+          <a:bodyPr rtlCol="0" anchor="ctr"/>
+          <a:lstStyle/>
+          <a:p>
+            <a:pPr algn="ctr"/>
+            <a:endParaRPr kumimoji="1" lang="ja-JP" altLang="en-US"/>
+          </a:p>
+        </p:txBody>
+      </p:sp>
+      <p:sp>
+        <p:nvSpPr>
+          <p:cNvPr id="21" name="正方形/長方形 20"/>
+          <p:cNvSpPr/>
+          <p:nvPr/>
+        </p:nvSpPr>
+        <p:spPr>
+          <a:xfrm>
+            <a:off x="971600" y="2924944"/>
+            <a:ext cx="691215" cy="369332"/>
+          </a:xfrm>
+          <a:prstGeom prst="rect">
+            <a:avLst/>
+          </a:prstGeom>
+        </p:spPr>
+        <p:txBody>
+          <a:bodyPr wrap="none">
+            <a:spAutoFit/>
+          </a:bodyPr>
+          <a:lstStyle/>
+          <a:p>
+            <a:r>
+              <a:rPr lang="en-US" altLang="ja-JP" dirty="0">
+                <a:solidFill>
+                  <a:srgbClr val="2F86D2"/>
+                </a:solidFill>
+                <a:latin typeface="Consolas" panose="020B0609020204030204" pitchFamily="49" charset="0"/>
+              </a:rPr>
+              <a:t>a</a:t>
+            </a:r>
+            <a:r>
+              <a:rPr lang="en-US" altLang="ja-JP" dirty="0">
+                <a:solidFill>
+                  <a:srgbClr val="236EBF"/>
+                </a:solidFill>
+                <a:latin typeface="Consolas" panose="020B0609020204030204" pitchFamily="49" charset="0"/>
+              </a:rPr>
+              <a:t>[</a:t>
+            </a:r>
+            <a:r>
+              <a:rPr lang="en-US" altLang="ja-JP" dirty="0">
+                <a:solidFill>
+                  <a:srgbClr val="174781"/>
+                </a:solidFill>
+                <a:latin typeface="Consolas" panose="020B0609020204030204" pitchFamily="49" charset="0"/>
+              </a:rPr>
+              <a:t>0</a:t>
+            </a:r>
+            <a:r>
+              <a:rPr lang="en-US" altLang="ja-JP" dirty="0">
+                <a:solidFill>
+                  <a:srgbClr val="236EBF"/>
+                </a:solidFill>
+                <a:latin typeface="Consolas" panose="020B0609020204030204" pitchFamily="49" charset="0"/>
+              </a:rPr>
+              <a:t>]</a:t>
+            </a:r>
+            <a:endParaRPr lang="en-US" altLang="ja-JP" b="0" dirty="0">
+              <a:solidFill>
+                <a:srgbClr val="236EBF"/>
+              </a:solidFill>
+              <a:effectLst/>
+              <a:latin typeface="Consolas" panose="020B0609020204030204" pitchFamily="49" charset="0"/>
+            </a:endParaRPr>
+          </a:p>
+        </p:txBody>
+      </p:sp>
+      <p:cxnSp>
+        <p:nvCxnSpPr>
+          <p:cNvPr id="22" name="直線矢印コネクタ 21"/>
+          <p:cNvCxnSpPr/>
+          <p:nvPr/>
+        </p:nvCxnSpPr>
+        <p:spPr>
+          <a:xfrm>
+            <a:off x="2051720" y="2852936"/>
+            <a:ext cx="1440160" cy="0"/>
+          </a:xfrm>
+          <a:prstGeom prst="straightConnector1">
+            <a:avLst/>
+          </a:prstGeom>
+          <a:ln w="12700">
+            <a:solidFill>
+              <a:schemeClr val="tx1"/>
+            </a:solidFill>
+            <a:headEnd type="triangle"/>
+            <a:tailEnd type="triangle"/>
+          </a:ln>
+        </p:spPr>
+        <p:style>
+          <a:lnRef idx="1">
+            <a:schemeClr val="accent1"/>
+          </a:lnRef>
+          <a:fillRef idx="0">
+            <a:schemeClr val="accent1"/>
+          </a:fillRef>
+          <a:effectRef idx="0">
+            <a:schemeClr val="accent1"/>
+          </a:effectRef>
+          <a:fontRef idx="minor">
+            <a:schemeClr val="tx1"/>
+          </a:fontRef>
+        </p:style>
+      </p:cxnSp>
+      <p:sp>
+        <p:nvSpPr>
+          <p:cNvPr id="23" name="正方形/長方形 22"/>
+          <p:cNvSpPr/>
+          <p:nvPr/>
+        </p:nvSpPr>
+        <p:spPr>
+          <a:xfrm>
+            <a:off x="2440625" y="2924944"/>
+            <a:ext cx="691215" cy="369332"/>
+          </a:xfrm>
+          <a:prstGeom prst="rect">
+            <a:avLst/>
+          </a:prstGeom>
+        </p:spPr>
+        <p:txBody>
+          <a:bodyPr wrap="none">
+            <a:spAutoFit/>
+          </a:bodyPr>
+          <a:lstStyle/>
+          <a:p>
+            <a:r>
+              <a:rPr lang="en-US" altLang="ja-JP" dirty="0" smtClean="0">
+                <a:solidFill>
+                  <a:srgbClr val="2F86D2"/>
+                </a:solidFill>
+                <a:latin typeface="Consolas" panose="020B0609020204030204" pitchFamily="49" charset="0"/>
+              </a:rPr>
+              <a:t>a</a:t>
+            </a:r>
+            <a:r>
+              <a:rPr lang="en-US" altLang="ja-JP" dirty="0" smtClean="0">
+                <a:solidFill>
+                  <a:srgbClr val="236EBF"/>
+                </a:solidFill>
+                <a:latin typeface="Consolas" panose="020B0609020204030204" pitchFamily="49" charset="0"/>
+              </a:rPr>
+              <a:t>[1]</a:t>
+            </a:r>
+            <a:endParaRPr lang="en-US" altLang="ja-JP" b="0" dirty="0">
+              <a:solidFill>
+                <a:srgbClr val="236EBF"/>
+              </a:solidFill>
+              <a:effectLst/>
+              <a:latin typeface="Consolas" panose="020B0609020204030204" pitchFamily="49" charset="0"/>
+            </a:endParaRPr>
+          </a:p>
+        </p:txBody>
+      </p:sp>
+      <p:sp>
+        <p:nvSpPr>
+          <p:cNvPr id="24" name="正方形/長方形 23"/>
+          <p:cNvSpPr/>
+          <p:nvPr/>
+        </p:nvSpPr>
+        <p:spPr>
+          <a:xfrm>
+            <a:off x="3491880" y="1988840"/>
+            <a:ext cx="360040" cy="720080"/>
+          </a:xfrm>
+          <a:prstGeom prst="rect">
+            <a:avLst/>
+          </a:prstGeom>
+          <a:noFill/>
+          <a:ln>
+            <a:solidFill>
+              <a:schemeClr val="tx1"/>
+            </a:solidFill>
+          </a:ln>
+        </p:spPr>
+        <p:style>
+          <a:lnRef idx="2">
+            <a:schemeClr val="accent1">
+              <a:shade val="50000"/>
+            </a:schemeClr>
+          </a:lnRef>
+          <a:fillRef idx="1">
+            <a:schemeClr val="accent1"/>
+          </a:fillRef>
+          <a:effectRef idx="0">
+            <a:schemeClr val="accent1"/>
+          </a:effectRef>
+          <a:fontRef idx="minor">
+            <a:schemeClr val="lt1"/>
+          </a:fontRef>
+        </p:style>
+        <p:txBody>
+          <a:bodyPr rtlCol="0" anchor="ctr"/>
+          <a:lstStyle/>
+          <a:p>
+            <a:pPr algn="ctr"/>
+            <a:endParaRPr kumimoji="1" lang="ja-JP" altLang="en-US"/>
+          </a:p>
+        </p:txBody>
+      </p:sp>
+      <p:sp>
+        <p:nvSpPr>
+          <p:cNvPr id="25" name="正方形/長方形 24"/>
+          <p:cNvSpPr/>
+          <p:nvPr/>
+        </p:nvSpPr>
+        <p:spPr>
+          <a:xfrm>
+            <a:off x="3851920" y="1988840"/>
+            <a:ext cx="360040" cy="720080"/>
+          </a:xfrm>
+          <a:prstGeom prst="rect">
+            <a:avLst/>
+          </a:prstGeom>
+          <a:noFill/>
+          <a:ln>
+            <a:solidFill>
+              <a:schemeClr val="tx1"/>
+            </a:solidFill>
+          </a:ln>
+        </p:spPr>
+        <p:style>
+          <a:lnRef idx="2">
+            <a:schemeClr val="accent1">
+              <a:shade val="50000"/>
+            </a:schemeClr>
+          </a:lnRef>
+          <a:fillRef idx="1">
+            <a:schemeClr val="accent1"/>
+          </a:fillRef>
+          <a:effectRef idx="0">
+            <a:schemeClr val="accent1"/>
+          </a:effectRef>
+          <a:fontRef idx="minor">
+            <a:schemeClr val="lt1"/>
+          </a:fontRef>
+        </p:style>
+        <p:txBody>
+          <a:bodyPr rtlCol="0" anchor="ctr"/>
+          <a:lstStyle/>
+          <a:p>
+            <a:pPr algn="ctr"/>
+            <a:endParaRPr kumimoji="1" lang="ja-JP" altLang="en-US"/>
+          </a:p>
+        </p:txBody>
+      </p:sp>
+      <p:sp>
+        <p:nvSpPr>
+          <p:cNvPr id="26" name="正方形/長方形 25"/>
+          <p:cNvSpPr/>
+          <p:nvPr/>
+        </p:nvSpPr>
+        <p:spPr>
+          <a:xfrm>
+            <a:off x="4211960" y="1988840"/>
+            <a:ext cx="360040" cy="720080"/>
+          </a:xfrm>
+          <a:prstGeom prst="rect">
+            <a:avLst/>
+          </a:prstGeom>
+          <a:noFill/>
+          <a:ln>
+            <a:solidFill>
+              <a:schemeClr val="tx1"/>
+            </a:solidFill>
+          </a:ln>
+        </p:spPr>
+        <p:style>
+          <a:lnRef idx="2">
+            <a:schemeClr val="accent1">
+              <a:shade val="50000"/>
+            </a:schemeClr>
+          </a:lnRef>
+          <a:fillRef idx="1">
+            <a:schemeClr val="accent1"/>
+          </a:fillRef>
+          <a:effectRef idx="0">
+            <a:schemeClr val="accent1"/>
+          </a:effectRef>
+          <a:fontRef idx="minor">
+            <a:schemeClr val="lt1"/>
+          </a:fontRef>
+        </p:style>
+        <p:txBody>
+          <a:bodyPr rtlCol="0" anchor="ctr"/>
+          <a:lstStyle/>
+          <a:p>
+            <a:pPr algn="ctr"/>
+            <a:endParaRPr kumimoji="1" lang="ja-JP" altLang="en-US"/>
+          </a:p>
+        </p:txBody>
+      </p:sp>
+      <p:sp>
+        <p:nvSpPr>
+          <p:cNvPr id="27" name="正方形/長方形 26"/>
+          <p:cNvSpPr/>
+          <p:nvPr/>
+        </p:nvSpPr>
+        <p:spPr>
+          <a:xfrm>
+            <a:off x="4572000" y="1988840"/>
+            <a:ext cx="360040" cy="720080"/>
+          </a:xfrm>
+          <a:prstGeom prst="rect">
+            <a:avLst/>
+          </a:prstGeom>
+          <a:noFill/>
+          <a:ln>
+            <a:solidFill>
+              <a:schemeClr val="tx1"/>
+            </a:solidFill>
+          </a:ln>
+        </p:spPr>
+        <p:style>
+          <a:lnRef idx="2">
+            <a:schemeClr val="accent1">
+              <a:shade val="50000"/>
+            </a:schemeClr>
+          </a:lnRef>
+          <a:fillRef idx="1">
+            <a:schemeClr val="accent1"/>
+          </a:fillRef>
+          <a:effectRef idx="0">
+            <a:schemeClr val="accent1"/>
+          </a:effectRef>
+          <a:fontRef idx="minor">
+            <a:schemeClr val="lt1"/>
+          </a:fontRef>
+        </p:style>
+        <p:txBody>
+          <a:bodyPr rtlCol="0" anchor="ctr"/>
+          <a:lstStyle/>
+          <a:p>
+            <a:pPr algn="ctr"/>
+            <a:endParaRPr kumimoji="1" lang="ja-JP" altLang="en-US"/>
+          </a:p>
+        </p:txBody>
+      </p:sp>
+      <p:cxnSp>
+        <p:nvCxnSpPr>
+          <p:cNvPr id="28" name="直線矢印コネクタ 27"/>
+          <p:cNvCxnSpPr/>
+          <p:nvPr/>
+        </p:nvCxnSpPr>
+        <p:spPr>
+          <a:xfrm>
+            <a:off x="3491880" y="2852936"/>
+            <a:ext cx="1440160" cy="0"/>
+          </a:xfrm>
+          <a:prstGeom prst="straightConnector1">
+            <a:avLst/>
+          </a:prstGeom>
+          <a:ln w="12700">
+            <a:solidFill>
+              <a:schemeClr val="tx1"/>
+            </a:solidFill>
+            <a:headEnd type="triangle"/>
+            <a:tailEnd type="triangle"/>
+          </a:ln>
+        </p:spPr>
+        <p:style>
+          <a:lnRef idx="1">
+            <a:schemeClr val="accent1"/>
+          </a:lnRef>
+          <a:fillRef idx="0">
+            <a:schemeClr val="accent1"/>
+          </a:fillRef>
+          <a:effectRef idx="0">
+            <a:schemeClr val="accent1"/>
+          </a:effectRef>
+          <a:fontRef idx="minor">
+            <a:schemeClr val="tx1"/>
+          </a:fontRef>
+        </p:style>
+      </p:cxnSp>
+      <p:sp>
+        <p:nvSpPr>
+          <p:cNvPr id="29" name="正方形/長方形 28"/>
+          <p:cNvSpPr/>
+          <p:nvPr/>
+        </p:nvSpPr>
+        <p:spPr>
+          <a:xfrm>
+            <a:off x="3880785" y="2924944"/>
+            <a:ext cx="691215" cy="369332"/>
+          </a:xfrm>
+          <a:prstGeom prst="rect">
+            <a:avLst/>
+          </a:prstGeom>
+        </p:spPr>
+        <p:txBody>
+          <a:bodyPr wrap="none">
+            <a:spAutoFit/>
+          </a:bodyPr>
+          <a:lstStyle/>
+          <a:p>
+            <a:r>
+              <a:rPr lang="en-US" altLang="ja-JP" dirty="0" smtClean="0">
+                <a:solidFill>
+                  <a:srgbClr val="2F86D2"/>
+                </a:solidFill>
+                <a:latin typeface="Consolas" panose="020B0609020204030204" pitchFamily="49" charset="0"/>
+              </a:rPr>
+              <a:t>a</a:t>
+            </a:r>
+            <a:r>
+              <a:rPr lang="en-US" altLang="ja-JP" dirty="0" smtClean="0">
+                <a:solidFill>
+                  <a:srgbClr val="236EBF"/>
+                </a:solidFill>
+                <a:latin typeface="Consolas" panose="020B0609020204030204" pitchFamily="49" charset="0"/>
+              </a:rPr>
+              <a:t>[2]</a:t>
+            </a:r>
+            <a:endParaRPr lang="en-US" altLang="ja-JP" b="0" dirty="0">
+              <a:solidFill>
+                <a:srgbClr val="236EBF"/>
+              </a:solidFill>
+              <a:effectLst/>
+              <a:latin typeface="Consolas" panose="020B0609020204030204" pitchFamily="49" charset="0"/>
+            </a:endParaRPr>
+          </a:p>
+        </p:txBody>
+      </p:sp>
+      <p:sp>
+        <p:nvSpPr>
+          <p:cNvPr id="30" name="正方形/長方形 29"/>
+          <p:cNvSpPr/>
+          <p:nvPr/>
+        </p:nvSpPr>
+        <p:spPr>
+          <a:xfrm>
+            <a:off x="1907704" y="332656"/>
+            <a:ext cx="2520280" cy="646331"/>
+          </a:xfrm>
+          <a:prstGeom prst="rect">
+            <a:avLst/>
+          </a:prstGeom>
+          <a:ln>
+            <a:solidFill>
+              <a:schemeClr val="tx1"/>
+            </a:solidFill>
+          </a:ln>
+        </p:spPr>
+        <p:txBody>
+          <a:bodyPr wrap="square">
+            <a:spAutoFit/>
+          </a:bodyPr>
+          <a:lstStyle/>
+          <a:p>
+            <a:r>
+              <a:rPr lang="en-US" altLang="ja-JP" dirty="0">
+                <a:solidFill>
+                  <a:srgbClr val="236EBF"/>
+                </a:solidFill>
+                <a:latin typeface="Consolas" panose="020B0609020204030204" pitchFamily="49" charset="0"/>
+              </a:rPr>
+              <a:t>  </a:t>
+            </a:r>
+            <a:r>
+              <a:rPr lang="en-US" altLang="ja-JP" dirty="0">
+                <a:solidFill>
+                  <a:srgbClr val="0991B6"/>
+                </a:solidFill>
+                <a:latin typeface="Consolas" panose="020B0609020204030204" pitchFamily="49" charset="0"/>
+              </a:rPr>
+              <a:t>int</a:t>
+            </a:r>
+            <a:r>
+              <a:rPr lang="en-US" altLang="ja-JP" dirty="0">
+                <a:solidFill>
+                  <a:srgbClr val="236EBF"/>
+                </a:solidFill>
+                <a:latin typeface="Consolas" panose="020B0609020204030204" pitchFamily="49" charset="0"/>
+              </a:rPr>
+              <a:t> </a:t>
+            </a:r>
+            <a:r>
+              <a:rPr lang="en-US" altLang="ja-JP" dirty="0">
+                <a:solidFill>
+                  <a:srgbClr val="2F86D2"/>
+                </a:solidFill>
+                <a:latin typeface="Consolas" panose="020B0609020204030204" pitchFamily="49" charset="0"/>
+              </a:rPr>
+              <a:t>a</a:t>
+            </a:r>
+            <a:r>
+              <a:rPr lang="en-US" altLang="ja-JP" dirty="0">
+                <a:solidFill>
+                  <a:srgbClr val="236EBF"/>
+                </a:solidFill>
+                <a:latin typeface="Consolas" panose="020B0609020204030204" pitchFamily="49" charset="0"/>
+              </a:rPr>
+              <a:t>[</a:t>
+            </a:r>
+            <a:r>
+              <a:rPr lang="en-US" altLang="ja-JP" dirty="0">
+                <a:solidFill>
+                  <a:srgbClr val="174781"/>
+                </a:solidFill>
+                <a:latin typeface="Consolas" panose="020B0609020204030204" pitchFamily="49" charset="0"/>
+              </a:rPr>
+              <a:t>10</a:t>
+            </a:r>
+            <a:r>
+              <a:rPr lang="en-US" altLang="ja-JP" dirty="0">
+                <a:solidFill>
+                  <a:srgbClr val="236EBF"/>
+                </a:solidFill>
+                <a:latin typeface="Consolas" panose="020B0609020204030204" pitchFamily="49" charset="0"/>
+              </a:rPr>
+              <a:t>];</a:t>
+            </a:r>
+          </a:p>
+          <a:p>
+            <a:r>
+              <a:rPr lang="en-US" altLang="ja-JP" dirty="0">
+                <a:solidFill>
+                  <a:srgbClr val="236EBF"/>
+                </a:solidFill>
+                <a:latin typeface="Consolas" panose="020B0609020204030204" pitchFamily="49" charset="0"/>
+              </a:rPr>
+              <a:t>  </a:t>
+            </a:r>
+            <a:r>
+              <a:rPr lang="en-US" altLang="ja-JP" dirty="0">
+                <a:solidFill>
+                  <a:srgbClr val="0991B6"/>
+                </a:solidFill>
+                <a:latin typeface="Consolas" panose="020B0609020204030204" pitchFamily="49" charset="0"/>
+              </a:rPr>
+              <a:t>double</a:t>
+            </a:r>
+            <a:r>
+              <a:rPr lang="en-US" altLang="ja-JP" dirty="0">
+                <a:solidFill>
+                  <a:srgbClr val="236EBF"/>
+                </a:solidFill>
+                <a:latin typeface="Consolas" panose="020B0609020204030204" pitchFamily="49" charset="0"/>
+              </a:rPr>
+              <a:t> </a:t>
+            </a:r>
+            <a:r>
+              <a:rPr lang="en-US" altLang="ja-JP" dirty="0">
+                <a:solidFill>
+                  <a:srgbClr val="7B30D0"/>
+                </a:solidFill>
+                <a:latin typeface="Consolas" panose="020B0609020204030204" pitchFamily="49" charset="0"/>
+              </a:rPr>
+              <a:t>*</a:t>
+            </a:r>
+            <a:r>
+              <a:rPr lang="en-US" altLang="ja-JP" dirty="0">
+                <a:solidFill>
+                  <a:srgbClr val="236EBF"/>
+                </a:solidFill>
+                <a:latin typeface="Consolas" panose="020B0609020204030204" pitchFamily="49" charset="0"/>
+              </a:rPr>
+              <a:t>p </a:t>
+            </a:r>
+            <a:r>
+              <a:rPr lang="en-US" altLang="ja-JP" dirty="0">
+                <a:solidFill>
+                  <a:srgbClr val="7B30D0"/>
+                </a:solidFill>
+                <a:latin typeface="Consolas" panose="020B0609020204030204" pitchFamily="49" charset="0"/>
+              </a:rPr>
+              <a:t>=</a:t>
+            </a:r>
+            <a:r>
+              <a:rPr lang="en-US" altLang="ja-JP" dirty="0">
+                <a:solidFill>
+                  <a:srgbClr val="236EBF"/>
+                </a:solidFill>
+                <a:latin typeface="Consolas" panose="020B0609020204030204" pitchFamily="49" charset="0"/>
+              </a:rPr>
+              <a:t> a;</a:t>
+            </a:r>
+            <a:endParaRPr lang="en-US" altLang="ja-JP" b="0" dirty="0">
+              <a:solidFill>
+                <a:srgbClr val="236EBF"/>
+              </a:solidFill>
+              <a:effectLst/>
+              <a:latin typeface="Consolas" panose="020B0609020204030204" pitchFamily="49" charset="0"/>
+            </a:endParaRPr>
+          </a:p>
+        </p:txBody>
+      </p:sp>
+      <p:sp>
+        <p:nvSpPr>
+          <p:cNvPr id="31" name="角丸四角形 30"/>
+          <p:cNvSpPr/>
+          <p:nvPr/>
+        </p:nvSpPr>
+        <p:spPr>
+          <a:xfrm>
+            <a:off x="3203848" y="1196752"/>
+            <a:ext cx="936104" cy="410344"/>
+          </a:xfrm>
+          <a:prstGeom prst="roundRect">
+            <a:avLst/>
+          </a:prstGeom>
+          <a:noFill/>
+          <a:ln>
+            <a:solidFill>
+              <a:schemeClr val="tx1"/>
+            </a:solidFill>
+          </a:ln>
+        </p:spPr>
+        <p:style>
+          <a:lnRef idx="2">
+            <a:schemeClr val="accent1">
+              <a:shade val="50000"/>
+            </a:schemeClr>
+          </a:lnRef>
+          <a:fillRef idx="1">
+            <a:schemeClr val="accent1"/>
+          </a:fillRef>
+          <a:effectRef idx="0">
+            <a:schemeClr val="accent1"/>
+          </a:effectRef>
+          <a:fontRef idx="minor">
+            <a:schemeClr val="lt1"/>
+          </a:fontRef>
+        </p:style>
+        <p:txBody>
+          <a:bodyPr rtlCol="0" anchor="ctr"/>
+          <a:lstStyle/>
+          <a:p>
+            <a:pPr algn="ctr"/>
+            <a:endParaRPr kumimoji="1" lang="ja-JP" altLang="en-US"/>
+          </a:p>
+        </p:txBody>
+      </p:sp>
+      <p:cxnSp>
+        <p:nvCxnSpPr>
+          <p:cNvPr id="32" name="直線矢印コネクタ 31"/>
+          <p:cNvCxnSpPr>
+            <a:stCxn id="31" idx="2"/>
+          </p:cNvCxnSpPr>
+          <p:nvPr/>
+        </p:nvCxnSpPr>
+        <p:spPr>
+          <a:xfrm>
+            <a:off x="3671900" y="1607096"/>
+            <a:ext cx="0" cy="381744"/>
+          </a:xfrm>
+          <a:prstGeom prst="straightConnector1">
+            <a:avLst/>
+          </a:prstGeom>
+          <a:ln w="12700">
+            <a:solidFill>
+              <a:schemeClr val="tx1"/>
+            </a:solidFill>
+            <a:tailEnd type="triangle"/>
+          </a:ln>
+        </p:spPr>
+        <p:style>
+          <a:lnRef idx="1">
+            <a:schemeClr val="accent1"/>
+          </a:lnRef>
+          <a:fillRef idx="0">
+            <a:schemeClr val="accent1"/>
+          </a:fillRef>
+          <a:effectRef idx="0">
+            <a:schemeClr val="accent1"/>
+          </a:effectRef>
+          <a:fontRef idx="minor">
+            <a:schemeClr val="tx1"/>
+          </a:fontRef>
+        </p:style>
+      </p:cxnSp>
+      <p:sp>
+        <p:nvSpPr>
+          <p:cNvPr id="33" name="正方形/長方形 32"/>
+          <p:cNvSpPr/>
+          <p:nvPr/>
+        </p:nvSpPr>
+        <p:spPr>
+          <a:xfrm>
+            <a:off x="3275856" y="1196752"/>
+            <a:ext cx="817853" cy="369332"/>
+          </a:xfrm>
+          <a:prstGeom prst="rect">
+            <a:avLst/>
+          </a:prstGeom>
+        </p:spPr>
+        <p:txBody>
+          <a:bodyPr wrap="none">
+            <a:spAutoFit/>
+          </a:bodyPr>
+          <a:lstStyle/>
+          <a:p>
+            <a:r>
+              <a:rPr lang="en-US" altLang="ja-JP" dirty="0" smtClean="0">
+                <a:solidFill>
+                  <a:srgbClr val="236EBF"/>
+                </a:solidFill>
+                <a:latin typeface="Consolas" panose="020B0609020204030204" pitchFamily="49" charset="0"/>
+              </a:rPr>
+              <a:t>p</a:t>
+            </a:r>
+            <a:r>
+              <a:rPr lang="en-US" altLang="ja-JP" dirty="0">
+                <a:solidFill>
+                  <a:srgbClr val="236EBF"/>
+                </a:solidFill>
+                <a:latin typeface="Consolas" panose="020B0609020204030204" pitchFamily="49" charset="0"/>
+              </a:rPr>
+              <a:t> </a:t>
+            </a:r>
+            <a:r>
+              <a:rPr lang="en-US" altLang="ja-JP" dirty="0">
+                <a:solidFill>
+                  <a:srgbClr val="7B30D0"/>
+                </a:solidFill>
+                <a:latin typeface="Consolas" panose="020B0609020204030204" pitchFamily="49" charset="0"/>
+              </a:rPr>
+              <a:t>+</a:t>
+            </a:r>
+            <a:r>
+              <a:rPr lang="en-US" altLang="ja-JP" dirty="0">
+                <a:solidFill>
+                  <a:srgbClr val="236EBF"/>
+                </a:solidFill>
+                <a:latin typeface="Consolas" panose="020B0609020204030204" pitchFamily="49" charset="0"/>
+              </a:rPr>
+              <a:t> </a:t>
+            </a:r>
+            <a:r>
+              <a:rPr lang="en-US" altLang="ja-JP" dirty="0" smtClean="0">
+                <a:solidFill>
+                  <a:srgbClr val="174781"/>
+                </a:solidFill>
+                <a:latin typeface="Consolas" panose="020B0609020204030204" pitchFamily="49" charset="0"/>
+              </a:rPr>
+              <a:t>2</a:t>
+            </a:r>
+            <a:endParaRPr lang="en-US" altLang="ja-JP" b="0" dirty="0">
+              <a:solidFill>
+                <a:srgbClr val="236EBF"/>
+              </a:solidFill>
+              <a:effectLst/>
+              <a:latin typeface="Consolas" panose="020B0609020204030204" pitchFamily="49" charset="0"/>
+            </a:endParaRPr>
+          </a:p>
+        </p:txBody>
+      </p:sp>
+    </p:spTree>
+    <p:extLst>
+      <p:ext uri="{BB962C8B-B14F-4D97-AF65-F5344CB8AC3E}">
+        <p14:creationId xmlns:p14="http://schemas.microsoft.com/office/powerpoint/2010/main" val="2271080041"/>
+      </p:ext>
+    </p:extLst>
+  </p:cSld>
+  <p:clrMapOvr>
+    <a:masterClrMapping/>
+  </p:clrMapOvr>
+</p:sld>
+</file>
+
+<file path=ppt/slides/slide6.xml><?xml version="1.0" encoding="utf-8"?>
+<p:sld xmlns:a="http://schemas.openxmlformats.org/drawingml/2006/main" xmlns:r="http://schemas.openxmlformats.org/officeDocument/2006/relationships" xmlns:p="http://schemas.openxmlformats.org/presentationml/2006/main">
+  <p:cSld>
+    <p:spTree>
+      <p:nvGrpSpPr>
+        <p:cNvPr id="1" name=""/>
+        <p:cNvGrpSpPr/>
+        <p:nvPr/>
+      </p:nvGrpSpPr>
+      <p:grpSpPr>
+        <a:xfrm>
+          <a:off x="0" y="0"/>
+          <a:ext cx="0" cy="0"/>
+          <a:chOff x="0" y="0"/>
+          <a:chExt cx="0" cy="0"/>
+        </a:xfrm>
+      </p:grpSpPr>
+      <p:sp>
+        <p:nvSpPr>
           <p:cNvPr id="2" name="正方形/長方形 1">
             <a:extLst>
               <a:ext uri="{FF2B5EF4-FFF2-40B4-BE49-F238E27FC236}">

--- a/pointer/fig/fig.pptx
+++ b/pointer/fig/fig.pptx
@@ -10,7 +10,8 @@
     <p:sldId id="265" r:id="rId4"/>
     <p:sldId id="266" r:id="rId5"/>
     <p:sldId id="267" r:id="rId6"/>
-    <p:sldId id="262" r:id="rId7"/>
+    <p:sldId id="268" r:id="rId7"/>
+    <p:sldId id="269" r:id="rId8"/>
   </p:sldIdLst>
   <p:sldSz cx="9144000" cy="6858000" type="screen4x3"/>
   <p:notesSz cx="6858000" cy="9144000"/>
@@ -8553,30 +8554,2896 @@
           <a:chExt cx="0" cy="0"/>
         </a:xfrm>
       </p:grpSpPr>
-      <p:sp>
-        <p:nvSpPr>
-          <p:cNvPr id="2" name="正方形/長方形 1">
-            <a:extLst>
-              <a:ext uri="{FF2B5EF4-FFF2-40B4-BE49-F238E27FC236}">
-                <a16:creationId xmlns:a16="http://schemas.microsoft.com/office/drawing/2014/main" id="{BBD4AE7A-F60C-594D-8B62-D6FB4CF0D341}"/>
-              </a:ext>
-            </a:extLst>
-          </p:cNvPr>
+      <p:grpSp>
+        <p:nvGrpSpPr>
+          <p:cNvPr id="50" name="グループ化 49"/>
+          <p:cNvGrpSpPr/>
+          <p:nvPr/>
+        </p:nvGrpSpPr>
+        <p:grpSpPr>
+          <a:xfrm>
+            <a:off x="2110923" y="1340768"/>
+            <a:ext cx="1368152" cy="1296144"/>
+            <a:chOff x="1763688" y="3573016"/>
+            <a:chExt cx="1368152" cy="1296144"/>
+          </a:xfrm>
+        </p:grpSpPr>
+        <p:cxnSp>
+          <p:nvCxnSpPr>
+            <p:cNvPr id="44" name="直線コネクタ 43"/>
+            <p:cNvCxnSpPr/>
+            <p:nvPr/>
+          </p:nvCxnSpPr>
+          <p:spPr>
+            <a:xfrm>
+              <a:off x="1763688" y="3573016"/>
+              <a:ext cx="1368152" cy="0"/>
+            </a:xfrm>
+            <a:prstGeom prst="line">
+              <a:avLst/>
+            </a:prstGeom>
+            <a:ln w="57150">
+              <a:solidFill>
+                <a:srgbClr val="FFC000"/>
+              </a:solidFill>
+            </a:ln>
+          </p:spPr>
+          <p:style>
+            <a:lnRef idx="1">
+              <a:schemeClr val="accent1"/>
+            </a:lnRef>
+            <a:fillRef idx="0">
+              <a:schemeClr val="accent1"/>
+            </a:fillRef>
+            <a:effectRef idx="0">
+              <a:schemeClr val="accent1"/>
+            </a:effectRef>
+            <a:fontRef idx="minor">
+              <a:schemeClr val="tx1"/>
+            </a:fontRef>
+          </p:style>
+        </p:cxnSp>
+        <p:cxnSp>
+          <p:nvCxnSpPr>
+            <p:cNvPr id="45" name="直線コネクタ 44"/>
+            <p:cNvCxnSpPr/>
+            <p:nvPr/>
+          </p:nvCxnSpPr>
+          <p:spPr>
+            <a:xfrm>
+              <a:off x="1763688" y="4221088"/>
+              <a:ext cx="1368152" cy="0"/>
+            </a:xfrm>
+            <a:prstGeom prst="line">
+              <a:avLst/>
+            </a:prstGeom>
+            <a:ln w="57150">
+              <a:solidFill>
+                <a:srgbClr val="FFC000"/>
+              </a:solidFill>
+            </a:ln>
+          </p:spPr>
+          <p:style>
+            <a:lnRef idx="1">
+              <a:schemeClr val="accent1"/>
+            </a:lnRef>
+            <a:fillRef idx="0">
+              <a:schemeClr val="accent1"/>
+            </a:fillRef>
+            <a:effectRef idx="0">
+              <a:schemeClr val="accent1"/>
+            </a:effectRef>
+            <a:fontRef idx="minor">
+              <a:schemeClr val="tx1"/>
+            </a:fontRef>
+          </p:style>
+        </p:cxnSp>
+        <p:cxnSp>
+          <p:nvCxnSpPr>
+            <p:cNvPr id="46" name="直線コネクタ 45"/>
+            <p:cNvCxnSpPr/>
+            <p:nvPr/>
+          </p:nvCxnSpPr>
+          <p:spPr>
+            <a:xfrm>
+              <a:off x="1763688" y="4869160"/>
+              <a:ext cx="1368152" cy="0"/>
+            </a:xfrm>
+            <a:prstGeom prst="line">
+              <a:avLst/>
+            </a:prstGeom>
+            <a:ln w="57150">
+              <a:solidFill>
+                <a:srgbClr val="FFC000"/>
+              </a:solidFill>
+              <a:headEnd type="none" w="med" len="med"/>
+              <a:tailEnd type="triangle" w="med" len="med"/>
+            </a:ln>
+          </p:spPr>
+          <p:style>
+            <a:lnRef idx="1">
+              <a:schemeClr val="accent1"/>
+            </a:lnRef>
+            <a:fillRef idx="0">
+              <a:schemeClr val="accent1"/>
+            </a:fillRef>
+            <a:effectRef idx="0">
+              <a:schemeClr val="accent1"/>
+            </a:effectRef>
+            <a:fontRef idx="minor">
+              <a:schemeClr val="tx1"/>
+            </a:fontRef>
+          </p:style>
+        </p:cxnSp>
+        <p:cxnSp>
+          <p:nvCxnSpPr>
+            <p:cNvPr id="48" name="直線コネクタ 47"/>
+            <p:cNvCxnSpPr/>
+            <p:nvPr/>
+          </p:nvCxnSpPr>
+          <p:spPr>
+            <a:xfrm flipH="1">
+              <a:off x="1763688" y="3573016"/>
+              <a:ext cx="1368152" cy="648072"/>
+            </a:xfrm>
+            <a:prstGeom prst="line">
+              <a:avLst/>
+            </a:prstGeom>
+            <a:ln w="57150">
+              <a:solidFill>
+                <a:srgbClr val="FFC000"/>
+              </a:solidFill>
+            </a:ln>
+          </p:spPr>
+          <p:style>
+            <a:lnRef idx="1">
+              <a:schemeClr val="accent1"/>
+            </a:lnRef>
+            <a:fillRef idx="0">
+              <a:schemeClr val="accent1"/>
+            </a:fillRef>
+            <a:effectRef idx="0">
+              <a:schemeClr val="accent1"/>
+            </a:effectRef>
+            <a:fontRef idx="minor">
+              <a:schemeClr val="tx1"/>
+            </a:fontRef>
+          </p:style>
+        </p:cxnSp>
+        <p:cxnSp>
+          <p:nvCxnSpPr>
+            <p:cNvPr id="49" name="直線コネクタ 48"/>
+            <p:cNvCxnSpPr/>
+            <p:nvPr/>
+          </p:nvCxnSpPr>
+          <p:spPr>
+            <a:xfrm flipH="1">
+              <a:off x="1763688" y="4221088"/>
+              <a:ext cx="1368152" cy="648072"/>
+            </a:xfrm>
+            <a:prstGeom prst="line">
+              <a:avLst/>
+            </a:prstGeom>
+            <a:ln w="57150">
+              <a:solidFill>
+                <a:srgbClr val="FFC000"/>
+              </a:solidFill>
+            </a:ln>
+          </p:spPr>
+          <p:style>
+            <a:lnRef idx="1">
+              <a:schemeClr val="accent1"/>
+            </a:lnRef>
+            <a:fillRef idx="0">
+              <a:schemeClr val="accent1"/>
+            </a:fillRef>
+            <a:effectRef idx="0">
+              <a:schemeClr val="accent1"/>
+            </a:effectRef>
+            <a:fontRef idx="minor">
+              <a:schemeClr val="tx1"/>
+            </a:fontRef>
+          </p:style>
+        </p:cxnSp>
+      </p:grpSp>
+      <mc:AlternateContent xmlns:mc="http://schemas.openxmlformats.org/markup-compatibility/2006">
+        <mc:Choice xmlns:a14="http://schemas.microsoft.com/office/drawing/2010/main" Requires="a14">
+          <p:sp>
+            <p:nvSpPr>
+              <p:cNvPr id="42" name="テキスト ボックス 41"/>
+              <p:cNvSpPr txBox="1"/>
+              <p:nvPr/>
+            </p:nvSpPr>
+            <p:spPr>
+              <a:xfrm>
+                <a:off x="1403648" y="980728"/>
+                <a:ext cx="2939523" cy="1626343"/>
+              </a:xfrm>
+              <a:prstGeom prst="rect">
+                <a:avLst/>
+              </a:prstGeom>
+              <a:noFill/>
+            </p:spPr>
+            <p:txBody>
+              <a:bodyPr wrap="none" lIns="0" tIns="0" rIns="0" bIns="0" rtlCol="0">
+                <a:spAutoFit/>
+              </a:bodyPr>
+              <a:lstStyle/>
+              <a:p>
+                <a14:m>
+                  <m:oMathPara xmlns:m="http://schemas.openxmlformats.org/officeDocument/2006/math">
+                    <m:oMathParaPr>
+                      <m:jc m:val="centerGroup"/>
+                    </m:oMathParaPr>
+                    <m:oMath xmlns:m="http://schemas.openxmlformats.org/officeDocument/2006/math">
+                      <m:d>
+                        <m:dPr>
+                          <m:ctrlPr>
+                            <a:rPr kumimoji="1" lang="en-US" altLang="ja-JP" sz="4000" i="1" smtClean="0">
+                              <a:latin typeface="Cambria Math" panose="02040503050406030204" pitchFamily="18" charset="0"/>
+                            </a:rPr>
+                          </m:ctrlPr>
+                        </m:dPr>
+                        <m:e>
+                          <m:m>
+                            <m:mPr>
+                              <m:mcs>
+                                <m:mc>
+                                  <m:mcPr>
+                                    <m:count m:val="2"/>
+                                    <m:mcJc m:val="center"/>
+                                  </m:mcPr>
+                                </m:mc>
+                              </m:mcs>
+                              <m:ctrlPr>
+                                <a:rPr kumimoji="1" lang="en-US" altLang="ja-JP" sz="4000" i="1" smtClean="0">
+                                  <a:latin typeface="Cambria Math" panose="02040503050406030204" pitchFamily="18" charset="0"/>
+                                </a:rPr>
+                              </m:ctrlPr>
+                            </m:mPr>
+                            <m:mr>
+                              <m:e>
+                                <m:sSub>
+                                  <m:sSubPr>
+                                    <m:ctrlPr>
+                                      <a:rPr lang="en-US" altLang="ja-JP" sz="4000" i="1">
+                                        <a:latin typeface="Cambria Math" panose="02040503050406030204" pitchFamily="18" charset="0"/>
+                                      </a:rPr>
+                                    </m:ctrlPr>
+                                  </m:sSubPr>
+                                  <m:e>
+                                    <m:r>
+                                      <a:rPr lang="en-US" altLang="ja-JP" sz="4000" i="1">
+                                        <a:latin typeface="Cambria Math" panose="02040503050406030204" pitchFamily="18" charset="0"/>
+                                      </a:rPr>
+                                      <m:t>𝑎</m:t>
+                                    </m:r>
+                                  </m:e>
+                                  <m:sub>
+                                    <m:r>
+                                      <a:rPr lang="en-US" altLang="ja-JP" sz="4000" i="1">
+                                        <a:latin typeface="Cambria Math" panose="02040503050406030204" pitchFamily="18" charset="0"/>
+                                      </a:rPr>
+                                      <m:t>11</m:t>
+                                    </m:r>
+                                  </m:sub>
+                                </m:sSub>
+                                <m:r>
+                                  <m:rPr>
+                                    <m:nor/>
+                                  </m:rPr>
+                                  <a:rPr lang="ja-JP" altLang="en-US" sz="4000" dirty="0"/>
+                                  <m:t> </m:t>
+                                </m:r>
+                              </m:e>
+                              <m:e>
+                                <m:sSub>
+                                  <m:sSubPr>
+                                    <m:ctrlPr>
+                                      <a:rPr lang="en-US" altLang="ja-JP" sz="4000" i="1">
+                                        <a:latin typeface="Cambria Math" panose="02040503050406030204" pitchFamily="18" charset="0"/>
+                                      </a:rPr>
+                                    </m:ctrlPr>
+                                  </m:sSubPr>
+                                  <m:e>
+                                    <m:r>
+                                      <a:rPr lang="en-US" altLang="ja-JP" sz="4000" i="1">
+                                        <a:latin typeface="Cambria Math" panose="02040503050406030204" pitchFamily="18" charset="0"/>
+                                      </a:rPr>
+                                      <m:t>𝑎</m:t>
+                                    </m:r>
+                                  </m:e>
+                                  <m:sub>
+                                    <m:r>
+                                      <a:rPr lang="en-US" altLang="ja-JP" sz="4000" i="1">
+                                        <a:latin typeface="Cambria Math" panose="02040503050406030204" pitchFamily="18" charset="0"/>
+                                      </a:rPr>
+                                      <m:t>1</m:t>
+                                    </m:r>
+                                    <m:r>
+                                      <a:rPr lang="en-US" altLang="ja-JP" sz="4000" b="0" i="1" smtClean="0">
+                                        <a:latin typeface="Cambria Math" panose="02040503050406030204" pitchFamily="18" charset="0"/>
+                                      </a:rPr>
+                                      <m:t>2</m:t>
+                                    </m:r>
+                                  </m:sub>
+                                </m:sSub>
+                                <m:r>
+                                  <m:rPr>
+                                    <m:nor/>
+                                  </m:rPr>
+                                  <a:rPr lang="ja-JP" altLang="en-US" sz="4000" dirty="0"/>
+                                  <m:t> </m:t>
+                                </m:r>
+                              </m:e>
+                            </m:mr>
+                            <m:mr>
+                              <m:e>
+                                <m:sSub>
+                                  <m:sSubPr>
+                                    <m:ctrlPr>
+                                      <a:rPr lang="en-US" altLang="ja-JP" sz="4000" i="1">
+                                        <a:latin typeface="Cambria Math" panose="02040503050406030204" pitchFamily="18" charset="0"/>
+                                      </a:rPr>
+                                    </m:ctrlPr>
+                                  </m:sSubPr>
+                                  <m:e>
+                                    <m:r>
+                                      <a:rPr lang="en-US" altLang="ja-JP" sz="4000" i="1">
+                                        <a:latin typeface="Cambria Math" panose="02040503050406030204" pitchFamily="18" charset="0"/>
+                                      </a:rPr>
+                                      <m:t>𝑎</m:t>
+                                    </m:r>
+                                  </m:e>
+                                  <m:sub>
+                                    <m:r>
+                                      <a:rPr lang="en-US" altLang="ja-JP" sz="4000" b="0" i="1" smtClean="0">
+                                        <a:latin typeface="Cambria Math" panose="02040503050406030204" pitchFamily="18" charset="0"/>
+                                      </a:rPr>
+                                      <m:t>2</m:t>
+                                    </m:r>
+                                    <m:r>
+                                      <a:rPr lang="en-US" altLang="ja-JP" sz="4000" i="1">
+                                        <a:latin typeface="Cambria Math" panose="02040503050406030204" pitchFamily="18" charset="0"/>
+                                      </a:rPr>
+                                      <m:t>1</m:t>
+                                    </m:r>
+                                  </m:sub>
+                                </m:sSub>
+                                <m:r>
+                                  <m:rPr>
+                                    <m:nor/>
+                                  </m:rPr>
+                                  <a:rPr lang="ja-JP" altLang="en-US" sz="4000" dirty="0"/>
+                                  <m:t> </m:t>
+                                </m:r>
+                              </m:e>
+                              <m:e>
+                                <m:sSub>
+                                  <m:sSubPr>
+                                    <m:ctrlPr>
+                                      <a:rPr lang="en-US" altLang="ja-JP" sz="4000" i="1">
+                                        <a:latin typeface="Cambria Math" panose="02040503050406030204" pitchFamily="18" charset="0"/>
+                                      </a:rPr>
+                                    </m:ctrlPr>
+                                  </m:sSubPr>
+                                  <m:e>
+                                    <m:r>
+                                      <a:rPr lang="en-US" altLang="ja-JP" sz="4000" i="1">
+                                        <a:latin typeface="Cambria Math" panose="02040503050406030204" pitchFamily="18" charset="0"/>
+                                      </a:rPr>
+                                      <m:t>𝑎</m:t>
+                                    </m:r>
+                                  </m:e>
+                                  <m:sub>
+                                    <m:r>
+                                      <a:rPr lang="en-US" altLang="ja-JP" sz="4000" b="0" i="1" smtClean="0">
+                                        <a:latin typeface="Cambria Math" panose="02040503050406030204" pitchFamily="18" charset="0"/>
+                                      </a:rPr>
+                                      <m:t>22</m:t>
+                                    </m:r>
+                                  </m:sub>
+                                </m:sSub>
+                                <m:r>
+                                  <m:rPr>
+                                    <m:nor/>
+                                  </m:rPr>
+                                  <a:rPr lang="ja-JP" altLang="en-US" sz="4000" dirty="0"/>
+                                  <m:t> </m:t>
+                                </m:r>
+                              </m:e>
+                            </m:mr>
+                            <m:mr>
+                              <m:e>
+                                <m:sSub>
+                                  <m:sSubPr>
+                                    <m:ctrlPr>
+                                      <a:rPr lang="en-US" altLang="ja-JP" sz="4000" i="1">
+                                        <a:latin typeface="Cambria Math" panose="02040503050406030204" pitchFamily="18" charset="0"/>
+                                      </a:rPr>
+                                    </m:ctrlPr>
+                                  </m:sSubPr>
+                                  <m:e>
+                                    <m:r>
+                                      <a:rPr lang="en-US" altLang="ja-JP" sz="4000" i="1">
+                                        <a:latin typeface="Cambria Math" panose="02040503050406030204" pitchFamily="18" charset="0"/>
+                                      </a:rPr>
+                                      <m:t>𝑎</m:t>
+                                    </m:r>
+                                  </m:e>
+                                  <m:sub>
+                                    <m:r>
+                                      <a:rPr lang="en-US" altLang="ja-JP" sz="4000" b="0" i="1" smtClean="0">
+                                        <a:latin typeface="Cambria Math" panose="02040503050406030204" pitchFamily="18" charset="0"/>
+                                      </a:rPr>
+                                      <m:t>31</m:t>
+                                    </m:r>
+                                  </m:sub>
+                                </m:sSub>
+                                <m:r>
+                                  <m:rPr>
+                                    <m:nor/>
+                                  </m:rPr>
+                                  <a:rPr lang="ja-JP" altLang="en-US" sz="4000" dirty="0"/>
+                                  <m:t> </m:t>
+                                </m:r>
+                              </m:e>
+                              <m:e>
+                                <m:sSub>
+                                  <m:sSubPr>
+                                    <m:ctrlPr>
+                                      <a:rPr lang="en-US" altLang="ja-JP" sz="4000" i="1">
+                                        <a:latin typeface="Cambria Math" panose="02040503050406030204" pitchFamily="18" charset="0"/>
+                                      </a:rPr>
+                                    </m:ctrlPr>
+                                  </m:sSubPr>
+                                  <m:e>
+                                    <m:r>
+                                      <a:rPr lang="en-US" altLang="ja-JP" sz="4000" i="1">
+                                        <a:latin typeface="Cambria Math" panose="02040503050406030204" pitchFamily="18" charset="0"/>
+                                      </a:rPr>
+                                      <m:t>𝑎</m:t>
+                                    </m:r>
+                                  </m:e>
+                                  <m:sub>
+                                    <m:r>
+                                      <a:rPr lang="en-US" altLang="ja-JP" sz="4000" b="0" i="1" smtClean="0">
+                                        <a:latin typeface="Cambria Math" panose="02040503050406030204" pitchFamily="18" charset="0"/>
+                                      </a:rPr>
+                                      <m:t>32</m:t>
+                                    </m:r>
+                                  </m:sub>
+                                </m:sSub>
+                                <m:r>
+                                  <m:rPr>
+                                    <m:nor/>
+                                  </m:rPr>
+                                  <a:rPr lang="ja-JP" altLang="en-US" sz="4000" dirty="0"/>
+                                  <m:t> </m:t>
+                                </m:r>
+                              </m:e>
+                            </m:mr>
+                          </m:m>
+                        </m:e>
+                      </m:d>
+                    </m:oMath>
+                  </m:oMathPara>
+                </a14:m>
+                <a:endParaRPr kumimoji="1" lang="ja-JP" altLang="en-US" sz="4000" dirty="0"/>
+              </a:p>
+            </p:txBody>
+          </p:sp>
+        </mc:Choice>
+        <mc:Fallback>
+          <p:sp>
+            <p:nvSpPr>
+              <p:cNvPr id="42" name="テキスト ボックス 41"/>
+              <p:cNvSpPr txBox="1">
+                <a:spLocks noRot="1" noChangeAspect="1" noMove="1" noResize="1" noEditPoints="1" noAdjustHandles="1" noChangeArrowheads="1" noChangeShapeType="1" noTextEdit="1"/>
+              </p:cNvSpPr>
+              <p:nvPr/>
+            </p:nvSpPr>
+            <p:spPr>
+              <a:xfrm>
+                <a:off x="1403648" y="980728"/>
+                <a:ext cx="2939523" cy="1626343"/>
+              </a:xfrm>
+              <a:prstGeom prst="rect">
+                <a:avLst/>
+              </a:prstGeom>
+              <a:blipFill>
+                <a:blip r:embed="rId2"/>
+                <a:stretch>
+                  <a:fillRect/>
+                </a:stretch>
+              </a:blipFill>
+            </p:spPr>
+            <p:txBody>
+              <a:bodyPr/>
+              <a:lstStyle/>
+              <a:p>
+                <a:r>
+                  <a:rPr lang="ja-JP" altLang="en-US">
+                    <a:noFill/>
+                  </a:rPr>
+                  <a:t> </a:t>
+                </a:r>
+              </a:p>
+            </p:txBody>
+          </p:sp>
+        </mc:Fallback>
+      </mc:AlternateContent>
+      <p:grpSp>
+        <p:nvGrpSpPr>
+          <p:cNvPr id="64" name="グループ化 63"/>
+          <p:cNvGrpSpPr/>
+          <p:nvPr/>
+        </p:nvGrpSpPr>
+        <p:grpSpPr>
+          <a:xfrm>
+            <a:off x="5940152" y="1268760"/>
+            <a:ext cx="1368152" cy="1296144"/>
+            <a:chOff x="5292080" y="3429000"/>
+            <a:chExt cx="1368152" cy="1296144"/>
+          </a:xfrm>
+        </p:grpSpPr>
+        <p:cxnSp>
+          <p:nvCxnSpPr>
+            <p:cNvPr id="59" name="直線コネクタ 58"/>
+            <p:cNvCxnSpPr/>
+            <p:nvPr/>
+          </p:nvCxnSpPr>
+          <p:spPr>
+            <a:xfrm>
+              <a:off x="5292080" y="3429000"/>
+              <a:ext cx="0" cy="1296144"/>
+            </a:xfrm>
+            <a:prstGeom prst="line">
+              <a:avLst/>
+            </a:prstGeom>
+            <a:ln w="57150">
+              <a:solidFill>
+                <a:srgbClr val="00B050"/>
+              </a:solidFill>
+            </a:ln>
+          </p:spPr>
+          <p:style>
+            <a:lnRef idx="1">
+              <a:schemeClr val="accent1"/>
+            </a:lnRef>
+            <a:fillRef idx="0">
+              <a:schemeClr val="accent1"/>
+            </a:fillRef>
+            <a:effectRef idx="0">
+              <a:schemeClr val="accent1"/>
+            </a:effectRef>
+            <a:fontRef idx="minor">
+              <a:schemeClr val="tx1"/>
+            </a:fontRef>
+          </p:style>
+        </p:cxnSp>
+        <p:cxnSp>
+          <p:nvCxnSpPr>
+            <p:cNvPr id="60" name="直線コネクタ 59"/>
+            <p:cNvCxnSpPr/>
+            <p:nvPr/>
+          </p:nvCxnSpPr>
+          <p:spPr>
+            <a:xfrm>
+              <a:off x="6660232" y="3429000"/>
+              <a:ext cx="0" cy="1296144"/>
+            </a:xfrm>
+            <a:prstGeom prst="line">
+              <a:avLst/>
+            </a:prstGeom>
+            <a:ln w="57150">
+              <a:solidFill>
+                <a:srgbClr val="00B050"/>
+              </a:solidFill>
+              <a:headEnd type="none" w="med" len="med"/>
+              <a:tailEnd type="triangle" w="med" len="med"/>
+            </a:ln>
+          </p:spPr>
+          <p:style>
+            <a:lnRef idx="1">
+              <a:schemeClr val="accent1"/>
+            </a:lnRef>
+            <a:fillRef idx="0">
+              <a:schemeClr val="accent1"/>
+            </a:fillRef>
+            <a:effectRef idx="0">
+              <a:schemeClr val="accent1"/>
+            </a:effectRef>
+            <a:fontRef idx="minor">
+              <a:schemeClr val="tx1"/>
+            </a:fontRef>
+          </p:style>
+        </p:cxnSp>
+        <p:cxnSp>
+          <p:nvCxnSpPr>
+            <p:cNvPr id="62" name="直線コネクタ 61"/>
+            <p:cNvCxnSpPr/>
+            <p:nvPr/>
+          </p:nvCxnSpPr>
+          <p:spPr>
+            <a:xfrm flipV="1">
+              <a:off x="5292080" y="3429000"/>
+              <a:ext cx="1368152" cy="1296144"/>
+            </a:xfrm>
+            <a:prstGeom prst="line">
+              <a:avLst/>
+            </a:prstGeom>
+            <a:ln w="57150">
+              <a:solidFill>
+                <a:srgbClr val="00B050"/>
+              </a:solidFill>
+            </a:ln>
+          </p:spPr>
+          <p:style>
+            <a:lnRef idx="1">
+              <a:schemeClr val="accent1"/>
+            </a:lnRef>
+            <a:fillRef idx="0">
+              <a:schemeClr val="accent1"/>
+            </a:fillRef>
+            <a:effectRef idx="0">
+              <a:schemeClr val="accent1"/>
+            </a:effectRef>
+            <a:fontRef idx="minor">
+              <a:schemeClr val="tx1"/>
+            </a:fontRef>
+          </p:style>
+        </p:cxnSp>
+      </p:grpSp>
+      <mc:AlternateContent xmlns:mc="http://schemas.openxmlformats.org/markup-compatibility/2006">
+        <mc:Choice xmlns:a14="http://schemas.microsoft.com/office/drawing/2010/main" Requires="a14">
+          <p:sp>
+            <p:nvSpPr>
+              <p:cNvPr id="51" name="テキスト ボックス 50"/>
+              <p:cNvSpPr txBox="1"/>
+              <p:nvPr/>
+            </p:nvSpPr>
+            <p:spPr>
+              <a:xfrm>
+                <a:off x="4872837" y="980728"/>
+                <a:ext cx="2939523" cy="1626343"/>
+              </a:xfrm>
+              <a:prstGeom prst="rect">
+                <a:avLst/>
+              </a:prstGeom>
+              <a:noFill/>
+            </p:spPr>
+            <p:txBody>
+              <a:bodyPr wrap="none" lIns="0" tIns="0" rIns="0" bIns="0" rtlCol="0">
+                <a:spAutoFit/>
+              </a:bodyPr>
+              <a:lstStyle/>
+              <a:p>
+                <a14:m>
+                  <m:oMathPara xmlns:m="http://schemas.openxmlformats.org/officeDocument/2006/math">
+                    <m:oMathParaPr>
+                      <m:jc m:val="centerGroup"/>
+                    </m:oMathParaPr>
+                    <m:oMath xmlns:m="http://schemas.openxmlformats.org/officeDocument/2006/math">
+                      <m:d>
+                        <m:dPr>
+                          <m:ctrlPr>
+                            <a:rPr kumimoji="1" lang="en-US" altLang="ja-JP" sz="4000" i="1" smtClean="0">
+                              <a:latin typeface="Cambria Math" panose="02040503050406030204" pitchFamily="18" charset="0"/>
+                            </a:rPr>
+                          </m:ctrlPr>
+                        </m:dPr>
+                        <m:e>
+                          <m:m>
+                            <m:mPr>
+                              <m:mcs>
+                                <m:mc>
+                                  <m:mcPr>
+                                    <m:count m:val="2"/>
+                                    <m:mcJc m:val="center"/>
+                                  </m:mcPr>
+                                </m:mc>
+                              </m:mcs>
+                              <m:ctrlPr>
+                                <a:rPr kumimoji="1" lang="en-US" altLang="ja-JP" sz="4000" i="1" smtClean="0">
+                                  <a:latin typeface="Cambria Math" panose="02040503050406030204" pitchFamily="18" charset="0"/>
+                                </a:rPr>
+                              </m:ctrlPr>
+                            </m:mPr>
+                            <m:mr>
+                              <m:e>
+                                <m:sSub>
+                                  <m:sSubPr>
+                                    <m:ctrlPr>
+                                      <a:rPr lang="en-US" altLang="ja-JP" sz="4000" i="1">
+                                        <a:latin typeface="Cambria Math" panose="02040503050406030204" pitchFamily="18" charset="0"/>
+                                      </a:rPr>
+                                    </m:ctrlPr>
+                                  </m:sSubPr>
+                                  <m:e>
+                                    <m:r>
+                                      <a:rPr lang="en-US" altLang="ja-JP" sz="4000" i="1">
+                                        <a:latin typeface="Cambria Math" panose="02040503050406030204" pitchFamily="18" charset="0"/>
+                                      </a:rPr>
+                                      <m:t>𝑎</m:t>
+                                    </m:r>
+                                  </m:e>
+                                  <m:sub>
+                                    <m:r>
+                                      <a:rPr lang="en-US" altLang="ja-JP" sz="4000" i="1">
+                                        <a:latin typeface="Cambria Math" panose="02040503050406030204" pitchFamily="18" charset="0"/>
+                                      </a:rPr>
+                                      <m:t>11</m:t>
+                                    </m:r>
+                                  </m:sub>
+                                </m:sSub>
+                                <m:r>
+                                  <m:rPr>
+                                    <m:nor/>
+                                  </m:rPr>
+                                  <a:rPr lang="ja-JP" altLang="en-US" sz="4000" dirty="0"/>
+                                  <m:t> </m:t>
+                                </m:r>
+                              </m:e>
+                              <m:e>
+                                <m:sSub>
+                                  <m:sSubPr>
+                                    <m:ctrlPr>
+                                      <a:rPr lang="en-US" altLang="ja-JP" sz="4000" i="1">
+                                        <a:latin typeface="Cambria Math" panose="02040503050406030204" pitchFamily="18" charset="0"/>
+                                      </a:rPr>
+                                    </m:ctrlPr>
+                                  </m:sSubPr>
+                                  <m:e>
+                                    <m:r>
+                                      <a:rPr lang="en-US" altLang="ja-JP" sz="4000" i="1">
+                                        <a:latin typeface="Cambria Math" panose="02040503050406030204" pitchFamily="18" charset="0"/>
+                                      </a:rPr>
+                                      <m:t>𝑎</m:t>
+                                    </m:r>
+                                  </m:e>
+                                  <m:sub>
+                                    <m:r>
+                                      <a:rPr lang="en-US" altLang="ja-JP" sz="4000" i="1">
+                                        <a:latin typeface="Cambria Math" panose="02040503050406030204" pitchFamily="18" charset="0"/>
+                                      </a:rPr>
+                                      <m:t>1</m:t>
+                                    </m:r>
+                                    <m:r>
+                                      <a:rPr lang="en-US" altLang="ja-JP" sz="4000" b="0" i="1" smtClean="0">
+                                        <a:latin typeface="Cambria Math" panose="02040503050406030204" pitchFamily="18" charset="0"/>
+                                      </a:rPr>
+                                      <m:t>2</m:t>
+                                    </m:r>
+                                  </m:sub>
+                                </m:sSub>
+                                <m:r>
+                                  <m:rPr>
+                                    <m:nor/>
+                                  </m:rPr>
+                                  <a:rPr lang="ja-JP" altLang="en-US" sz="4000" dirty="0"/>
+                                  <m:t> </m:t>
+                                </m:r>
+                              </m:e>
+                            </m:mr>
+                            <m:mr>
+                              <m:e>
+                                <m:sSub>
+                                  <m:sSubPr>
+                                    <m:ctrlPr>
+                                      <a:rPr lang="en-US" altLang="ja-JP" sz="4000" i="1">
+                                        <a:latin typeface="Cambria Math" panose="02040503050406030204" pitchFamily="18" charset="0"/>
+                                      </a:rPr>
+                                    </m:ctrlPr>
+                                  </m:sSubPr>
+                                  <m:e>
+                                    <m:r>
+                                      <a:rPr lang="en-US" altLang="ja-JP" sz="4000" i="1">
+                                        <a:latin typeface="Cambria Math" panose="02040503050406030204" pitchFamily="18" charset="0"/>
+                                      </a:rPr>
+                                      <m:t>𝑎</m:t>
+                                    </m:r>
+                                  </m:e>
+                                  <m:sub>
+                                    <m:r>
+                                      <a:rPr lang="en-US" altLang="ja-JP" sz="4000" b="0" i="1" smtClean="0">
+                                        <a:latin typeface="Cambria Math" panose="02040503050406030204" pitchFamily="18" charset="0"/>
+                                      </a:rPr>
+                                      <m:t>2</m:t>
+                                    </m:r>
+                                    <m:r>
+                                      <a:rPr lang="en-US" altLang="ja-JP" sz="4000" i="1">
+                                        <a:latin typeface="Cambria Math" panose="02040503050406030204" pitchFamily="18" charset="0"/>
+                                      </a:rPr>
+                                      <m:t>1</m:t>
+                                    </m:r>
+                                  </m:sub>
+                                </m:sSub>
+                                <m:r>
+                                  <m:rPr>
+                                    <m:nor/>
+                                  </m:rPr>
+                                  <a:rPr lang="ja-JP" altLang="en-US" sz="4000" dirty="0"/>
+                                  <m:t> </m:t>
+                                </m:r>
+                              </m:e>
+                              <m:e>
+                                <m:sSub>
+                                  <m:sSubPr>
+                                    <m:ctrlPr>
+                                      <a:rPr lang="en-US" altLang="ja-JP" sz="4000" i="1">
+                                        <a:latin typeface="Cambria Math" panose="02040503050406030204" pitchFamily="18" charset="0"/>
+                                      </a:rPr>
+                                    </m:ctrlPr>
+                                  </m:sSubPr>
+                                  <m:e>
+                                    <m:r>
+                                      <a:rPr lang="en-US" altLang="ja-JP" sz="4000" i="1">
+                                        <a:latin typeface="Cambria Math" panose="02040503050406030204" pitchFamily="18" charset="0"/>
+                                      </a:rPr>
+                                      <m:t>𝑎</m:t>
+                                    </m:r>
+                                  </m:e>
+                                  <m:sub>
+                                    <m:r>
+                                      <a:rPr lang="en-US" altLang="ja-JP" sz="4000" b="0" i="1" smtClean="0">
+                                        <a:latin typeface="Cambria Math" panose="02040503050406030204" pitchFamily="18" charset="0"/>
+                                      </a:rPr>
+                                      <m:t>22</m:t>
+                                    </m:r>
+                                  </m:sub>
+                                </m:sSub>
+                                <m:r>
+                                  <m:rPr>
+                                    <m:nor/>
+                                  </m:rPr>
+                                  <a:rPr lang="ja-JP" altLang="en-US" sz="4000" dirty="0"/>
+                                  <m:t> </m:t>
+                                </m:r>
+                              </m:e>
+                            </m:mr>
+                            <m:mr>
+                              <m:e>
+                                <m:sSub>
+                                  <m:sSubPr>
+                                    <m:ctrlPr>
+                                      <a:rPr lang="en-US" altLang="ja-JP" sz="4000" i="1">
+                                        <a:latin typeface="Cambria Math" panose="02040503050406030204" pitchFamily="18" charset="0"/>
+                                      </a:rPr>
+                                    </m:ctrlPr>
+                                  </m:sSubPr>
+                                  <m:e>
+                                    <m:r>
+                                      <a:rPr lang="en-US" altLang="ja-JP" sz="4000" i="1">
+                                        <a:latin typeface="Cambria Math" panose="02040503050406030204" pitchFamily="18" charset="0"/>
+                                      </a:rPr>
+                                      <m:t>𝑎</m:t>
+                                    </m:r>
+                                  </m:e>
+                                  <m:sub>
+                                    <m:r>
+                                      <a:rPr lang="en-US" altLang="ja-JP" sz="4000" b="0" i="1" smtClean="0">
+                                        <a:latin typeface="Cambria Math" panose="02040503050406030204" pitchFamily="18" charset="0"/>
+                                      </a:rPr>
+                                      <m:t>31</m:t>
+                                    </m:r>
+                                  </m:sub>
+                                </m:sSub>
+                                <m:r>
+                                  <m:rPr>
+                                    <m:nor/>
+                                  </m:rPr>
+                                  <a:rPr lang="ja-JP" altLang="en-US" sz="4000" dirty="0"/>
+                                  <m:t> </m:t>
+                                </m:r>
+                              </m:e>
+                              <m:e>
+                                <m:sSub>
+                                  <m:sSubPr>
+                                    <m:ctrlPr>
+                                      <a:rPr lang="en-US" altLang="ja-JP" sz="4000" i="1">
+                                        <a:latin typeface="Cambria Math" panose="02040503050406030204" pitchFamily="18" charset="0"/>
+                                      </a:rPr>
+                                    </m:ctrlPr>
+                                  </m:sSubPr>
+                                  <m:e>
+                                    <m:r>
+                                      <a:rPr lang="en-US" altLang="ja-JP" sz="4000" i="1">
+                                        <a:latin typeface="Cambria Math" panose="02040503050406030204" pitchFamily="18" charset="0"/>
+                                      </a:rPr>
+                                      <m:t>𝑎</m:t>
+                                    </m:r>
+                                  </m:e>
+                                  <m:sub>
+                                    <m:r>
+                                      <a:rPr lang="en-US" altLang="ja-JP" sz="4000" b="0" i="1" smtClean="0">
+                                        <a:latin typeface="Cambria Math" panose="02040503050406030204" pitchFamily="18" charset="0"/>
+                                      </a:rPr>
+                                      <m:t>32</m:t>
+                                    </m:r>
+                                  </m:sub>
+                                </m:sSub>
+                                <m:r>
+                                  <m:rPr>
+                                    <m:nor/>
+                                  </m:rPr>
+                                  <a:rPr lang="ja-JP" altLang="en-US" sz="4000" dirty="0"/>
+                                  <m:t> </m:t>
+                                </m:r>
+                              </m:e>
+                            </m:mr>
+                          </m:m>
+                        </m:e>
+                      </m:d>
+                    </m:oMath>
+                  </m:oMathPara>
+                </a14:m>
+                <a:endParaRPr kumimoji="1" lang="ja-JP" altLang="en-US" sz="4000" dirty="0"/>
+              </a:p>
+            </p:txBody>
+          </p:sp>
+        </mc:Choice>
+        <mc:Fallback>
+          <p:sp>
+            <p:nvSpPr>
+              <p:cNvPr id="51" name="テキスト ボックス 50"/>
+              <p:cNvSpPr txBox="1">
+                <a:spLocks noRot="1" noChangeAspect="1" noMove="1" noResize="1" noEditPoints="1" noAdjustHandles="1" noChangeArrowheads="1" noChangeShapeType="1" noTextEdit="1"/>
+              </p:cNvSpPr>
+              <p:nvPr/>
+            </p:nvSpPr>
+            <p:spPr>
+              <a:xfrm>
+                <a:off x="4872837" y="980728"/>
+                <a:ext cx="2939523" cy="1626343"/>
+              </a:xfrm>
+              <a:prstGeom prst="rect">
+                <a:avLst/>
+              </a:prstGeom>
+              <a:blipFill>
+                <a:blip r:embed="rId3"/>
+                <a:stretch>
+                  <a:fillRect/>
+                </a:stretch>
+              </a:blipFill>
+            </p:spPr>
+            <p:txBody>
+              <a:bodyPr/>
+              <a:lstStyle/>
+              <a:p>
+                <a:r>
+                  <a:rPr lang="ja-JP" altLang="en-US">
+                    <a:noFill/>
+                  </a:rPr>
+                  <a:t> </a:t>
+                </a:r>
+              </a:p>
+            </p:txBody>
+          </p:sp>
+        </mc:Fallback>
+      </mc:AlternateContent>
+      <p:grpSp>
+        <p:nvGrpSpPr>
+          <p:cNvPr id="89" name="グループ化 88"/>
+          <p:cNvGrpSpPr/>
+          <p:nvPr/>
+        </p:nvGrpSpPr>
+        <p:grpSpPr>
+          <a:xfrm>
+            <a:off x="1043608" y="3021862"/>
+            <a:ext cx="3392143" cy="551153"/>
+            <a:chOff x="971600" y="2708920"/>
+            <a:chExt cx="4431824" cy="720080"/>
+          </a:xfrm>
+        </p:grpSpPr>
+        <mc:AlternateContent xmlns:mc="http://schemas.openxmlformats.org/markup-compatibility/2006">
+          <mc:Choice xmlns:a14="http://schemas.microsoft.com/office/drawing/2010/main" Requires="a14">
+            <p:sp>
+              <p:nvSpPr>
+                <p:cNvPr id="65" name="正方形/長方形 64"/>
+                <p:cNvSpPr/>
+                <p:nvPr/>
+              </p:nvSpPr>
+              <p:spPr>
+                <a:xfrm>
+                  <a:off x="1001235" y="2833772"/>
+                  <a:ext cx="793997" cy="522743"/>
+                </a:xfrm>
+                <a:prstGeom prst="rect">
+                  <a:avLst/>
+                </a:prstGeom>
+              </p:spPr>
+              <p:txBody>
+                <a:bodyPr wrap="none">
+                  <a:spAutoFit/>
+                </a:bodyPr>
+                <a:lstStyle/>
+                <a:p>
+                  <a14:m>
+                    <m:oMathPara xmlns:m="http://schemas.openxmlformats.org/officeDocument/2006/math">
+                      <m:oMathParaPr>
+                        <m:jc m:val="centerGroup"/>
+                      </m:oMathParaPr>
+                      <m:oMath xmlns:m="http://schemas.openxmlformats.org/officeDocument/2006/math">
+                        <m:sSub>
+                          <m:sSubPr>
+                            <m:ctrlPr>
+                              <a:rPr lang="en-US" altLang="ja-JP" sz="2000" i="1">
+                                <a:latin typeface="Cambria Math" panose="02040503050406030204" pitchFamily="18" charset="0"/>
+                              </a:rPr>
+                            </m:ctrlPr>
+                          </m:sSubPr>
+                          <m:e>
+                            <m:r>
+                              <a:rPr lang="en-US" altLang="ja-JP" sz="2000" i="1">
+                                <a:latin typeface="Cambria Math" panose="02040503050406030204" pitchFamily="18" charset="0"/>
+                              </a:rPr>
+                              <m:t>𝑎</m:t>
+                            </m:r>
+                          </m:e>
+                          <m:sub>
+                            <m:r>
+                              <a:rPr lang="en-US" altLang="ja-JP" sz="2000" i="1">
+                                <a:latin typeface="Cambria Math" panose="02040503050406030204" pitchFamily="18" charset="0"/>
+                              </a:rPr>
+                              <m:t>11</m:t>
+                            </m:r>
+                          </m:sub>
+                        </m:sSub>
+                      </m:oMath>
+                    </m:oMathPara>
+                  </a14:m>
+                  <a:endParaRPr lang="ja-JP" altLang="en-US" sz="2000" dirty="0"/>
+                </a:p>
+              </p:txBody>
+            </p:sp>
+          </mc:Choice>
+          <mc:Fallback>
+            <p:sp>
+              <p:nvSpPr>
+                <p:cNvPr id="65" name="正方形/長方形 64"/>
+                <p:cNvSpPr>
+                  <a:spLocks noRot="1" noChangeAspect="1" noMove="1" noResize="1" noEditPoints="1" noAdjustHandles="1" noChangeArrowheads="1" noChangeShapeType="1" noTextEdit="1"/>
+                </p:cNvSpPr>
+                <p:nvPr/>
+              </p:nvSpPr>
+              <p:spPr>
+                <a:xfrm>
+                  <a:off x="1001235" y="2833772"/>
+                  <a:ext cx="793997" cy="522743"/>
+                </a:xfrm>
+                <a:prstGeom prst="rect">
+                  <a:avLst/>
+                </a:prstGeom>
+                <a:blipFill>
+                  <a:blip r:embed="rId4"/>
+                  <a:stretch>
+                    <a:fillRect/>
+                  </a:stretch>
+                </a:blipFill>
+              </p:spPr>
+              <p:txBody>
+                <a:bodyPr/>
+                <a:lstStyle/>
+                <a:p>
+                  <a:r>
+                    <a:rPr lang="ja-JP" altLang="en-US">
+                      <a:noFill/>
+                    </a:rPr>
+                    <a:t> </a:t>
+                  </a:r>
+                </a:p>
+              </p:txBody>
+            </p:sp>
+          </mc:Fallback>
+        </mc:AlternateContent>
+        <p:sp>
+          <p:nvSpPr>
+            <p:cNvPr id="66" name="正方形/長方形 65"/>
+            <p:cNvSpPr/>
+            <p:nvPr/>
+          </p:nvSpPr>
+          <p:spPr>
+            <a:xfrm>
+              <a:off x="971600" y="2708920"/>
+              <a:ext cx="720080" cy="720080"/>
+            </a:xfrm>
+            <a:prstGeom prst="rect">
+              <a:avLst/>
+            </a:prstGeom>
+            <a:noFill/>
+            <a:ln>
+              <a:solidFill>
+                <a:schemeClr val="tx1"/>
+              </a:solidFill>
+            </a:ln>
+          </p:spPr>
+          <p:style>
+            <a:lnRef idx="2">
+              <a:schemeClr val="accent1">
+                <a:shade val="50000"/>
+              </a:schemeClr>
+            </a:lnRef>
+            <a:fillRef idx="1">
+              <a:schemeClr val="accent1"/>
+            </a:fillRef>
+            <a:effectRef idx="0">
+              <a:schemeClr val="accent1"/>
+            </a:effectRef>
+            <a:fontRef idx="minor">
+              <a:schemeClr val="lt1"/>
+            </a:fontRef>
+          </p:style>
+          <p:txBody>
+            <a:bodyPr rtlCol="0" anchor="ctr"/>
+            <a:lstStyle/>
+            <a:p>
+              <a:pPr algn="ctr"/>
+              <a:endParaRPr kumimoji="1" lang="ja-JP" altLang="en-US" sz="1600"/>
+            </a:p>
+          </p:txBody>
+        </p:sp>
+        <mc:AlternateContent xmlns:mc="http://schemas.openxmlformats.org/markup-compatibility/2006">
+          <mc:Choice xmlns:a14="http://schemas.microsoft.com/office/drawing/2010/main" Requires="a14">
+            <p:sp>
+              <p:nvSpPr>
+                <p:cNvPr id="67" name="正方形/長方形 66"/>
+                <p:cNvSpPr/>
+                <p:nvPr/>
+              </p:nvSpPr>
+              <p:spPr>
+                <a:xfrm>
+                  <a:off x="1721315" y="2833772"/>
+                  <a:ext cx="793997" cy="522743"/>
+                </a:xfrm>
+                <a:prstGeom prst="rect">
+                  <a:avLst/>
+                </a:prstGeom>
+              </p:spPr>
+              <p:txBody>
+                <a:bodyPr wrap="none">
+                  <a:spAutoFit/>
+                </a:bodyPr>
+                <a:lstStyle/>
+                <a:p>
+                  <a14:m>
+                    <m:oMathPara xmlns:m="http://schemas.openxmlformats.org/officeDocument/2006/math">
+                      <m:oMathParaPr>
+                        <m:jc m:val="centerGroup"/>
+                      </m:oMathParaPr>
+                      <m:oMath xmlns:m="http://schemas.openxmlformats.org/officeDocument/2006/math">
+                        <m:sSub>
+                          <m:sSubPr>
+                            <m:ctrlPr>
+                              <a:rPr lang="en-US" altLang="ja-JP" sz="2000" i="1" smtClean="0">
+                                <a:latin typeface="Cambria Math" panose="02040503050406030204" pitchFamily="18" charset="0"/>
+                              </a:rPr>
+                            </m:ctrlPr>
+                          </m:sSubPr>
+                          <m:e>
+                            <m:r>
+                              <a:rPr lang="en-US" altLang="ja-JP" sz="2000" i="1">
+                                <a:latin typeface="Cambria Math" panose="02040503050406030204" pitchFamily="18" charset="0"/>
+                              </a:rPr>
+                              <m:t>𝑎</m:t>
+                            </m:r>
+                          </m:e>
+                          <m:sub>
+                            <m:r>
+                              <a:rPr lang="en-US" altLang="ja-JP" sz="2000" i="1">
+                                <a:latin typeface="Cambria Math" panose="02040503050406030204" pitchFamily="18" charset="0"/>
+                              </a:rPr>
+                              <m:t>1</m:t>
+                            </m:r>
+                            <m:r>
+                              <a:rPr lang="en-US" altLang="ja-JP" sz="2000" b="0" i="1" smtClean="0">
+                                <a:latin typeface="Cambria Math" panose="02040503050406030204" pitchFamily="18" charset="0"/>
+                              </a:rPr>
+                              <m:t>2</m:t>
+                            </m:r>
+                          </m:sub>
+                        </m:sSub>
+                      </m:oMath>
+                    </m:oMathPara>
+                  </a14:m>
+                  <a:endParaRPr lang="ja-JP" altLang="en-US" sz="2000" dirty="0"/>
+                </a:p>
+              </p:txBody>
+            </p:sp>
+          </mc:Choice>
+          <mc:Fallback>
+            <p:sp>
+              <p:nvSpPr>
+                <p:cNvPr id="67" name="正方形/長方形 66"/>
+                <p:cNvSpPr>
+                  <a:spLocks noRot="1" noChangeAspect="1" noMove="1" noResize="1" noEditPoints="1" noAdjustHandles="1" noChangeArrowheads="1" noChangeShapeType="1" noTextEdit="1"/>
+                </p:cNvSpPr>
+                <p:nvPr/>
+              </p:nvSpPr>
+              <p:spPr>
+                <a:xfrm>
+                  <a:off x="1721315" y="2833772"/>
+                  <a:ext cx="793997" cy="522743"/>
+                </a:xfrm>
+                <a:prstGeom prst="rect">
+                  <a:avLst/>
+                </a:prstGeom>
+                <a:blipFill>
+                  <a:blip r:embed="rId5"/>
+                  <a:stretch>
+                    <a:fillRect/>
+                  </a:stretch>
+                </a:blipFill>
+              </p:spPr>
+              <p:txBody>
+                <a:bodyPr/>
+                <a:lstStyle/>
+                <a:p>
+                  <a:r>
+                    <a:rPr lang="ja-JP" altLang="en-US">
+                      <a:noFill/>
+                    </a:rPr>
+                    <a:t> </a:t>
+                  </a:r>
+                </a:p>
+              </p:txBody>
+            </p:sp>
+          </mc:Fallback>
+        </mc:AlternateContent>
+        <p:sp>
+          <p:nvSpPr>
+            <p:cNvPr id="68" name="正方形/長方形 67"/>
+            <p:cNvSpPr/>
+            <p:nvPr/>
+          </p:nvSpPr>
+          <p:spPr>
+            <a:xfrm>
+              <a:off x="1691680" y="2708920"/>
+              <a:ext cx="720080" cy="720080"/>
+            </a:xfrm>
+            <a:prstGeom prst="rect">
+              <a:avLst/>
+            </a:prstGeom>
+            <a:noFill/>
+            <a:ln>
+              <a:solidFill>
+                <a:schemeClr val="tx1"/>
+              </a:solidFill>
+            </a:ln>
+          </p:spPr>
+          <p:style>
+            <a:lnRef idx="2">
+              <a:schemeClr val="accent1">
+                <a:shade val="50000"/>
+              </a:schemeClr>
+            </a:lnRef>
+            <a:fillRef idx="1">
+              <a:schemeClr val="accent1"/>
+            </a:fillRef>
+            <a:effectRef idx="0">
+              <a:schemeClr val="accent1"/>
+            </a:effectRef>
+            <a:fontRef idx="minor">
+              <a:schemeClr val="lt1"/>
+            </a:fontRef>
+          </p:style>
+          <p:txBody>
+            <a:bodyPr rtlCol="0" anchor="ctr"/>
+            <a:lstStyle/>
+            <a:p>
+              <a:pPr algn="ctr"/>
+              <a:endParaRPr kumimoji="1" lang="ja-JP" altLang="en-US" sz="1600"/>
+            </a:p>
+          </p:txBody>
+        </p:sp>
+        <mc:AlternateContent xmlns:mc="http://schemas.openxmlformats.org/markup-compatibility/2006">
+          <mc:Choice xmlns:a14="http://schemas.microsoft.com/office/drawing/2010/main" Requires="a14">
+            <p:sp>
+              <p:nvSpPr>
+                <p:cNvPr id="69" name="正方形/長方形 68"/>
+                <p:cNvSpPr/>
+                <p:nvPr/>
+              </p:nvSpPr>
+              <p:spPr>
+                <a:xfrm>
+                  <a:off x="2441394" y="2833772"/>
+                  <a:ext cx="801789" cy="522743"/>
+                </a:xfrm>
+                <a:prstGeom prst="rect">
+                  <a:avLst/>
+                </a:prstGeom>
+              </p:spPr>
+              <p:txBody>
+                <a:bodyPr wrap="none">
+                  <a:spAutoFit/>
+                </a:bodyPr>
+                <a:lstStyle/>
+                <a:p>
+                  <a14:m>
+                    <m:oMathPara xmlns:m="http://schemas.openxmlformats.org/officeDocument/2006/math">
+                      <m:oMathParaPr>
+                        <m:jc m:val="centerGroup"/>
+                      </m:oMathParaPr>
+                      <m:oMath xmlns:m="http://schemas.openxmlformats.org/officeDocument/2006/math">
+                        <m:sSub>
+                          <m:sSubPr>
+                            <m:ctrlPr>
+                              <a:rPr lang="en-US" altLang="ja-JP" sz="2000" i="1" smtClean="0">
+                                <a:latin typeface="Cambria Math" panose="02040503050406030204" pitchFamily="18" charset="0"/>
+                              </a:rPr>
+                            </m:ctrlPr>
+                          </m:sSubPr>
+                          <m:e>
+                            <m:r>
+                              <a:rPr lang="en-US" altLang="ja-JP" sz="2000" i="1">
+                                <a:latin typeface="Cambria Math" panose="02040503050406030204" pitchFamily="18" charset="0"/>
+                              </a:rPr>
+                              <m:t>𝑎</m:t>
+                            </m:r>
+                          </m:e>
+                          <m:sub>
+                            <m:r>
+                              <a:rPr lang="en-US" altLang="ja-JP" sz="2000" b="0" i="1" smtClean="0">
+                                <a:latin typeface="Cambria Math" panose="02040503050406030204" pitchFamily="18" charset="0"/>
+                              </a:rPr>
+                              <m:t>2</m:t>
+                            </m:r>
+                            <m:r>
+                              <a:rPr lang="en-US" altLang="ja-JP" sz="2000" i="1">
+                                <a:latin typeface="Cambria Math" panose="02040503050406030204" pitchFamily="18" charset="0"/>
+                              </a:rPr>
+                              <m:t>1</m:t>
+                            </m:r>
+                          </m:sub>
+                        </m:sSub>
+                      </m:oMath>
+                    </m:oMathPara>
+                  </a14:m>
+                  <a:endParaRPr lang="ja-JP" altLang="en-US" sz="2000" dirty="0"/>
+                </a:p>
+              </p:txBody>
+            </p:sp>
+          </mc:Choice>
+          <mc:Fallback>
+            <p:sp>
+              <p:nvSpPr>
+                <p:cNvPr id="69" name="正方形/長方形 68"/>
+                <p:cNvSpPr>
+                  <a:spLocks noRot="1" noChangeAspect="1" noMove="1" noResize="1" noEditPoints="1" noAdjustHandles="1" noChangeArrowheads="1" noChangeShapeType="1" noTextEdit="1"/>
+                </p:cNvSpPr>
+                <p:nvPr/>
+              </p:nvSpPr>
+              <p:spPr>
+                <a:xfrm>
+                  <a:off x="2441394" y="2833772"/>
+                  <a:ext cx="801789" cy="522743"/>
+                </a:xfrm>
+                <a:prstGeom prst="rect">
+                  <a:avLst/>
+                </a:prstGeom>
+                <a:blipFill>
+                  <a:blip r:embed="rId6"/>
+                  <a:stretch>
+                    <a:fillRect/>
+                  </a:stretch>
+                </a:blipFill>
+              </p:spPr>
+              <p:txBody>
+                <a:bodyPr/>
+                <a:lstStyle/>
+                <a:p>
+                  <a:r>
+                    <a:rPr lang="ja-JP" altLang="en-US">
+                      <a:noFill/>
+                    </a:rPr>
+                    <a:t> </a:t>
+                  </a:r>
+                </a:p>
+              </p:txBody>
+            </p:sp>
+          </mc:Fallback>
+        </mc:AlternateContent>
+        <p:sp>
+          <p:nvSpPr>
+            <p:cNvPr id="70" name="正方形/長方形 69"/>
+            <p:cNvSpPr/>
+            <p:nvPr/>
+          </p:nvSpPr>
+          <p:spPr>
+            <a:xfrm>
+              <a:off x="2411760" y="2708920"/>
+              <a:ext cx="720080" cy="720080"/>
+            </a:xfrm>
+            <a:prstGeom prst="rect">
+              <a:avLst/>
+            </a:prstGeom>
+            <a:noFill/>
+            <a:ln>
+              <a:solidFill>
+                <a:schemeClr val="tx1"/>
+              </a:solidFill>
+            </a:ln>
+          </p:spPr>
+          <p:style>
+            <a:lnRef idx="2">
+              <a:schemeClr val="accent1">
+                <a:shade val="50000"/>
+              </a:schemeClr>
+            </a:lnRef>
+            <a:fillRef idx="1">
+              <a:schemeClr val="accent1"/>
+            </a:fillRef>
+            <a:effectRef idx="0">
+              <a:schemeClr val="accent1"/>
+            </a:effectRef>
+            <a:fontRef idx="minor">
+              <a:schemeClr val="lt1"/>
+            </a:fontRef>
+          </p:style>
+          <p:txBody>
+            <a:bodyPr rtlCol="0" anchor="ctr"/>
+            <a:lstStyle/>
+            <a:p>
+              <a:pPr algn="ctr"/>
+              <a:endParaRPr kumimoji="1" lang="ja-JP" altLang="en-US" sz="1600"/>
+            </a:p>
+          </p:txBody>
+        </p:sp>
+        <mc:AlternateContent xmlns:mc="http://schemas.openxmlformats.org/markup-compatibility/2006">
+          <mc:Choice xmlns:a14="http://schemas.microsoft.com/office/drawing/2010/main" Requires="a14">
+            <p:sp>
+              <p:nvSpPr>
+                <p:cNvPr id="71" name="正方形/長方形 70"/>
+                <p:cNvSpPr/>
+                <p:nvPr/>
+              </p:nvSpPr>
+              <p:spPr>
+                <a:xfrm>
+                  <a:off x="3161475" y="2833772"/>
+                  <a:ext cx="801789" cy="522743"/>
+                </a:xfrm>
+                <a:prstGeom prst="rect">
+                  <a:avLst/>
+                </a:prstGeom>
+              </p:spPr>
+              <p:txBody>
+                <a:bodyPr wrap="none">
+                  <a:spAutoFit/>
+                </a:bodyPr>
+                <a:lstStyle/>
+                <a:p>
+                  <a14:m>
+                    <m:oMathPara xmlns:m="http://schemas.openxmlformats.org/officeDocument/2006/math">
+                      <m:oMathParaPr>
+                        <m:jc m:val="centerGroup"/>
+                      </m:oMathParaPr>
+                      <m:oMath xmlns:m="http://schemas.openxmlformats.org/officeDocument/2006/math">
+                        <m:sSub>
+                          <m:sSubPr>
+                            <m:ctrlPr>
+                              <a:rPr lang="en-US" altLang="ja-JP" sz="2000" i="1" smtClean="0">
+                                <a:latin typeface="Cambria Math" panose="02040503050406030204" pitchFamily="18" charset="0"/>
+                              </a:rPr>
+                            </m:ctrlPr>
+                          </m:sSubPr>
+                          <m:e>
+                            <m:r>
+                              <a:rPr lang="en-US" altLang="ja-JP" sz="2000" i="1">
+                                <a:latin typeface="Cambria Math" panose="02040503050406030204" pitchFamily="18" charset="0"/>
+                              </a:rPr>
+                              <m:t>𝑎</m:t>
+                            </m:r>
+                          </m:e>
+                          <m:sub>
+                            <m:r>
+                              <a:rPr lang="en-US" altLang="ja-JP" sz="2000" b="0" i="1" smtClean="0">
+                                <a:latin typeface="Cambria Math" panose="02040503050406030204" pitchFamily="18" charset="0"/>
+                              </a:rPr>
+                              <m:t>22</m:t>
+                            </m:r>
+                          </m:sub>
+                        </m:sSub>
+                      </m:oMath>
+                    </m:oMathPara>
+                  </a14:m>
+                  <a:endParaRPr lang="ja-JP" altLang="en-US" sz="2000" dirty="0"/>
+                </a:p>
+              </p:txBody>
+            </p:sp>
+          </mc:Choice>
+          <mc:Fallback>
+            <p:sp>
+              <p:nvSpPr>
+                <p:cNvPr id="71" name="正方形/長方形 70"/>
+                <p:cNvSpPr>
+                  <a:spLocks noRot="1" noChangeAspect="1" noMove="1" noResize="1" noEditPoints="1" noAdjustHandles="1" noChangeArrowheads="1" noChangeShapeType="1" noTextEdit="1"/>
+                </p:cNvSpPr>
+                <p:nvPr/>
+              </p:nvSpPr>
+              <p:spPr>
+                <a:xfrm>
+                  <a:off x="3161475" y="2833772"/>
+                  <a:ext cx="801789" cy="522743"/>
+                </a:xfrm>
+                <a:prstGeom prst="rect">
+                  <a:avLst/>
+                </a:prstGeom>
+                <a:blipFill>
+                  <a:blip r:embed="rId7"/>
+                  <a:stretch>
+                    <a:fillRect/>
+                  </a:stretch>
+                </a:blipFill>
+              </p:spPr>
+              <p:txBody>
+                <a:bodyPr/>
+                <a:lstStyle/>
+                <a:p>
+                  <a:r>
+                    <a:rPr lang="ja-JP" altLang="en-US">
+                      <a:noFill/>
+                    </a:rPr>
+                    <a:t> </a:t>
+                  </a:r>
+                </a:p>
+              </p:txBody>
+            </p:sp>
+          </mc:Fallback>
+        </mc:AlternateContent>
+        <p:sp>
+          <p:nvSpPr>
+            <p:cNvPr id="72" name="正方形/長方形 71"/>
+            <p:cNvSpPr/>
+            <p:nvPr/>
+          </p:nvSpPr>
+          <p:spPr>
+            <a:xfrm>
+              <a:off x="3131840" y="2708920"/>
+              <a:ext cx="720080" cy="720080"/>
+            </a:xfrm>
+            <a:prstGeom prst="rect">
+              <a:avLst/>
+            </a:prstGeom>
+            <a:noFill/>
+            <a:ln>
+              <a:solidFill>
+                <a:schemeClr val="tx1"/>
+              </a:solidFill>
+            </a:ln>
+          </p:spPr>
+          <p:style>
+            <a:lnRef idx="2">
+              <a:schemeClr val="accent1">
+                <a:shade val="50000"/>
+              </a:schemeClr>
+            </a:lnRef>
+            <a:fillRef idx="1">
+              <a:schemeClr val="accent1"/>
+            </a:fillRef>
+            <a:effectRef idx="0">
+              <a:schemeClr val="accent1"/>
+            </a:effectRef>
+            <a:fontRef idx="minor">
+              <a:schemeClr val="lt1"/>
+            </a:fontRef>
+          </p:style>
+          <p:txBody>
+            <a:bodyPr rtlCol="0" anchor="ctr"/>
+            <a:lstStyle/>
+            <a:p>
+              <a:pPr algn="ctr"/>
+              <a:endParaRPr kumimoji="1" lang="ja-JP" altLang="en-US" sz="1600"/>
+            </a:p>
+          </p:txBody>
+        </p:sp>
+        <mc:AlternateContent xmlns:mc="http://schemas.openxmlformats.org/markup-compatibility/2006">
+          <mc:Choice xmlns:a14="http://schemas.microsoft.com/office/drawing/2010/main" Requires="a14">
+            <p:sp>
+              <p:nvSpPr>
+                <p:cNvPr id="73" name="正方形/長方形 72"/>
+                <p:cNvSpPr/>
+                <p:nvPr/>
+              </p:nvSpPr>
+              <p:spPr>
+                <a:xfrm>
+                  <a:off x="3881555" y="2833772"/>
+                  <a:ext cx="801789" cy="522743"/>
+                </a:xfrm>
+                <a:prstGeom prst="rect">
+                  <a:avLst/>
+                </a:prstGeom>
+              </p:spPr>
+              <p:txBody>
+                <a:bodyPr wrap="none">
+                  <a:spAutoFit/>
+                </a:bodyPr>
+                <a:lstStyle/>
+                <a:p>
+                  <a14:m>
+                    <m:oMathPara xmlns:m="http://schemas.openxmlformats.org/officeDocument/2006/math">
+                      <m:oMathParaPr>
+                        <m:jc m:val="centerGroup"/>
+                      </m:oMathParaPr>
+                      <m:oMath xmlns:m="http://schemas.openxmlformats.org/officeDocument/2006/math">
+                        <m:sSub>
+                          <m:sSubPr>
+                            <m:ctrlPr>
+                              <a:rPr lang="en-US" altLang="ja-JP" sz="2000" i="1" smtClean="0">
+                                <a:latin typeface="Cambria Math" panose="02040503050406030204" pitchFamily="18" charset="0"/>
+                              </a:rPr>
+                            </m:ctrlPr>
+                          </m:sSubPr>
+                          <m:e>
+                            <m:r>
+                              <a:rPr lang="en-US" altLang="ja-JP" sz="2000" i="1">
+                                <a:latin typeface="Cambria Math" panose="02040503050406030204" pitchFamily="18" charset="0"/>
+                              </a:rPr>
+                              <m:t>𝑎</m:t>
+                            </m:r>
+                          </m:e>
+                          <m:sub>
+                            <m:r>
+                              <a:rPr lang="en-US" altLang="ja-JP" sz="2000" b="0" i="1" smtClean="0">
+                                <a:latin typeface="Cambria Math" panose="02040503050406030204" pitchFamily="18" charset="0"/>
+                              </a:rPr>
+                              <m:t>31</m:t>
+                            </m:r>
+                          </m:sub>
+                        </m:sSub>
+                      </m:oMath>
+                    </m:oMathPara>
+                  </a14:m>
+                  <a:endParaRPr lang="ja-JP" altLang="en-US" sz="2000" dirty="0"/>
+                </a:p>
+              </p:txBody>
+            </p:sp>
+          </mc:Choice>
+          <mc:Fallback>
+            <p:sp>
+              <p:nvSpPr>
+                <p:cNvPr id="73" name="正方形/長方形 72"/>
+                <p:cNvSpPr>
+                  <a:spLocks noRot="1" noChangeAspect="1" noMove="1" noResize="1" noEditPoints="1" noAdjustHandles="1" noChangeArrowheads="1" noChangeShapeType="1" noTextEdit="1"/>
+                </p:cNvSpPr>
+                <p:nvPr/>
+              </p:nvSpPr>
+              <p:spPr>
+                <a:xfrm>
+                  <a:off x="3881555" y="2833772"/>
+                  <a:ext cx="801789" cy="522743"/>
+                </a:xfrm>
+                <a:prstGeom prst="rect">
+                  <a:avLst/>
+                </a:prstGeom>
+                <a:blipFill>
+                  <a:blip r:embed="rId8"/>
+                  <a:stretch>
+                    <a:fillRect/>
+                  </a:stretch>
+                </a:blipFill>
+              </p:spPr>
+              <p:txBody>
+                <a:bodyPr/>
+                <a:lstStyle/>
+                <a:p>
+                  <a:r>
+                    <a:rPr lang="ja-JP" altLang="en-US">
+                      <a:noFill/>
+                    </a:rPr>
+                    <a:t> </a:t>
+                  </a:r>
+                </a:p>
+              </p:txBody>
+            </p:sp>
+          </mc:Fallback>
+        </mc:AlternateContent>
+        <p:sp>
+          <p:nvSpPr>
+            <p:cNvPr id="74" name="正方形/長方形 73"/>
+            <p:cNvSpPr/>
+            <p:nvPr/>
+          </p:nvSpPr>
+          <p:spPr>
+            <a:xfrm>
+              <a:off x="3851920" y="2708920"/>
+              <a:ext cx="720080" cy="720080"/>
+            </a:xfrm>
+            <a:prstGeom prst="rect">
+              <a:avLst/>
+            </a:prstGeom>
+            <a:noFill/>
+            <a:ln>
+              <a:solidFill>
+                <a:schemeClr val="tx1"/>
+              </a:solidFill>
+            </a:ln>
+          </p:spPr>
+          <p:style>
+            <a:lnRef idx="2">
+              <a:schemeClr val="accent1">
+                <a:shade val="50000"/>
+              </a:schemeClr>
+            </a:lnRef>
+            <a:fillRef idx="1">
+              <a:schemeClr val="accent1"/>
+            </a:fillRef>
+            <a:effectRef idx="0">
+              <a:schemeClr val="accent1"/>
+            </a:effectRef>
+            <a:fontRef idx="minor">
+              <a:schemeClr val="lt1"/>
+            </a:fontRef>
+          </p:style>
+          <p:txBody>
+            <a:bodyPr rtlCol="0" anchor="ctr"/>
+            <a:lstStyle/>
+            <a:p>
+              <a:pPr algn="ctr"/>
+              <a:endParaRPr kumimoji="1" lang="ja-JP" altLang="en-US" sz="1600"/>
+            </a:p>
+          </p:txBody>
+        </p:sp>
+        <mc:AlternateContent xmlns:mc="http://schemas.openxmlformats.org/markup-compatibility/2006">
+          <mc:Choice xmlns:a14="http://schemas.microsoft.com/office/drawing/2010/main" Requires="a14">
+            <p:sp>
+              <p:nvSpPr>
+                <p:cNvPr id="75" name="正方形/長方形 74"/>
+                <p:cNvSpPr/>
+                <p:nvPr/>
+              </p:nvSpPr>
+              <p:spPr>
+                <a:xfrm>
+                  <a:off x="4601635" y="2833772"/>
+                  <a:ext cx="801789" cy="522743"/>
+                </a:xfrm>
+                <a:prstGeom prst="rect">
+                  <a:avLst/>
+                </a:prstGeom>
+              </p:spPr>
+              <p:txBody>
+                <a:bodyPr wrap="none">
+                  <a:spAutoFit/>
+                </a:bodyPr>
+                <a:lstStyle/>
+                <a:p>
+                  <a14:m>
+                    <m:oMathPara xmlns:m="http://schemas.openxmlformats.org/officeDocument/2006/math">
+                      <m:oMathParaPr>
+                        <m:jc m:val="centerGroup"/>
+                      </m:oMathParaPr>
+                      <m:oMath xmlns:m="http://schemas.openxmlformats.org/officeDocument/2006/math">
+                        <m:sSub>
+                          <m:sSubPr>
+                            <m:ctrlPr>
+                              <a:rPr lang="en-US" altLang="ja-JP" sz="2000" i="1" smtClean="0">
+                                <a:latin typeface="Cambria Math" panose="02040503050406030204" pitchFamily="18" charset="0"/>
+                              </a:rPr>
+                            </m:ctrlPr>
+                          </m:sSubPr>
+                          <m:e>
+                            <m:r>
+                              <a:rPr lang="en-US" altLang="ja-JP" sz="2000" i="1">
+                                <a:latin typeface="Cambria Math" panose="02040503050406030204" pitchFamily="18" charset="0"/>
+                              </a:rPr>
+                              <m:t>𝑎</m:t>
+                            </m:r>
+                          </m:e>
+                          <m:sub>
+                            <m:r>
+                              <a:rPr lang="en-US" altLang="ja-JP" sz="2000" b="0" i="1" smtClean="0">
+                                <a:latin typeface="Cambria Math" panose="02040503050406030204" pitchFamily="18" charset="0"/>
+                              </a:rPr>
+                              <m:t>32</m:t>
+                            </m:r>
+                          </m:sub>
+                        </m:sSub>
+                      </m:oMath>
+                    </m:oMathPara>
+                  </a14:m>
+                  <a:endParaRPr lang="ja-JP" altLang="en-US" sz="2000" dirty="0"/>
+                </a:p>
+              </p:txBody>
+            </p:sp>
+          </mc:Choice>
+          <mc:Fallback>
+            <p:sp>
+              <p:nvSpPr>
+                <p:cNvPr id="75" name="正方形/長方形 74"/>
+                <p:cNvSpPr>
+                  <a:spLocks noRot="1" noChangeAspect="1" noMove="1" noResize="1" noEditPoints="1" noAdjustHandles="1" noChangeArrowheads="1" noChangeShapeType="1" noTextEdit="1"/>
+                </p:cNvSpPr>
+                <p:nvPr/>
+              </p:nvSpPr>
+              <p:spPr>
+                <a:xfrm>
+                  <a:off x="4601635" y="2833772"/>
+                  <a:ext cx="801789" cy="522743"/>
+                </a:xfrm>
+                <a:prstGeom prst="rect">
+                  <a:avLst/>
+                </a:prstGeom>
+                <a:blipFill>
+                  <a:blip r:embed="rId9"/>
+                  <a:stretch>
+                    <a:fillRect/>
+                  </a:stretch>
+                </a:blipFill>
+              </p:spPr>
+              <p:txBody>
+                <a:bodyPr/>
+                <a:lstStyle/>
+                <a:p>
+                  <a:r>
+                    <a:rPr lang="ja-JP" altLang="en-US">
+                      <a:noFill/>
+                    </a:rPr>
+                    <a:t> </a:t>
+                  </a:r>
+                </a:p>
+              </p:txBody>
+            </p:sp>
+          </mc:Fallback>
+        </mc:AlternateContent>
+        <p:sp>
+          <p:nvSpPr>
+            <p:cNvPr id="76" name="正方形/長方形 75"/>
+            <p:cNvSpPr/>
+            <p:nvPr/>
+          </p:nvSpPr>
+          <p:spPr>
+            <a:xfrm>
+              <a:off x="4572000" y="2708920"/>
+              <a:ext cx="720080" cy="720080"/>
+            </a:xfrm>
+            <a:prstGeom prst="rect">
+              <a:avLst/>
+            </a:prstGeom>
+            <a:noFill/>
+            <a:ln>
+              <a:solidFill>
+                <a:schemeClr val="tx1"/>
+              </a:solidFill>
+            </a:ln>
+          </p:spPr>
+          <p:style>
+            <a:lnRef idx="2">
+              <a:schemeClr val="accent1">
+                <a:shade val="50000"/>
+              </a:schemeClr>
+            </a:lnRef>
+            <a:fillRef idx="1">
+              <a:schemeClr val="accent1"/>
+            </a:fillRef>
+            <a:effectRef idx="0">
+              <a:schemeClr val="accent1"/>
+            </a:effectRef>
+            <a:fontRef idx="minor">
+              <a:schemeClr val="lt1"/>
+            </a:fontRef>
+          </p:style>
+          <p:txBody>
+            <a:bodyPr rtlCol="0" anchor="ctr"/>
+            <a:lstStyle/>
+            <a:p>
+              <a:pPr algn="ctr"/>
+              <a:endParaRPr kumimoji="1" lang="ja-JP" altLang="en-US" sz="1600"/>
+            </a:p>
+          </p:txBody>
+        </p:sp>
+      </p:grpSp>
+      <p:grpSp>
+        <p:nvGrpSpPr>
+          <p:cNvPr id="90" name="グループ化 89"/>
+          <p:cNvGrpSpPr/>
+          <p:nvPr/>
+        </p:nvGrpSpPr>
+        <p:grpSpPr>
+          <a:xfrm>
+            <a:off x="4860032" y="3021863"/>
+            <a:ext cx="3392143" cy="551153"/>
+            <a:chOff x="971600" y="4149080"/>
+            <a:chExt cx="4431824" cy="720080"/>
+          </a:xfrm>
+        </p:grpSpPr>
+        <mc:AlternateContent xmlns:mc="http://schemas.openxmlformats.org/markup-compatibility/2006">
+          <mc:Choice xmlns:a14="http://schemas.microsoft.com/office/drawing/2010/main" Requires="a14">
+            <p:sp>
+              <p:nvSpPr>
+                <p:cNvPr id="77" name="正方形/長方形 76"/>
+                <p:cNvSpPr/>
+                <p:nvPr/>
+              </p:nvSpPr>
+              <p:spPr>
+                <a:xfrm>
+                  <a:off x="1001235" y="4273932"/>
+                  <a:ext cx="793997" cy="522743"/>
+                </a:xfrm>
+                <a:prstGeom prst="rect">
+                  <a:avLst/>
+                </a:prstGeom>
+              </p:spPr>
+              <p:txBody>
+                <a:bodyPr wrap="none">
+                  <a:spAutoFit/>
+                </a:bodyPr>
+                <a:lstStyle/>
+                <a:p>
+                  <a14:m>
+                    <m:oMathPara xmlns:m="http://schemas.openxmlformats.org/officeDocument/2006/math">
+                      <m:oMathParaPr>
+                        <m:jc m:val="centerGroup"/>
+                      </m:oMathParaPr>
+                      <m:oMath xmlns:m="http://schemas.openxmlformats.org/officeDocument/2006/math">
+                        <m:sSub>
+                          <m:sSubPr>
+                            <m:ctrlPr>
+                              <a:rPr lang="en-US" altLang="ja-JP" sz="2000" i="1">
+                                <a:latin typeface="Cambria Math" panose="02040503050406030204" pitchFamily="18" charset="0"/>
+                              </a:rPr>
+                            </m:ctrlPr>
+                          </m:sSubPr>
+                          <m:e>
+                            <m:r>
+                              <a:rPr lang="en-US" altLang="ja-JP" sz="2000" i="1">
+                                <a:latin typeface="Cambria Math" panose="02040503050406030204" pitchFamily="18" charset="0"/>
+                              </a:rPr>
+                              <m:t>𝑎</m:t>
+                            </m:r>
+                          </m:e>
+                          <m:sub>
+                            <m:r>
+                              <a:rPr lang="en-US" altLang="ja-JP" sz="2000" i="1">
+                                <a:latin typeface="Cambria Math" panose="02040503050406030204" pitchFamily="18" charset="0"/>
+                              </a:rPr>
+                              <m:t>11</m:t>
+                            </m:r>
+                          </m:sub>
+                        </m:sSub>
+                      </m:oMath>
+                    </m:oMathPara>
+                  </a14:m>
+                  <a:endParaRPr lang="ja-JP" altLang="en-US" sz="2000" dirty="0"/>
+                </a:p>
+              </p:txBody>
+            </p:sp>
+          </mc:Choice>
+          <mc:Fallback>
+            <p:sp>
+              <p:nvSpPr>
+                <p:cNvPr id="77" name="正方形/長方形 76"/>
+                <p:cNvSpPr>
+                  <a:spLocks noRot="1" noChangeAspect="1" noMove="1" noResize="1" noEditPoints="1" noAdjustHandles="1" noChangeArrowheads="1" noChangeShapeType="1" noTextEdit="1"/>
+                </p:cNvSpPr>
+                <p:nvPr/>
+              </p:nvSpPr>
+              <p:spPr>
+                <a:xfrm>
+                  <a:off x="1001235" y="4273932"/>
+                  <a:ext cx="793997" cy="522743"/>
+                </a:xfrm>
+                <a:prstGeom prst="rect">
+                  <a:avLst/>
+                </a:prstGeom>
+                <a:blipFill>
+                  <a:blip r:embed="rId10"/>
+                  <a:stretch>
+                    <a:fillRect/>
+                  </a:stretch>
+                </a:blipFill>
+              </p:spPr>
+              <p:txBody>
+                <a:bodyPr/>
+                <a:lstStyle/>
+                <a:p>
+                  <a:r>
+                    <a:rPr lang="ja-JP" altLang="en-US">
+                      <a:noFill/>
+                    </a:rPr>
+                    <a:t> </a:t>
+                  </a:r>
+                </a:p>
+              </p:txBody>
+            </p:sp>
+          </mc:Fallback>
+        </mc:AlternateContent>
+        <p:sp>
+          <p:nvSpPr>
+            <p:cNvPr id="78" name="正方形/長方形 77"/>
+            <p:cNvSpPr/>
+            <p:nvPr/>
+          </p:nvSpPr>
+          <p:spPr>
+            <a:xfrm>
+              <a:off x="971600" y="4149080"/>
+              <a:ext cx="720080" cy="720080"/>
+            </a:xfrm>
+            <a:prstGeom prst="rect">
+              <a:avLst/>
+            </a:prstGeom>
+            <a:noFill/>
+            <a:ln>
+              <a:solidFill>
+                <a:schemeClr val="tx1"/>
+              </a:solidFill>
+            </a:ln>
+          </p:spPr>
+          <p:style>
+            <a:lnRef idx="2">
+              <a:schemeClr val="accent1">
+                <a:shade val="50000"/>
+              </a:schemeClr>
+            </a:lnRef>
+            <a:fillRef idx="1">
+              <a:schemeClr val="accent1"/>
+            </a:fillRef>
+            <a:effectRef idx="0">
+              <a:schemeClr val="accent1"/>
+            </a:effectRef>
+            <a:fontRef idx="minor">
+              <a:schemeClr val="lt1"/>
+            </a:fontRef>
+          </p:style>
+          <p:txBody>
+            <a:bodyPr rtlCol="0" anchor="ctr"/>
+            <a:lstStyle/>
+            <a:p>
+              <a:pPr algn="ctr"/>
+              <a:endParaRPr kumimoji="1" lang="ja-JP" altLang="en-US" sz="1600"/>
+            </a:p>
+          </p:txBody>
+        </p:sp>
+        <mc:AlternateContent xmlns:mc="http://schemas.openxmlformats.org/markup-compatibility/2006">
+          <mc:Choice xmlns:a14="http://schemas.microsoft.com/office/drawing/2010/main" Requires="a14">
+            <p:sp>
+              <p:nvSpPr>
+                <p:cNvPr id="79" name="正方形/長方形 78"/>
+                <p:cNvSpPr/>
+                <p:nvPr/>
+              </p:nvSpPr>
+              <p:spPr>
+                <a:xfrm>
+                  <a:off x="1721315" y="4273932"/>
+                  <a:ext cx="801789" cy="522743"/>
+                </a:xfrm>
+                <a:prstGeom prst="rect">
+                  <a:avLst/>
+                </a:prstGeom>
+              </p:spPr>
+              <p:txBody>
+                <a:bodyPr wrap="none">
+                  <a:spAutoFit/>
+                </a:bodyPr>
+                <a:lstStyle/>
+                <a:p>
+                  <a14:m>
+                    <m:oMathPara xmlns:m="http://schemas.openxmlformats.org/officeDocument/2006/math">
+                      <m:oMathParaPr>
+                        <m:jc m:val="centerGroup"/>
+                      </m:oMathParaPr>
+                      <m:oMath xmlns:m="http://schemas.openxmlformats.org/officeDocument/2006/math">
+                        <m:sSub>
+                          <m:sSubPr>
+                            <m:ctrlPr>
+                              <a:rPr lang="en-US" altLang="ja-JP" sz="2000" i="1" smtClean="0">
+                                <a:latin typeface="Cambria Math" panose="02040503050406030204" pitchFamily="18" charset="0"/>
+                              </a:rPr>
+                            </m:ctrlPr>
+                          </m:sSubPr>
+                          <m:e>
+                            <m:r>
+                              <a:rPr lang="en-US" altLang="ja-JP" sz="2000" i="1">
+                                <a:latin typeface="Cambria Math" panose="02040503050406030204" pitchFamily="18" charset="0"/>
+                              </a:rPr>
+                              <m:t>𝑎</m:t>
+                            </m:r>
+                          </m:e>
+                          <m:sub>
+                            <m:r>
+                              <a:rPr lang="en-US" altLang="ja-JP" sz="2000" b="0" i="1" smtClean="0">
+                                <a:latin typeface="Cambria Math" panose="02040503050406030204" pitchFamily="18" charset="0"/>
+                              </a:rPr>
+                              <m:t>21</m:t>
+                            </m:r>
+                          </m:sub>
+                        </m:sSub>
+                      </m:oMath>
+                    </m:oMathPara>
+                  </a14:m>
+                  <a:endParaRPr lang="ja-JP" altLang="en-US" sz="2000" dirty="0"/>
+                </a:p>
+              </p:txBody>
+            </p:sp>
+          </mc:Choice>
+          <mc:Fallback>
+            <p:sp>
+              <p:nvSpPr>
+                <p:cNvPr id="79" name="正方形/長方形 78"/>
+                <p:cNvSpPr>
+                  <a:spLocks noRot="1" noChangeAspect="1" noMove="1" noResize="1" noEditPoints="1" noAdjustHandles="1" noChangeArrowheads="1" noChangeShapeType="1" noTextEdit="1"/>
+                </p:cNvSpPr>
+                <p:nvPr/>
+              </p:nvSpPr>
+              <p:spPr>
+                <a:xfrm>
+                  <a:off x="1721315" y="4273932"/>
+                  <a:ext cx="801789" cy="522743"/>
+                </a:xfrm>
+                <a:prstGeom prst="rect">
+                  <a:avLst/>
+                </a:prstGeom>
+                <a:blipFill>
+                  <a:blip r:embed="rId11"/>
+                  <a:stretch>
+                    <a:fillRect/>
+                  </a:stretch>
+                </a:blipFill>
+              </p:spPr>
+              <p:txBody>
+                <a:bodyPr/>
+                <a:lstStyle/>
+                <a:p>
+                  <a:r>
+                    <a:rPr lang="ja-JP" altLang="en-US">
+                      <a:noFill/>
+                    </a:rPr>
+                    <a:t> </a:t>
+                  </a:r>
+                </a:p>
+              </p:txBody>
+            </p:sp>
+          </mc:Fallback>
+        </mc:AlternateContent>
+        <p:sp>
+          <p:nvSpPr>
+            <p:cNvPr id="80" name="正方形/長方形 79"/>
+            <p:cNvSpPr/>
+            <p:nvPr/>
+          </p:nvSpPr>
+          <p:spPr>
+            <a:xfrm>
+              <a:off x="1691680" y="4149080"/>
+              <a:ext cx="720080" cy="720080"/>
+            </a:xfrm>
+            <a:prstGeom prst="rect">
+              <a:avLst/>
+            </a:prstGeom>
+            <a:noFill/>
+            <a:ln>
+              <a:solidFill>
+                <a:schemeClr val="tx1"/>
+              </a:solidFill>
+            </a:ln>
+          </p:spPr>
+          <p:style>
+            <a:lnRef idx="2">
+              <a:schemeClr val="accent1">
+                <a:shade val="50000"/>
+              </a:schemeClr>
+            </a:lnRef>
+            <a:fillRef idx="1">
+              <a:schemeClr val="accent1"/>
+            </a:fillRef>
+            <a:effectRef idx="0">
+              <a:schemeClr val="accent1"/>
+            </a:effectRef>
+            <a:fontRef idx="minor">
+              <a:schemeClr val="lt1"/>
+            </a:fontRef>
+          </p:style>
+          <p:txBody>
+            <a:bodyPr rtlCol="0" anchor="ctr"/>
+            <a:lstStyle/>
+            <a:p>
+              <a:pPr algn="ctr"/>
+              <a:endParaRPr kumimoji="1" lang="ja-JP" altLang="en-US" sz="1600"/>
+            </a:p>
+          </p:txBody>
+        </p:sp>
+        <mc:AlternateContent xmlns:mc="http://schemas.openxmlformats.org/markup-compatibility/2006">
+          <mc:Choice xmlns:a14="http://schemas.microsoft.com/office/drawing/2010/main" Requires="a14">
+            <p:sp>
+              <p:nvSpPr>
+                <p:cNvPr id="81" name="正方形/長方形 80"/>
+                <p:cNvSpPr/>
+                <p:nvPr/>
+              </p:nvSpPr>
+              <p:spPr>
+                <a:xfrm>
+                  <a:off x="2441394" y="4273932"/>
+                  <a:ext cx="801789" cy="522743"/>
+                </a:xfrm>
+                <a:prstGeom prst="rect">
+                  <a:avLst/>
+                </a:prstGeom>
+              </p:spPr>
+              <p:txBody>
+                <a:bodyPr wrap="none">
+                  <a:spAutoFit/>
+                </a:bodyPr>
+                <a:lstStyle/>
+                <a:p>
+                  <a14:m>
+                    <m:oMathPara xmlns:m="http://schemas.openxmlformats.org/officeDocument/2006/math">
+                      <m:oMathParaPr>
+                        <m:jc m:val="centerGroup"/>
+                      </m:oMathParaPr>
+                      <m:oMath xmlns:m="http://schemas.openxmlformats.org/officeDocument/2006/math">
+                        <m:sSub>
+                          <m:sSubPr>
+                            <m:ctrlPr>
+                              <a:rPr lang="en-US" altLang="ja-JP" sz="2000" i="1" smtClean="0">
+                                <a:latin typeface="Cambria Math" panose="02040503050406030204" pitchFamily="18" charset="0"/>
+                              </a:rPr>
+                            </m:ctrlPr>
+                          </m:sSubPr>
+                          <m:e>
+                            <m:r>
+                              <a:rPr lang="en-US" altLang="ja-JP" sz="2000" i="1">
+                                <a:latin typeface="Cambria Math" panose="02040503050406030204" pitchFamily="18" charset="0"/>
+                              </a:rPr>
+                              <m:t>𝑎</m:t>
+                            </m:r>
+                          </m:e>
+                          <m:sub>
+                            <m:r>
+                              <a:rPr lang="en-US" altLang="ja-JP" sz="2000" b="0" i="1" smtClean="0">
+                                <a:latin typeface="Cambria Math" panose="02040503050406030204" pitchFamily="18" charset="0"/>
+                              </a:rPr>
+                              <m:t>3</m:t>
+                            </m:r>
+                            <m:r>
+                              <a:rPr lang="en-US" altLang="ja-JP" sz="2000" i="1">
+                                <a:latin typeface="Cambria Math" panose="02040503050406030204" pitchFamily="18" charset="0"/>
+                              </a:rPr>
+                              <m:t>1</m:t>
+                            </m:r>
+                          </m:sub>
+                        </m:sSub>
+                      </m:oMath>
+                    </m:oMathPara>
+                  </a14:m>
+                  <a:endParaRPr lang="ja-JP" altLang="en-US" sz="2000" dirty="0"/>
+                </a:p>
+              </p:txBody>
+            </p:sp>
+          </mc:Choice>
+          <mc:Fallback>
+            <p:sp>
+              <p:nvSpPr>
+                <p:cNvPr id="81" name="正方形/長方形 80"/>
+                <p:cNvSpPr>
+                  <a:spLocks noRot="1" noChangeAspect="1" noMove="1" noResize="1" noEditPoints="1" noAdjustHandles="1" noChangeArrowheads="1" noChangeShapeType="1" noTextEdit="1"/>
+                </p:cNvSpPr>
+                <p:nvPr/>
+              </p:nvSpPr>
+              <p:spPr>
+                <a:xfrm>
+                  <a:off x="2441394" y="4273932"/>
+                  <a:ext cx="801789" cy="522743"/>
+                </a:xfrm>
+                <a:prstGeom prst="rect">
+                  <a:avLst/>
+                </a:prstGeom>
+                <a:blipFill>
+                  <a:blip r:embed="rId12"/>
+                  <a:stretch>
+                    <a:fillRect/>
+                  </a:stretch>
+                </a:blipFill>
+              </p:spPr>
+              <p:txBody>
+                <a:bodyPr/>
+                <a:lstStyle/>
+                <a:p>
+                  <a:r>
+                    <a:rPr lang="ja-JP" altLang="en-US">
+                      <a:noFill/>
+                    </a:rPr>
+                    <a:t> </a:t>
+                  </a:r>
+                </a:p>
+              </p:txBody>
+            </p:sp>
+          </mc:Fallback>
+        </mc:AlternateContent>
+        <p:sp>
+          <p:nvSpPr>
+            <p:cNvPr id="82" name="正方形/長方形 81"/>
+            <p:cNvSpPr/>
+            <p:nvPr/>
+          </p:nvSpPr>
+          <p:spPr>
+            <a:xfrm>
+              <a:off x="2411760" y="4149080"/>
+              <a:ext cx="720080" cy="720080"/>
+            </a:xfrm>
+            <a:prstGeom prst="rect">
+              <a:avLst/>
+            </a:prstGeom>
+            <a:noFill/>
+            <a:ln>
+              <a:solidFill>
+                <a:schemeClr val="tx1"/>
+              </a:solidFill>
+            </a:ln>
+          </p:spPr>
+          <p:style>
+            <a:lnRef idx="2">
+              <a:schemeClr val="accent1">
+                <a:shade val="50000"/>
+              </a:schemeClr>
+            </a:lnRef>
+            <a:fillRef idx="1">
+              <a:schemeClr val="accent1"/>
+            </a:fillRef>
+            <a:effectRef idx="0">
+              <a:schemeClr val="accent1"/>
+            </a:effectRef>
+            <a:fontRef idx="minor">
+              <a:schemeClr val="lt1"/>
+            </a:fontRef>
+          </p:style>
+          <p:txBody>
+            <a:bodyPr rtlCol="0" anchor="ctr"/>
+            <a:lstStyle/>
+            <a:p>
+              <a:pPr algn="ctr"/>
+              <a:endParaRPr kumimoji="1" lang="ja-JP" altLang="en-US" sz="1600"/>
+            </a:p>
+          </p:txBody>
+        </p:sp>
+        <mc:AlternateContent xmlns:mc="http://schemas.openxmlformats.org/markup-compatibility/2006">
+          <mc:Choice xmlns:a14="http://schemas.microsoft.com/office/drawing/2010/main" Requires="a14">
+            <p:sp>
+              <p:nvSpPr>
+                <p:cNvPr id="83" name="正方形/長方形 82"/>
+                <p:cNvSpPr/>
+                <p:nvPr/>
+              </p:nvSpPr>
+              <p:spPr>
+                <a:xfrm>
+                  <a:off x="3161475" y="4273932"/>
+                  <a:ext cx="793997" cy="522743"/>
+                </a:xfrm>
+                <a:prstGeom prst="rect">
+                  <a:avLst/>
+                </a:prstGeom>
+              </p:spPr>
+              <p:txBody>
+                <a:bodyPr wrap="none">
+                  <a:spAutoFit/>
+                </a:bodyPr>
+                <a:lstStyle/>
+                <a:p>
+                  <a14:m>
+                    <m:oMathPara xmlns:m="http://schemas.openxmlformats.org/officeDocument/2006/math">
+                      <m:oMathParaPr>
+                        <m:jc m:val="centerGroup"/>
+                      </m:oMathParaPr>
+                      <m:oMath xmlns:m="http://schemas.openxmlformats.org/officeDocument/2006/math">
+                        <m:sSub>
+                          <m:sSubPr>
+                            <m:ctrlPr>
+                              <a:rPr lang="en-US" altLang="ja-JP" sz="2000" i="1" smtClean="0">
+                                <a:latin typeface="Cambria Math" panose="02040503050406030204" pitchFamily="18" charset="0"/>
+                              </a:rPr>
+                            </m:ctrlPr>
+                          </m:sSubPr>
+                          <m:e>
+                            <m:r>
+                              <a:rPr lang="en-US" altLang="ja-JP" sz="2000" i="1">
+                                <a:latin typeface="Cambria Math" panose="02040503050406030204" pitchFamily="18" charset="0"/>
+                              </a:rPr>
+                              <m:t>𝑎</m:t>
+                            </m:r>
+                          </m:e>
+                          <m:sub>
+                            <m:r>
+                              <a:rPr lang="en-US" altLang="ja-JP" sz="2000" b="0" i="1" smtClean="0">
+                                <a:latin typeface="Cambria Math" panose="02040503050406030204" pitchFamily="18" charset="0"/>
+                              </a:rPr>
+                              <m:t>12</m:t>
+                            </m:r>
+                          </m:sub>
+                        </m:sSub>
+                      </m:oMath>
+                    </m:oMathPara>
+                  </a14:m>
+                  <a:endParaRPr lang="ja-JP" altLang="en-US" sz="2000" dirty="0"/>
+                </a:p>
+              </p:txBody>
+            </p:sp>
+          </mc:Choice>
+          <mc:Fallback>
+            <p:sp>
+              <p:nvSpPr>
+                <p:cNvPr id="83" name="正方形/長方形 82"/>
+                <p:cNvSpPr>
+                  <a:spLocks noRot="1" noChangeAspect="1" noMove="1" noResize="1" noEditPoints="1" noAdjustHandles="1" noChangeArrowheads="1" noChangeShapeType="1" noTextEdit="1"/>
+                </p:cNvSpPr>
+                <p:nvPr/>
+              </p:nvSpPr>
+              <p:spPr>
+                <a:xfrm>
+                  <a:off x="3161475" y="4273932"/>
+                  <a:ext cx="793997" cy="522743"/>
+                </a:xfrm>
+                <a:prstGeom prst="rect">
+                  <a:avLst/>
+                </a:prstGeom>
+                <a:blipFill>
+                  <a:blip r:embed="rId13"/>
+                  <a:stretch>
+                    <a:fillRect/>
+                  </a:stretch>
+                </a:blipFill>
+              </p:spPr>
+              <p:txBody>
+                <a:bodyPr/>
+                <a:lstStyle/>
+                <a:p>
+                  <a:r>
+                    <a:rPr lang="ja-JP" altLang="en-US">
+                      <a:noFill/>
+                    </a:rPr>
+                    <a:t> </a:t>
+                  </a:r>
+                </a:p>
+              </p:txBody>
+            </p:sp>
+          </mc:Fallback>
+        </mc:AlternateContent>
+        <p:sp>
+          <p:nvSpPr>
+            <p:cNvPr id="84" name="正方形/長方形 83"/>
+            <p:cNvSpPr/>
+            <p:nvPr/>
+          </p:nvSpPr>
+          <p:spPr>
+            <a:xfrm>
+              <a:off x="3131840" y="4149080"/>
+              <a:ext cx="720080" cy="720080"/>
+            </a:xfrm>
+            <a:prstGeom prst="rect">
+              <a:avLst/>
+            </a:prstGeom>
+            <a:noFill/>
+            <a:ln>
+              <a:solidFill>
+                <a:schemeClr val="tx1"/>
+              </a:solidFill>
+            </a:ln>
+          </p:spPr>
+          <p:style>
+            <a:lnRef idx="2">
+              <a:schemeClr val="accent1">
+                <a:shade val="50000"/>
+              </a:schemeClr>
+            </a:lnRef>
+            <a:fillRef idx="1">
+              <a:schemeClr val="accent1"/>
+            </a:fillRef>
+            <a:effectRef idx="0">
+              <a:schemeClr val="accent1"/>
+            </a:effectRef>
+            <a:fontRef idx="minor">
+              <a:schemeClr val="lt1"/>
+            </a:fontRef>
+          </p:style>
+          <p:txBody>
+            <a:bodyPr rtlCol="0" anchor="ctr"/>
+            <a:lstStyle/>
+            <a:p>
+              <a:pPr algn="ctr"/>
+              <a:endParaRPr kumimoji="1" lang="ja-JP" altLang="en-US" sz="1600"/>
+            </a:p>
+          </p:txBody>
+        </p:sp>
+        <mc:AlternateContent xmlns:mc="http://schemas.openxmlformats.org/markup-compatibility/2006">
+          <mc:Choice xmlns:a14="http://schemas.microsoft.com/office/drawing/2010/main" Requires="a14">
+            <p:sp>
+              <p:nvSpPr>
+                <p:cNvPr id="85" name="正方形/長方形 84"/>
+                <p:cNvSpPr/>
+                <p:nvPr/>
+              </p:nvSpPr>
+              <p:spPr>
+                <a:xfrm>
+                  <a:off x="3881555" y="4273932"/>
+                  <a:ext cx="801789" cy="522743"/>
+                </a:xfrm>
+                <a:prstGeom prst="rect">
+                  <a:avLst/>
+                </a:prstGeom>
+              </p:spPr>
+              <p:txBody>
+                <a:bodyPr wrap="none">
+                  <a:spAutoFit/>
+                </a:bodyPr>
+                <a:lstStyle/>
+                <a:p>
+                  <a14:m>
+                    <m:oMathPara xmlns:m="http://schemas.openxmlformats.org/officeDocument/2006/math">
+                      <m:oMathParaPr>
+                        <m:jc m:val="centerGroup"/>
+                      </m:oMathParaPr>
+                      <m:oMath xmlns:m="http://schemas.openxmlformats.org/officeDocument/2006/math">
+                        <m:sSub>
+                          <m:sSubPr>
+                            <m:ctrlPr>
+                              <a:rPr lang="en-US" altLang="ja-JP" sz="2000" i="1" smtClean="0">
+                                <a:latin typeface="Cambria Math" panose="02040503050406030204" pitchFamily="18" charset="0"/>
+                              </a:rPr>
+                            </m:ctrlPr>
+                          </m:sSubPr>
+                          <m:e>
+                            <m:r>
+                              <a:rPr lang="en-US" altLang="ja-JP" sz="2000" i="1">
+                                <a:latin typeface="Cambria Math" panose="02040503050406030204" pitchFamily="18" charset="0"/>
+                              </a:rPr>
+                              <m:t>𝑎</m:t>
+                            </m:r>
+                          </m:e>
+                          <m:sub>
+                            <m:r>
+                              <a:rPr lang="en-US" altLang="ja-JP" sz="2000" b="0" i="1" smtClean="0">
+                                <a:latin typeface="Cambria Math" panose="02040503050406030204" pitchFamily="18" charset="0"/>
+                              </a:rPr>
+                              <m:t>22</m:t>
+                            </m:r>
+                          </m:sub>
+                        </m:sSub>
+                      </m:oMath>
+                    </m:oMathPara>
+                  </a14:m>
+                  <a:endParaRPr lang="ja-JP" altLang="en-US" sz="2000" dirty="0"/>
+                </a:p>
+              </p:txBody>
+            </p:sp>
+          </mc:Choice>
+          <mc:Fallback>
+            <p:sp>
+              <p:nvSpPr>
+                <p:cNvPr id="85" name="正方形/長方形 84"/>
+                <p:cNvSpPr>
+                  <a:spLocks noRot="1" noChangeAspect="1" noMove="1" noResize="1" noEditPoints="1" noAdjustHandles="1" noChangeArrowheads="1" noChangeShapeType="1" noTextEdit="1"/>
+                </p:cNvSpPr>
+                <p:nvPr/>
+              </p:nvSpPr>
+              <p:spPr>
+                <a:xfrm>
+                  <a:off x="3881555" y="4273932"/>
+                  <a:ext cx="801789" cy="522743"/>
+                </a:xfrm>
+                <a:prstGeom prst="rect">
+                  <a:avLst/>
+                </a:prstGeom>
+                <a:blipFill>
+                  <a:blip r:embed="rId14"/>
+                  <a:stretch>
+                    <a:fillRect/>
+                  </a:stretch>
+                </a:blipFill>
+              </p:spPr>
+              <p:txBody>
+                <a:bodyPr/>
+                <a:lstStyle/>
+                <a:p>
+                  <a:r>
+                    <a:rPr lang="ja-JP" altLang="en-US">
+                      <a:noFill/>
+                    </a:rPr>
+                    <a:t> </a:t>
+                  </a:r>
+                </a:p>
+              </p:txBody>
+            </p:sp>
+          </mc:Fallback>
+        </mc:AlternateContent>
+        <p:sp>
+          <p:nvSpPr>
+            <p:cNvPr id="86" name="正方形/長方形 85"/>
+            <p:cNvSpPr/>
+            <p:nvPr/>
+          </p:nvSpPr>
+          <p:spPr>
+            <a:xfrm>
+              <a:off x="3851920" y="4149080"/>
+              <a:ext cx="720080" cy="720080"/>
+            </a:xfrm>
+            <a:prstGeom prst="rect">
+              <a:avLst/>
+            </a:prstGeom>
+            <a:noFill/>
+            <a:ln>
+              <a:solidFill>
+                <a:schemeClr val="tx1"/>
+              </a:solidFill>
+            </a:ln>
+          </p:spPr>
+          <p:style>
+            <a:lnRef idx="2">
+              <a:schemeClr val="accent1">
+                <a:shade val="50000"/>
+              </a:schemeClr>
+            </a:lnRef>
+            <a:fillRef idx="1">
+              <a:schemeClr val="accent1"/>
+            </a:fillRef>
+            <a:effectRef idx="0">
+              <a:schemeClr val="accent1"/>
+            </a:effectRef>
+            <a:fontRef idx="minor">
+              <a:schemeClr val="lt1"/>
+            </a:fontRef>
+          </p:style>
+          <p:txBody>
+            <a:bodyPr rtlCol="0" anchor="ctr"/>
+            <a:lstStyle/>
+            <a:p>
+              <a:pPr algn="ctr"/>
+              <a:endParaRPr kumimoji="1" lang="ja-JP" altLang="en-US" sz="1600"/>
+            </a:p>
+          </p:txBody>
+        </p:sp>
+        <mc:AlternateContent xmlns:mc="http://schemas.openxmlformats.org/markup-compatibility/2006">
+          <mc:Choice xmlns:a14="http://schemas.microsoft.com/office/drawing/2010/main" Requires="a14">
+            <p:sp>
+              <p:nvSpPr>
+                <p:cNvPr id="87" name="正方形/長方形 86"/>
+                <p:cNvSpPr/>
+                <p:nvPr/>
+              </p:nvSpPr>
+              <p:spPr>
+                <a:xfrm>
+                  <a:off x="4601635" y="4273932"/>
+                  <a:ext cx="801789" cy="522743"/>
+                </a:xfrm>
+                <a:prstGeom prst="rect">
+                  <a:avLst/>
+                </a:prstGeom>
+              </p:spPr>
+              <p:txBody>
+                <a:bodyPr wrap="none">
+                  <a:spAutoFit/>
+                </a:bodyPr>
+                <a:lstStyle/>
+                <a:p>
+                  <a14:m>
+                    <m:oMathPara xmlns:m="http://schemas.openxmlformats.org/officeDocument/2006/math">
+                      <m:oMathParaPr>
+                        <m:jc m:val="centerGroup"/>
+                      </m:oMathParaPr>
+                      <m:oMath xmlns:m="http://schemas.openxmlformats.org/officeDocument/2006/math">
+                        <m:sSub>
+                          <m:sSubPr>
+                            <m:ctrlPr>
+                              <a:rPr lang="en-US" altLang="ja-JP" sz="2000" i="1" smtClean="0">
+                                <a:latin typeface="Cambria Math" panose="02040503050406030204" pitchFamily="18" charset="0"/>
+                              </a:rPr>
+                            </m:ctrlPr>
+                          </m:sSubPr>
+                          <m:e>
+                            <m:r>
+                              <a:rPr lang="en-US" altLang="ja-JP" sz="2000" i="1">
+                                <a:latin typeface="Cambria Math" panose="02040503050406030204" pitchFamily="18" charset="0"/>
+                              </a:rPr>
+                              <m:t>𝑎</m:t>
+                            </m:r>
+                          </m:e>
+                          <m:sub>
+                            <m:r>
+                              <a:rPr lang="en-US" altLang="ja-JP" sz="2000" b="0" i="1" smtClean="0">
+                                <a:latin typeface="Cambria Math" panose="02040503050406030204" pitchFamily="18" charset="0"/>
+                              </a:rPr>
+                              <m:t>32</m:t>
+                            </m:r>
+                          </m:sub>
+                        </m:sSub>
+                      </m:oMath>
+                    </m:oMathPara>
+                  </a14:m>
+                  <a:endParaRPr lang="ja-JP" altLang="en-US" sz="2000" dirty="0"/>
+                </a:p>
+              </p:txBody>
+            </p:sp>
+          </mc:Choice>
+          <mc:Fallback>
+            <p:sp>
+              <p:nvSpPr>
+                <p:cNvPr id="87" name="正方形/長方形 86"/>
+                <p:cNvSpPr>
+                  <a:spLocks noRot="1" noChangeAspect="1" noMove="1" noResize="1" noEditPoints="1" noAdjustHandles="1" noChangeArrowheads="1" noChangeShapeType="1" noTextEdit="1"/>
+                </p:cNvSpPr>
+                <p:nvPr/>
+              </p:nvSpPr>
+              <p:spPr>
+                <a:xfrm>
+                  <a:off x="4601635" y="4273932"/>
+                  <a:ext cx="801789" cy="522743"/>
+                </a:xfrm>
+                <a:prstGeom prst="rect">
+                  <a:avLst/>
+                </a:prstGeom>
+                <a:blipFill>
+                  <a:blip r:embed="rId15"/>
+                  <a:stretch>
+                    <a:fillRect/>
+                  </a:stretch>
+                </a:blipFill>
+              </p:spPr>
+              <p:txBody>
+                <a:bodyPr/>
+                <a:lstStyle/>
+                <a:p>
+                  <a:r>
+                    <a:rPr lang="ja-JP" altLang="en-US">
+                      <a:noFill/>
+                    </a:rPr>
+                    <a:t> </a:t>
+                  </a:r>
+                </a:p>
+              </p:txBody>
+            </p:sp>
+          </mc:Fallback>
+        </mc:AlternateContent>
+        <p:sp>
+          <p:nvSpPr>
+            <p:cNvPr id="88" name="正方形/長方形 87"/>
+            <p:cNvSpPr/>
+            <p:nvPr/>
+          </p:nvSpPr>
+          <p:spPr>
+            <a:xfrm>
+              <a:off x="4572000" y="4149080"/>
+              <a:ext cx="720080" cy="720080"/>
+            </a:xfrm>
+            <a:prstGeom prst="rect">
+              <a:avLst/>
+            </a:prstGeom>
+            <a:noFill/>
+            <a:ln>
+              <a:solidFill>
+                <a:schemeClr val="tx1"/>
+              </a:solidFill>
+            </a:ln>
+          </p:spPr>
+          <p:style>
+            <a:lnRef idx="2">
+              <a:schemeClr val="accent1">
+                <a:shade val="50000"/>
+              </a:schemeClr>
+            </a:lnRef>
+            <a:fillRef idx="1">
+              <a:schemeClr val="accent1"/>
+            </a:fillRef>
+            <a:effectRef idx="0">
+              <a:schemeClr val="accent1"/>
+            </a:effectRef>
+            <a:fontRef idx="minor">
+              <a:schemeClr val="lt1"/>
+            </a:fontRef>
+          </p:style>
+          <p:txBody>
+            <a:bodyPr rtlCol="0" anchor="ctr"/>
+            <a:lstStyle/>
+            <a:p>
+              <a:pPr algn="ctr"/>
+              <a:endParaRPr kumimoji="1" lang="ja-JP" altLang="en-US" sz="1600"/>
+            </a:p>
+          </p:txBody>
+        </p:sp>
+      </p:grpSp>
+      <p:sp>
+        <p:nvSpPr>
+          <p:cNvPr id="91" name="テキスト ボックス 90"/>
+          <p:cNvSpPr txBox="1"/>
+          <p:nvPr/>
+        </p:nvSpPr>
+        <p:spPr>
+          <a:xfrm>
+            <a:off x="1848997" y="260648"/>
+            <a:ext cx="1786899" cy="523220"/>
+          </a:xfrm>
+          <a:prstGeom prst="rect">
+            <a:avLst/>
+          </a:prstGeom>
+          <a:noFill/>
+        </p:spPr>
+        <p:txBody>
+          <a:bodyPr wrap="none" rtlCol="0">
+            <a:spAutoFit/>
+          </a:bodyPr>
+          <a:lstStyle/>
+          <a:p>
+            <a:r>
+              <a:rPr kumimoji="1" lang="en-US" altLang="ja-JP" sz="2800" dirty="0" smtClean="0"/>
+              <a:t>Row-major</a:t>
+            </a:r>
+            <a:endParaRPr kumimoji="1" lang="ja-JP" altLang="en-US" sz="2800" dirty="0"/>
+          </a:p>
+        </p:txBody>
+      </p:sp>
+      <p:sp>
+        <p:nvSpPr>
+          <p:cNvPr id="92" name="テキスト ボックス 91"/>
+          <p:cNvSpPr txBox="1"/>
+          <p:nvPr/>
+        </p:nvSpPr>
+        <p:spPr>
+          <a:xfrm>
+            <a:off x="5170926" y="260648"/>
+            <a:ext cx="2281394" cy="523220"/>
+          </a:xfrm>
+          <a:prstGeom prst="rect">
+            <a:avLst/>
+          </a:prstGeom>
+          <a:noFill/>
+        </p:spPr>
+        <p:txBody>
+          <a:bodyPr wrap="none" rtlCol="0">
+            <a:spAutoFit/>
+          </a:bodyPr>
+          <a:lstStyle/>
+          <a:p>
+            <a:r>
+              <a:rPr kumimoji="1" lang="en-US" altLang="ja-JP" sz="2800" dirty="0" smtClean="0"/>
+              <a:t>Column-major</a:t>
+            </a:r>
+            <a:endParaRPr kumimoji="1" lang="ja-JP" altLang="en-US" sz="2800" dirty="0"/>
+          </a:p>
+        </p:txBody>
+      </p:sp>
+    </p:spTree>
+    <p:extLst>
+      <p:ext uri="{BB962C8B-B14F-4D97-AF65-F5344CB8AC3E}">
+        <p14:creationId xmlns:p14="http://schemas.microsoft.com/office/powerpoint/2010/main" val="91902649"/>
+      </p:ext>
+    </p:extLst>
+  </p:cSld>
+  <p:clrMapOvr>
+    <a:masterClrMapping/>
+  </p:clrMapOvr>
+</p:sld>
+</file>
+
+<file path=ppt/slides/slide7.xml><?xml version="1.0" encoding="utf-8"?>
+<p:sld xmlns:a="http://schemas.openxmlformats.org/drawingml/2006/main" xmlns:r="http://schemas.openxmlformats.org/officeDocument/2006/relationships" xmlns:p="http://schemas.openxmlformats.org/presentationml/2006/main">
+  <p:cSld>
+    <p:spTree>
+      <p:nvGrpSpPr>
+        <p:cNvPr id="1" name=""/>
+        <p:cNvGrpSpPr/>
+        <p:nvPr/>
+      </p:nvGrpSpPr>
+      <p:grpSpPr>
+        <a:xfrm>
+          <a:off x="0" y="0"/>
+          <a:ext cx="0" cy="0"/>
+          <a:chOff x="0" y="0"/>
+          <a:chExt cx="0" cy="0"/>
+        </a:xfrm>
+      </p:grpSpPr>
+      <p:sp>
+        <p:nvSpPr>
+          <p:cNvPr id="2" name="角丸四角形 1"/>
           <p:cNvSpPr/>
           <p:nvPr/>
         </p:nvSpPr>
         <p:spPr>
           <a:xfrm>
-            <a:off x="1331640" y="2060848"/>
-            <a:ext cx="1440160" cy="360040"/>
-          </a:xfrm>
-          <a:prstGeom prst="rect">
-            <a:avLst/>
+            <a:off x="1835696" y="2720426"/>
+            <a:ext cx="2117089" cy="564557"/>
+          </a:xfrm>
+          <a:prstGeom prst="roundRect">
+            <a:avLst>
+              <a:gd name="adj" fmla="val 27197"/>
+            </a:avLst>
           </a:prstGeom>
           <a:noFill/>
-          <a:ln>
+          <a:ln w="38100">
             <a:solidFill>
-              <a:schemeClr val="tx1"/>
+              <a:srgbClr val="FFC000"/>
             </a:solidFill>
           </a:ln>
         </p:spPr>
@@ -8601,46 +11468,459 @@
           <a:lstStyle/>
           <a:p>
             <a:pPr algn="ctr"/>
-            <a:r>
-              <a:rPr kumimoji="1" lang="en-US" altLang="ja-JP">
-                <a:solidFill>
-                  <a:schemeClr val="tx1"/>
-                </a:solidFill>
-              </a:rPr>
-              <a:t>10</a:t>
-            </a:r>
-            <a:endParaRPr kumimoji="1" lang="ja-JP" altLang="en-US">
-              <a:solidFill>
-                <a:schemeClr val="tx1"/>
-              </a:solidFill>
-            </a:endParaRPr>
-          </a:p>
-        </p:txBody>
-      </p:sp>
-      <p:sp>
-        <p:nvSpPr>
-          <p:cNvPr id="3" name="正方形/長方形 2">
-            <a:extLst>
-              <a:ext uri="{FF2B5EF4-FFF2-40B4-BE49-F238E27FC236}">
-                <a16:creationId xmlns:a16="http://schemas.microsoft.com/office/drawing/2014/main" id="{B6448C91-07FD-9744-BC11-E04BA2B92864}"/>
-              </a:ext>
-            </a:extLst>
-          </p:cNvPr>
+            <a:endParaRPr kumimoji="1" lang="ja-JP" altLang="en-US"/>
+          </a:p>
+        </p:txBody>
+      </p:sp>
+      <mc:AlternateContent xmlns:mc="http://schemas.openxmlformats.org/markup-compatibility/2006">
+        <mc:Choice xmlns:a14="http://schemas.microsoft.com/office/drawing/2010/main" Requires="a14">
+          <p:sp>
+            <p:nvSpPr>
+              <p:cNvPr id="3" name="テキスト ボックス 2"/>
+              <p:cNvSpPr txBox="1"/>
+              <p:nvPr/>
+            </p:nvSpPr>
+            <p:spPr>
+              <a:xfrm>
+                <a:off x="1475656" y="1556792"/>
+                <a:ext cx="2939523" cy="1626343"/>
+              </a:xfrm>
+              <a:prstGeom prst="rect">
+                <a:avLst/>
+              </a:prstGeom>
+              <a:noFill/>
+            </p:spPr>
+            <p:txBody>
+              <a:bodyPr wrap="none" lIns="0" tIns="0" rIns="0" bIns="0" rtlCol="0">
+                <a:spAutoFit/>
+              </a:bodyPr>
+              <a:lstStyle/>
+              <a:p>
+                <a14:m>
+                  <m:oMathPara xmlns:m="http://schemas.openxmlformats.org/officeDocument/2006/math">
+                    <m:oMathParaPr>
+                      <m:jc m:val="centerGroup"/>
+                    </m:oMathParaPr>
+                    <m:oMath xmlns:m="http://schemas.openxmlformats.org/officeDocument/2006/math">
+                      <m:d>
+                        <m:dPr>
+                          <m:ctrlPr>
+                            <a:rPr kumimoji="1" lang="en-US" altLang="ja-JP" sz="4000" i="1" smtClean="0">
+                              <a:latin typeface="Cambria Math" panose="02040503050406030204" pitchFamily="18" charset="0"/>
+                            </a:rPr>
+                          </m:ctrlPr>
+                        </m:dPr>
+                        <m:e>
+                          <m:m>
+                            <m:mPr>
+                              <m:mcs>
+                                <m:mc>
+                                  <m:mcPr>
+                                    <m:count m:val="2"/>
+                                    <m:mcJc m:val="center"/>
+                                  </m:mcPr>
+                                </m:mc>
+                              </m:mcs>
+                              <m:ctrlPr>
+                                <a:rPr kumimoji="1" lang="en-US" altLang="ja-JP" sz="4000" i="1" smtClean="0">
+                                  <a:latin typeface="Cambria Math" panose="02040503050406030204" pitchFamily="18" charset="0"/>
+                                </a:rPr>
+                              </m:ctrlPr>
+                            </m:mPr>
+                            <m:mr>
+                              <m:e>
+                                <m:sSub>
+                                  <m:sSubPr>
+                                    <m:ctrlPr>
+                                      <a:rPr lang="en-US" altLang="ja-JP" sz="4000" i="1">
+                                        <a:latin typeface="Cambria Math" panose="02040503050406030204" pitchFamily="18" charset="0"/>
+                                      </a:rPr>
+                                    </m:ctrlPr>
+                                  </m:sSubPr>
+                                  <m:e>
+                                    <m:r>
+                                      <a:rPr lang="en-US" altLang="ja-JP" sz="4000" i="1">
+                                        <a:latin typeface="Cambria Math" panose="02040503050406030204" pitchFamily="18" charset="0"/>
+                                      </a:rPr>
+                                      <m:t>𝑎</m:t>
+                                    </m:r>
+                                  </m:e>
+                                  <m:sub>
+                                    <m:r>
+                                      <a:rPr lang="en-US" altLang="ja-JP" sz="4000" i="1">
+                                        <a:latin typeface="Cambria Math" panose="02040503050406030204" pitchFamily="18" charset="0"/>
+                                      </a:rPr>
+                                      <m:t>11</m:t>
+                                    </m:r>
+                                  </m:sub>
+                                </m:sSub>
+                                <m:r>
+                                  <m:rPr>
+                                    <m:nor/>
+                                  </m:rPr>
+                                  <a:rPr lang="ja-JP" altLang="en-US" sz="4000" dirty="0"/>
+                                  <m:t> </m:t>
+                                </m:r>
+                              </m:e>
+                              <m:e>
+                                <m:sSub>
+                                  <m:sSubPr>
+                                    <m:ctrlPr>
+                                      <a:rPr lang="en-US" altLang="ja-JP" sz="4000" i="1">
+                                        <a:latin typeface="Cambria Math" panose="02040503050406030204" pitchFamily="18" charset="0"/>
+                                      </a:rPr>
+                                    </m:ctrlPr>
+                                  </m:sSubPr>
+                                  <m:e>
+                                    <m:r>
+                                      <a:rPr lang="en-US" altLang="ja-JP" sz="4000" i="1">
+                                        <a:latin typeface="Cambria Math" panose="02040503050406030204" pitchFamily="18" charset="0"/>
+                                      </a:rPr>
+                                      <m:t>𝑎</m:t>
+                                    </m:r>
+                                  </m:e>
+                                  <m:sub>
+                                    <m:r>
+                                      <a:rPr lang="en-US" altLang="ja-JP" sz="4000" i="1">
+                                        <a:latin typeface="Cambria Math" panose="02040503050406030204" pitchFamily="18" charset="0"/>
+                                      </a:rPr>
+                                      <m:t>1</m:t>
+                                    </m:r>
+                                    <m:r>
+                                      <a:rPr lang="en-US" altLang="ja-JP" sz="4000" b="0" i="1" smtClean="0">
+                                        <a:latin typeface="Cambria Math" panose="02040503050406030204" pitchFamily="18" charset="0"/>
+                                      </a:rPr>
+                                      <m:t>2</m:t>
+                                    </m:r>
+                                  </m:sub>
+                                </m:sSub>
+                                <m:r>
+                                  <m:rPr>
+                                    <m:nor/>
+                                  </m:rPr>
+                                  <a:rPr lang="ja-JP" altLang="en-US" sz="4000" dirty="0"/>
+                                  <m:t> </m:t>
+                                </m:r>
+                              </m:e>
+                            </m:mr>
+                            <m:mr>
+                              <m:e>
+                                <m:sSub>
+                                  <m:sSubPr>
+                                    <m:ctrlPr>
+                                      <a:rPr lang="en-US" altLang="ja-JP" sz="4000" i="1">
+                                        <a:latin typeface="Cambria Math" panose="02040503050406030204" pitchFamily="18" charset="0"/>
+                                      </a:rPr>
+                                    </m:ctrlPr>
+                                  </m:sSubPr>
+                                  <m:e>
+                                    <m:r>
+                                      <a:rPr lang="en-US" altLang="ja-JP" sz="4000" i="1">
+                                        <a:latin typeface="Cambria Math" panose="02040503050406030204" pitchFamily="18" charset="0"/>
+                                      </a:rPr>
+                                      <m:t>𝑎</m:t>
+                                    </m:r>
+                                  </m:e>
+                                  <m:sub>
+                                    <m:r>
+                                      <a:rPr lang="en-US" altLang="ja-JP" sz="4000" b="0" i="1" smtClean="0">
+                                        <a:latin typeface="Cambria Math" panose="02040503050406030204" pitchFamily="18" charset="0"/>
+                                      </a:rPr>
+                                      <m:t>2</m:t>
+                                    </m:r>
+                                    <m:r>
+                                      <a:rPr lang="en-US" altLang="ja-JP" sz="4000" i="1">
+                                        <a:latin typeface="Cambria Math" panose="02040503050406030204" pitchFamily="18" charset="0"/>
+                                      </a:rPr>
+                                      <m:t>1</m:t>
+                                    </m:r>
+                                  </m:sub>
+                                </m:sSub>
+                                <m:r>
+                                  <m:rPr>
+                                    <m:nor/>
+                                  </m:rPr>
+                                  <a:rPr lang="ja-JP" altLang="en-US" sz="4000" dirty="0"/>
+                                  <m:t> </m:t>
+                                </m:r>
+                              </m:e>
+                              <m:e>
+                                <m:sSub>
+                                  <m:sSubPr>
+                                    <m:ctrlPr>
+                                      <a:rPr lang="en-US" altLang="ja-JP" sz="4000" i="1">
+                                        <a:latin typeface="Cambria Math" panose="02040503050406030204" pitchFamily="18" charset="0"/>
+                                      </a:rPr>
+                                    </m:ctrlPr>
+                                  </m:sSubPr>
+                                  <m:e>
+                                    <m:r>
+                                      <a:rPr lang="en-US" altLang="ja-JP" sz="4000" i="1">
+                                        <a:latin typeface="Cambria Math" panose="02040503050406030204" pitchFamily="18" charset="0"/>
+                                      </a:rPr>
+                                      <m:t>𝑎</m:t>
+                                    </m:r>
+                                  </m:e>
+                                  <m:sub>
+                                    <m:r>
+                                      <a:rPr lang="en-US" altLang="ja-JP" sz="4000" b="0" i="1" smtClean="0">
+                                        <a:latin typeface="Cambria Math" panose="02040503050406030204" pitchFamily="18" charset="0"/>
+                                      </a:rPr>
+                                      <m:t>22</m:t>
+                                    </m:r>
+                                  </m:sub>
+                                </m:sSub>
+                                <m:r>
+                                  <m:rPr>
+                                    <m:nor/>
+                                  </m:rPr>
+                                  <a:rPr lang="ja-JP" altLang="en-US" sz="4000" dirty="0"/>
+                                  <m:t> </m:t>
+                                </m:r>
+                              </m:e>
+                            </m:mr>
+                            <m:mr>
+                              <m:e>
+                                <m:sSub>
+                                  <m:sSubPr>
+                                    <m:ctrlPr>
+                                      <a:rPr lang="en-US" altLang="ja-JP" sz="4000" i="1">
+                                        <a:latin typeface="Cambria Math" panose="02040503050406030204" pitchFamily="18" charset="0"/>
+                                      </a:rPr>
+                                    </m:ctrlPr>
+                                  </m:sSubPr>
+                                  <m:e>
+                                    <m:r>
+                                      <a:rPr lang="en-US" altLang="ja-JP" sz="4000" i="1">
+                                        <a:latin typeface="Cambria Math" panose="02040503050406030204" pitchFamily="18" charset="0"/>
+                                      </a:rPr>
+                                      <m:t>𝑎</m:t>
+                                    </m:r>
+                                  </m:e>
+                                  <m:sub>
+                                    <m:r>
+                                      <a:rPr lang="en-US" altLang="ja-JP" sz="4000" b="0" i="1" smtClean="0">
+                                        <a:latin typeface="Cambria Math" panose="02040503050406030204" pitchFamily="18" charset="0"/>
+                                      </a:rPr>
+                                      <m:t>31</m:t>
+                                    </m:r>
+                                  </m:sub>
+                                </m:sSub>
+                                <m:r>
+                                  <m:rPr>
+                                    <m:nor/>
+                                  </m:rPr>
+                                  <a:rPr lang="ja-JP" altLang="en-US" sz="4000" dirty="0"/>
+                                  <m:t> </m:t>
+                                </m:r>
+                              </m:e>
+                              <m:e>
+                                <m:sSub>
+                                  <m:sSubPr>
+                                    <m:ctrlPr>
+                                      <a:rPr lang="en-US" altLang="ja-JP" sz="4000" i="1">
+                                        <a:latin typeface="Cambria Math" panose="02040503050406030204" pitchFamily="18" charset="0"/>
+                                      </a:rPr>
+                                    </m:ctrlPr>
+                                  </m:sSubPr>
+                                  <m:e>
+                                    <m:r>
+                                      <a:rPr lang="en-US" altLang="ja-JP" sz="4000" i="1">
+                                        <a:latin typeface="Cambria Math" panose="02040503050406030204" pitchFamily="18" charset="0"/>
+                                      </a:rPr>
+                                      <m:t>𝑎</m:t>
+                                    </m:r>
+                                  </m:e>
+                                  <m:sub>
+                                    <m:r>
+                                      <a:rPr lang="en-US" altLang="ja-JP" sz="4000" b="0" i="1" smtClean="0">
+                                        <a:latin typeface="Cambria Math" panose="02040503050406030204" pitchFamily="18" charset="0"/>
+                                      </a:rPr>
+                                      <m:t>32</m:t>
+                                    </m:r>
+                                  </m:sub>
+                                </m:sSub>
+                                <m:r>
+                                  <m:rPr>
+                                    <m:nor/>
+                                  </m:rPr>
+                                  <a:rPr lang="ja-JP" altLang="en-US" sz="4000" dirty="0"/>
+                                  <m:t> </m:t>
+                                </m:r>
+                              </m:e>
+                            </m:mr>
+                          </m:m>
+                        </m:e>
+                      </m:d>
+                    </m:oMath>
+                  </m:oMathPara>
+                </a14:m>
+                <a:endParaRPr kumimoji="1" lang="ja-JP" altLang="en-US" sz="4000" dirty="0"/>
+              </a:p>
+            </p:txBody>
+          </p:sp>
+        </mc:Choice>
+        <mc:Fallback>
+          <p:sp>
+            <p:nvSpPr>
+              <p:cNvPr id="3" name="テキスト ボックス 2"/>
+              <p:cNvSpPr txBox="1">
+                <a:spLocks noRot="1" noChangeAspect="1" noMove="1" noResize="1" noEditPoints="1" noAdjustHandles="1" noChangeArrowheads="1" noChangeShapeType="1" noTextEdit="1"/>
+              </p:cNvSpPr>
+              <p:nvPr/>
+            </p:nvSpPr>
+            <p:spPr>
+              <a:xfrm>
+                <a:off x="1475656" y="1556792"/>
+                <a:ext cx="2939523" cy="1626343"/>
+              </a:xfrm>
+              <a:prstGeom prst="rect">
+                <a:avLst/>
+              </a:prstGeom>
+              <a:blipFill>
+                <a:blip r:embed="rId2"/>
+                <a:stretch>
+                  <a:fillRect/>
+                </a:stretch>
+              </a:blipFill>
+            </p:spPr>
+            <p:txBody>
+              <a:bodyPr/>
+              <a:lstStyle/>
+              <a:p>
+                <a:r>
+                  <a:rPr lang="ja-JP" altLang="en-US">
+                    <a:noFill/>
+                  </a:rPr>
+                  <a:t> </a:t>
+                </a:r>
+              </a:p>
+            </p:txBody>
+          </p:sp>
+        </mc:Fallback>
+      </mc:AlternateContent>
+      <p:sp>
+        <p:nvSpPr>
+          <p:cNvPr id="4" name="テキスト ボックス 3"/>
+          <p:cNvSpPr txBox="1"/>
+          <p:nvPr/>
+        </p:nvSpPr>
+        <p:spPr>
+          <a:xfrm>
+            <a:off x="755576" y="2204864"/>
+            <a:ext cx="763351" cy="369332"/>
+          </a:xfrm>
+          <a:prstGeom prst="rect">
+            <a:avLst/>
+          </a:prstGeom>
+          <a:noFill/>
+        </p:spPr>
+        <p:txBody>
+          <a:bodyPr wrap="none" rtlCol="0">
+            <a:spAutoFit/>
+          </a:bodyPr>
+          <a:lstStyle/>
+          <a:p>
+            <a:r>
+              <a:rPr lang="en-US" altLang="ja-JP" dirty="0"/>
+              <a:t>2</a:t>
+            </a:r>
+            <a:r>
+              <a:rPr kumimoji="1" lang="ja-JP" altLang="en-US" dirty="0" smtClean="0"/>
+              <a:t>行目</a:t>
+            </a:r>
+            <a:endParaRPr kumimoji="1" lang="ja-JP" altLang="en-US" dirty="0"/>
+          </a:p>
+        </p:txBody>
+      </p:sp>
+      <p:sp>
+        <p:nvSpPr>
+          <p:cNvPr id="5" name="テキスト ボックス 4"/>
+          <p:cNvSpPr txBox="1"/>
+          <p:nvPr/>
+        </p:nvSpPr>
+        <p:spPr>
+          <a:xfrm>
+            <a:off x="755576" y="2780928"/>
+            <a:ext cx="763351" cy="369332"/>
+          </a:xfrm>
+          <a:prstGeom prst="rect">
+            <a:avLst/>
+          </a:prstGeom>
+          <a:noFill/>
+        </p:spPr>
+        <p:txBody>
+          <a:bodyPr wrap="none" rtlCol="0">
+            <a:spAutoFit/>
+          </a:bodyPr>
+          <a:lstStyle/>
+          <a:p>
+            <a:r>
+              <a:rPr kumimoji="1" lang="en-US" altLang="ja-JP" dirty="0" smtClean="0"/>
+              <a:t>3</a:t>
+            </a:r>
+            <a:r>
+              <a:rPr kumimoji="1" lang="ja-JP" altLang="en-US" dirty="0" smtClean="0"/>
+              <a:t>行目</a:t>
+            </a:r>
+            <a:endParaRPr kumimoji="1" lang="ja-JP" altLang="en-US" dirty="0"/>
+          </a:p>
+        </p:txBody>
+      </p:sp>
+      <p:sp>
+        <p:nvSpPr>
+          <p:cNvPr id="6" name="テキスト ボックス 5"/>
+          <p:cNvSpPr txBox="1"/>
+          <p:nvPr/>
+        </p:nvSpPr>
+        <p:spPr>
+          <a:xfrm>
+            <a:off x="755576" y="1628800"/>
+            <a:ext cx="763351" cy="369332"/>
+          </a:xfrm>
+          <a:prstGeom prst="rect">
+            <a:avLst/>
+          </a:prstGeom>
+          <a:noFill/>
+        </p:spPr>
+        <p:txBody>
+          <a:bodyPr wrap="none" rtlCol="0">
+            <a:spAutoFit/>
+          </a:bodyPr>
+          <a:lstStyle/>
+          <a:p>
+            <a:r>
+              <a:rPr kumimoji="1" lang="en-US" altLang="ja-JP" dirty="0" smtClean="0"/>
+              <a:t>1</a:t>
+            </a:r>
+            <a:r>
+              <a:rPr kumimoji="1" lang="ja-JP" altLang="en-US" dirty="0" smtClean="0"/>
+              <a:t>行目</a:t>
+            </a:r>
+            <a:endParaRPr kumimoji="1" lang="ja-JP" altLang="en-US" dirty="0"/>
+          </a:p>
+        </p:txBody>
+      </p:sp>
+      <p:sp>
+        <p:nvSpPr>
+          <p:cNvPr id="7" name="角丸四角形 6"/>
           <p:cNvSpPr/>
           <p:nvPr/>
         </p:nvSpPr>
         <p:spPr>
           <a:xfrm>
-            <a:off x="1331640" y="2420888"/>
-            <a:ext cx="1440160" cy="360040"/>
-          </a:xfrm>
-          <a:prstGeom prst="rect">
-            <a:avLst/>
+            <a:off x="1835696" y="2108358"/>
+            <a:ext cx="2117089" cy="564557"/>
+          </a:xfrm>
+          <a:prstGeom prst="roundRect">
+            <a:avLst>
+              <a:gd name="adj" fmla="val 27197"/>
+            </a:avLst>
           </a:prstGeom>
           <a:noFill/>
-          <a:ln>
+          <a:ln w="38100">
             <a:solidFill>
-              <a:schemeClr val="tx1"/>
+              <a:srgbClr val="FFC000"/>
             </a:solidFill>
           </a:ln>
         </p:spPr>
@@ -8665,46 +11945,30 @@
           <a:lstStyle/>
           <a:p>
             <a:pPr algn="ctr"/>
-            <a:r>
-              <a:rPr kumimoji="1" lang="en-US" altLang="ja-JP">
-                <a:solidFill>
-                  <a:schemeClr val="tx1"/>
-                </a:solidFill>
-              </a:rPr>
-              <a:t>20</a:t>
-            </a:r>
-            <a:endParaRPr kumimoji="1" lang="ja-JP" altLang="en-US">
-              <a:solidFill>
-                <a:schemeClr val="tx1"/>
-              </a:solidFill>
-            </a:endParaRPr>
-          </a:p>
-        </p:txBody>
-      </p:sp>
-      <p:sp>
-        <p:nvSpPr>
-          <p:cNvPr id="4" name="正方形/長方形 3">
-            <a:extLst>
-              <a:ext uri="{FF2B5EF4-FFF2-40B4-BE49-F238E27FC236}">
-                <a16:creationId xmlns:a16="http://schemas.microsoft.com/office/drawing/2014/main" id="{AD502AF2-7E06-4B40-B34C-88C614450B91}"/>
-              </a:ext>
-            </a:extLst>
-          </p:cNvPr>
+            <a:endParaRPr kumimoji="1" lang="ja-JP" altLang="en-US"/>
+          </a:p>
+        </p:txBody>
+      </p:sp>
+      <p:sp>
+        <p:nvSpPr>
+          <p:cNvPr id="8" name="角丸四角形 7"/>
           <p:cNvSpPr/>
           <p:nvPr/>
         </p:nvSpPr>
         <p:spPr>
           <a:xfrm>
-            <a:off x="1331640" y="2780928"/>
-            <a:ext cx="1440160" cy="360040"/>
-          </a:xfrm>
-          <a:prstGeom prst="rect">
-            <a:avLst/>
+            <a:off x="1835696" y="1496290"/>
+            <a:ext cx="2117089" cy="564557"/>
+          </a:xfrm>
+          <a:prstGeom prst="roundRect">
+            <a:avLst>
+              <a:gd name="adj" fmla="val 27197"/>
+            </a:avLst>
           </a:prstGeom>
           <a:noFill/>
-          <a:ln>
+          <a:ln w="38100">
             <a:solidFill>
-              <a:schemeClr val="tx1"/>
+              <a:srgbClr val="FFC000"/>
             </a:solidFill>
           </a:ln>
         </p:spPr>
@@ -8729,30 +11993,20 @@
           <a:lstStyle/>
           <a:p>
             <a:pPr algn="ctr"/>
-            <a:endParaRPr kumimoji="1" lang="ja-JP" altLang="en-US">
-              <a:solidFill>
-                <a:srgbClr val="FF0000"/>
-              </a:solidFill>
-            </a:endParaRPr>
-          </a:p>
-        </p:txBody>
-      </p:sp>
-      <p:sp>
-        <p:nvSpPr>
-          <p:cNvPr id="8" name="テキスト ボックス 7">
-            <a:extLst>
-              <a:ext uri="{FF2B5EF4-FFF2-40B4-BE49-F238E27FC236}">
-                <a16:creationId xmlns:a16="http://schemas.microsoft.com/office/drawing/2014/main" id="{EFC0180E-EDCC-8B40-8B3A-6DEB7DBEBF21}"/>
-              </a:ext>
-            </a:extLst>
-          </p:cNvPr>
+            <a:endParaRPr kumimoji="1" lang="ja-JP" altLang="en-US"/>
+          </a:p>
+        </p:txBody>
+      </p:sp>
+      <p:sp>
+        <p:nvSpPr>
+          <p:cNvPr id="9" name="テキスト ボックス 8"/>
           <p:cNvSpPr txBox="1"/>
           <p:nvPr/>
         </p:nvSpPr>
         <p:spPr>
           <a:xfrm>
-            <a:off x="2771800" y="2060848"/>
-            <a:ext cx="763351" cy="369332"/>
+            <a:off x="539552" y="260648"/>
+            <a:ext cx="3548600" cy="523220"/>
           </a:xfrm>
           <a:prstGeom prst="rect">
             <a:avLst/>
@@ -8766,115 +12020,33 @@
           <a:lstStyle/>
           <a:p>
             <a:r>
-              <a:rPr kumimoji="1" lang="en-US" altLang="ja-JP"/>
-              <a:t>0</a:t>
-            </a:r>
-            <a:r>
-              <a:rPr lang="ja-JP" altLang="en-US"/>
-              <a:t>番地</a:t>
-            </a:r>
-            <a:endParaRPr kumimoji="1" lang="ja-JP" altLang="en-US"/>
-          </a:p>
-        </p:txBody>
-      </p:sp>
-      <p:sp>
-        <p:nvSpPr>
-          <p:cNvPr id="9" name="テキスト ボックス 8">
-            <a:extLst>
-              <a:ext uri="{FF2B5EF4-FFF2-40B4-BE49-F238E27FC236}">
-                <a16:creationId xmlns:a16="http://schemas.microsoft.com/office/drawing/2014/main" id="{6AB1EC47-6ECB-1840-B387-74586931DFD2}"/>
-              </a:ext>
-            </a:extLst>
-          </p:cNvPr>
-          <p:cNvSpPr txBox="1"/>
-          <p:nvPr/>
-        </p:nvSpPr>
-        <p:spPr>
-          <a:xfrm>
-            <a:off x="2771800" y="2420888"/>
-            <a:ext cx="763351" cy="369332"/>
-          </a:xfrm>
-          <a:prstGeom prst="rect">
-            <a:avLst/>
-          </a:prstGeom>
-          <a:noFill/>
-        </p:spPr>
-        <p:txBody>
-          <a:bodyPr wrap="none" rtlCol="0">
-            <a:spAutoFit/>
-          </a:bodyPr>
-          <a:lstStyle/>
-          <a:p>
-            <a:r>
-              <a:rPr kumimoji="1" lang="en-US" altLang="ja-JP"/>
-              <a:t>1</a:t>
-            </a:r>
-            <a:r>
-              <a:rPr lang="ja-JP" altLang="en-US"/>
-              <a:t>番地</a:t>
-            </a:r>
-            <a:endParaRPr kumimoji="1" lang="ja-JP" altLang="en-US"/>
-          </a:p>
-        </p:txBody>
-      </p:sp>
-      <p:sp>
-        <p:nvSpPr>
-          <p:cNvPr id="10" name="テキスト ボックス 9">
-            <a:extLst>
-              <a:ext uri="{FF2B5EF4-FFF2-40B4-BE49-F238E27FC236}">
-                <a16:creationId xmlns:a16="http://schemas.microsoft.com/office/drawing/2014/main" id="{2BD32814-D571-484E-BC3E-8573104E26A6}"/>
-              </a:ext>
-            </a:extLst>
-          </p:cNvPr>
-          <p:cNvSpPr txBox="1"/>
-          <p:nvPr/>
-        </p:nvSpPr>
-        <p:spPr>
-          <a:xfrm>
-            <a:off x="2771800" y="2780928"/>
-            <a:ext cx="763351" cy="369332"/>
-          </a:xfrm>
-          <a:prstGeom prst="rect">
-            <a:avLst/>
-          </a:prstGeom>
-          <a:noFill/>
-        </p:spPr>
-        <p:txBody>
-          <a:bodyPr wrap="none" rtlCol="0">
-            <a:spAutoFit/>
-          </a:bodyPr>
-          <a:lstStyle/>
-          <a:p>
-            <a:r>
-              <a:rPr kumimoji="1" lang="en-US" altLang="ja-JP"/>
-              <a:t>2</a:t>
-            </a:r>
-            <a:r>
-              <a:rPr lang="ja-JP" altLang="en-US"/>
-              <a:t>番地</a:t>
-            </a:r>
-            <a:endParaRPr kumimoji="1" lang="ja-JP" altLang="en-US"/>
-          </a:p>
-        </p:txBody>
-      </p:sp>
-      <p:sp>
-        <p:nvSpPr>
-          <p:cNvPr id="14" name="1 つの角を切り取った四角形 13">
-            <a:extLst>
-              <a:ext uri="{FF2B5EF4-FFF2-40B4-BE49-F238E27FC236}">
-                <a16:creationId xmlns:a16="http://schemas.microsoft.com/office/drawing/2014/main" id="{007CDF2D-0EAA-EC47-B9C1-920A151CDBA6}"/>
-              </a:ext>
-            </a:extLst>
-          </p:cNvPr>
+              <a:rPr kumimoji="1" lang="ja-JP" altLang="en-US" sz="2800" dirty="0" smtClean="0"/>
+              <a:t>行</a:t>
+            </a:r>
+            <a:r>
+              <a:rPr kumimoji="1" lang="en-US" altLang="ja-JP" sz="2800" dirty="0" smtClean="0"/>
+              <a:t>(Row)</a:t>
+            </a:r>
+            <a:r>
+              <a:rPr lang="ja-JP" altLang="en-US" sz="2800" dirty="0" smtClean="0"/>
+              <a:t>が増える方向</a:t>
+            </a:r>
+            <a:endParaRPr kumimoji="1" lang="ja-JP" altLang="en-US" sz="2800" dirty="0"/>
+          </a:p>
+        </p:txBody>
+      </p:sp>
+      <p:sp>
+        <p:nvSpPr>
+          <p:cNvPr id="10" name="下矢印 9"/>
           <p:cNvSpPr/>
           <p:nvPr/>
         </p:nvSpPr>
         <p:spPr>
           <a:xfrm>
-            <a:off x="179512" y="2096852"/>
-            <a:ext cx="864096" cy="288032"/>
-          </a:xfrm>
-          <a:prstGeom prst="snip1Rect">
+            <a:off x="251520" y="1628800"/>
+            <a:ext cx="504056" cy="1512168"/>
+          </a:xfrm>
+          <a:prstGeom prst="downArrow">
             <a:avLst/>
           </a:prstGeom>
           <a:noFill/>
@@ -8905,40 +12077,349 @@
           <a:lstStyle/>
           <a:p>
             <a:pPr algn="ctr"/>
-            <a:r>
-              <a:rPr kumimoji="1" lang="en-US" altLang="ja-JP" sz="2000">
-                <a:solidFill>
-                  <a:schemeClr val="tx1"/>
-                </a:solidFill>
-              </a:rPr>
-              <a:t>a</a:t>
-            </a:r>
-            <a:endParaRPr kumimoji="1" lang="ja-JP" altLang="en-US" sz="2000">
-              <a:solidFill>
-                <a:schemeClr val="tx1"/>
-              </a:solidFill>
-            </a:endParaRPr>
-          </a:p>
-        </p:txBody>
-      </p:sp>
-      <p:sp>
-        <p:nvSpPr>
-          <p:cNvPr id="15" name="1 つの角を切り取った四角形 14">
-            <a:extLst>
-              <a:ext uri="{FF2B5EF4-FFF2-40B4-BE49-F238E27FC236}">
-                <a16:creationId xmlns:a16="http://schemas.microsoft.com/office/drawing/2014/main" id="{B559901E-6B98-064A-B1BB-814123481155}"/>
-              </a:ext>
-            </a:extLst>
-          </p:cNvPr>
+            <a:endParaRPr kumimoji="1" lang="ja-JP" altLang="en-US"/>
+          </a:p>
+        </p:txBody>
+      </p:sp>
+      <mc:AlternateContent xmlns:mc="http://schemas.openxmlformats.org/markup-compatibility/2006">
+        <mc:Choice xmlns:a14="http://schemas.microsoft.com/office/drawing/2010/main" Requires="a14">
+          <p:sp>
+            <p:nvSpPr>
+              <p:cNvPr id="11" name="テキスト ボックス 10"/>
+              <p:cNvSpPr txBox="1"/>
+              <p:nvPr/>
+            </p:nvSpPr>
+            <p:spPr>
+              <a:xfrm>
+                <a:off x="5436096" y="1556792"/>
+                <a:ext cx="2939523" cy="1626343"/>
+              </a:xfrm>
+              <a:prstGeom prst="rect">
+                <a:avLst/>
+              </a:prstGeom>
+              <a:noFill/>
+            </p:spPr>
+            <p:txBody>
+              <a:bodyPr wrap="none" lIns="0" tIns="0" rIns="0" bIns="0" rtlCol="0">
+                <a:spAutoFit/>
+              </a:bodyPr>
+              <a:lstStyle/>
+              <a:p>
+                <a14:m>
+                  <m:oMathPara xmlns:m="http://schemas.openxmlformats.org/officeDocument/2006/math">
+                    <m:oMathParaPr>
+                      <m:jc m:val="centerGroup"/>
+                    </m:oMathParaPr>
+                    <m:oMath xmlns:m="http://schemas.openxmlformats.org/officeDocument/2006/math">
+                      <m:d>
+                        <m:dPr>
+                          <m:ctrlPr>
+                            <a:rPr kumimoji="1" lang="en-US" altLang="ja-JP" sz="4000" i="1" smtClean="0">
+                              <a:latin typeface="Cambria Math" panose="02040503050406030204" pitchFamily="18" charset="0"/>
+                            </a:rPr>
+                          </m:ctrlPr>
+                        </m:dPr>
+                        <m:e>
+                          <m:m>
+                            <m:mPr>
+                              <m:mcs>
+                                <m:mc>
+                                  <m:mcPr>
+                                    <m:count m:val="2"/>
+                                    <m:mcJc m:val="center"/>
+                                  </m:mcPr>
+                                </m:mc>
+                              </m:mcs>
+                              <m:ctrlPr>
+                                <a:rPr kumimoji="1" lang="en-US" altLang="ja-JP" sz="4000" i="1" smtClean="0">
+                                  <a:latin typeface="Cambria Math" panose="02040503050406030204" pitchFamily="18" charset="0"/>
+                                </a:rPr>
+                              </m:ctrlPr>
+                            </m:mPr>
+                            <m:mr>
+                              <m:e>
+                                <m:sSub>
+                                  <m:sSubPr>
+                                    <m:ctrlPr>
+                                      <a:rPr lang="en-US" altLang="ja-JP" sz="4000" i="1">
+                                        <a:latin typeface="Cambria Math" panose="02040503050406030204" pitchFamily="18" charset="0"/>
+                                      </a:rPr>
+                                    </m:ctrlPr>
+                                  </m:sSubPr>
+                                  <m:e>
+                                    <m:r>
+                                      <a:rPr lang="en-US" altLang="ja-JP" sz="4000" i="1">
+                                        <a:latin typeface="Cambria Math" panose="02040503050406030204" pitchFamily="18" charset="0"/>
+                                      </a:rPr>
+                                      <m:t>𝑎</m:t>
+                                    </m:r>
+                                  </m:e>
+                                  <m:sub>
+                                    <m:r>
+                                      <a:rPr lang="en-US" altLang="ja-JP" sz="4000" i="1">
+                                        <a:latin typeface="Cambria Math" panose="02040503050406030204" pitchFamily="18" charset="0"/>
+                                      </a:rPr>
+                                      <m:t>11</m:t>
+                                    </m:r>
+                                  </m:sub>
+                                </m:sSub>
+                                <m:r>
+                                  <m:rPr>
+                                    <m:nor/>
+                                  </m:rPr>
+                                  <a:rPr lang="ja-JP" altLang="en-US" sz="4000" dirty="0"/>
+                                  <m:t> </m:t>
+                                </m:r>
+                              </m:e>
+                              <m:e>
+                                <m:sSub>
+                                  <m:sSubPr>
+                                    <m:ctrlPr>
+                                      <a:rPr lang="en-US" altLang="ja-JP" sz="4000" i="1">
+                                        <a:latin typeface="Cambria Math" panose="02040503050406030204" pitchFamily="18" charset="0"/>
+                                      </a:rPr>
+                                    </m:ctrlPr>
+                                  </m:sSubPr>
+                                  <m:e>
+                                    <m:r>
+                                      <a:rPr lang="en-US" altLang="ja-JP" sz="4000" i="1">
+                                        <a:latin typeface="Cambria Math" panose="02040503050406030204" pitchFamily="18" charset="0"/>
+                                      </a:rPr>
+                                      <m:t>𝑎</m:t>
+                                    </m:r>
+                                  </m:e>
+                                  <m:sub>
+                                    <m:r>
+                                      <a:rPr lang="en-US" altLang="ja-JP" sz="4000" i="1">
+                                        <a:latin typeface="Cambria Math" panose="02040503050406030204" pitchFamily="18" charset="0"/>
+                                      </a:rPr>
+                                      <m:t>1</m:t>
+                                    </m:r>
+                                    <m:r>
+                                      <a:rPr lang="en-US" altLang="ja-JP" sz="4000" b="0" i="1" smtClean="0">
+                                        <a:latin typeface="Cambria Math" panose="02040503050406030204" pitchFamily="18" charset="0"/>
+                                      </a:rPr>
+                                      <m:t>2</m:t>
+                                    </m:r>
+                                  </m:sub>
+                                </m:sSub>
+                                <m:r>
+                                  <m:rPr>
+                                    <m:nor/>
+                                  </m:rPr>
+                                  <a:rPr lang="ja-JP" altLang="en-US" sz="4000" dirty="0"/>
+                                  <m:t> </m:t>
+                                </m:r>
+                              </m:e>
+                            </m:mr>
+                            <m:mr>
+                              <m:e>
+                                <m:sSub>
+                                  <m:sSubPr>
+                                    <m:ctrlPr>
+                                      <a:rPr lang="en-US" altLang="ja-JP" sz="4000" i="1">
+                                        <a:latin typeface="Cambria Math" panose="02040503050406030204" pitchFamily="18" charset="0"/>
+                                      </a:rPr>
+                                    </m:ctrlPr>
+                                  </m:sSubPr>
+                                  <m:e>
+                                    <m:r>
+                                      <a:rPr lang="en-US" altLang="ja-JP" sz="4000" i="1">
+                                        <a:latin typeface="Cambria Math" panose="02040503050406030204" pitchFamily="18" charset="0"/>
+                                      </a:rPr>
+                                      <m:t>𝑎</m:t>
+                                    </m:r>
+                                  </m:e>
+                                  <m:sub>
+                                    <m:r>
+                                      <a:rPr lang="en-US" altLang="ja-JP" sz="4000" b="0" i="1" smtClean="0">
+                                        <a:latin typeface="Cambria Math" panose="02040503050406030204" pitchFamily="18" charset="0"/>
+                                      </a:rPr>
+                                      <m:t>2</m:t>
+                                    </m:r>
+                                    <m:r>
+                                      <a:rPr lang="en-US" altLang="ja-JP" sz="4000" i="1">
+                                        <a:latin typeface="Cambria Math" panose="02040503050406030204" pitchFamily="18" charset="0"/>
+                                      </a:rPr>
+                                      <m:t>1</m:t>
+                                    </m:r>
+                                  </m:sub>
+                                </m:sSub>
+                                <m:r>
+                                  <m:rPr>
+                                    <m:nor/>
+                                  </m:rPr>
+                                  <a:rPr lang="ja-JP" altLang="en-US" sz="4000" dirty="0"/>
+                                  <m:t> </m:t>
+                                </m:r>
+                              </m:e>
+                              <m:e>
+                                <m:sSub>
+                                  <m:sSubPr>
+                                    <m:ctrlPr>
+                                      <a:rPr lang="en-US" altLang="ja-JP" sz="4000" i="1">
+                                        <a:latin typeface="Cambria Math" panose="02040503050406030204" pitchFamily="18" charset="0"/>
+                                      </a:rPr>
+                                    </m:ctrlPr>
+                                  </m:sSubPr>
+                                  <m:e>
+                                    <m:r>
+                                      <a:rPr lang="en-US" altLang="ja-JP" sz="4000" i="1">
+                                        <a:latin typeface="Cambria Math" panose="02040503050406030204" pitchFamily="18" charset="0"/>
+                                      </a:rPr>
+                                      <m:t>𝑎</m:t>
+                                    </m:r>
+                                  </m:e>
+                                  <m:sub>
+                                    <m:r>
+                                      <a:rPr lang="en-US" altLang="ja-JP" sz="4000" b="0" i="1" smtClean="0">
+                                        <a:latin typeface="Cambria Math" panose="02040503050406030204" pitchFamily="18" charset="0"/>
+                                      </a:rPr>
+                                      <m:t>22</m:t>
+                                    </m:r>
+                                  </m:sub>
+                                </m:sSub>
+                                <m:r>
+                                  <m:rPr>
+                                    <m:nor/>
+                                  </m:rPr>
+                                  <a:rPr lang="ja-JP" altLang="en-US" sz="4000" dirty="0"/>
+                                  <m:t> </m:t>
+                                </m:r>
+                              </m:e>
+                            </m:mr>
+                            <m:mr>
+                              <m:e>
+                                <m:sSub>
+                                  <m:sSubPr>
+                                    <m:ctrlPr>
+                                      <a:rPr lang="en-US" altLang="ja-JP" sz="4000" i="1">
+                                        <a:latin typeface="Cambria Math" panose="02040503050406030204" pitchFamily="18" charset="0"/>
+                                      </a:rPr>
+                                    </m:ctrlPr>
+                                  </m:sSubPr>
+                                  <m:e>
+                                    <m:r>
+                                      <a:rPr lang="en-US" altLang="ja-JP" sz="4000" i="1">
+                                        <a:latin typeface="Cambria Math" panose="02040503050406030204" pitchFamily="18" charset="0"/>
+                                      </a:rPr>
+                                      <m:t>𝑎</m:t>
+                                    </m:r>
+                                  </m:e>
+                                  <m:sub>
+                                    <m:r>
+                                      <a:rPr lang="en-US" altLang="ja-JP" sz="4000" b="0" i="1" smtClean="0">
+                                        <a:latin typeface="Cambria Math" panose="02040503050406030204" pitchFamily="18" charset="0"/>
+                                      </a:rPr>
+                                      <m:t>31</m:t>
+                                    </m:r>
+                                  </m:sub>
+                                </m:sSub>
+                                <m:r>
+                                  <m:rPr>
+                                    <m:nor/>
+                                  </m:rPr>
+                                  <a:rPr lang="ja-JP" altLang="en-US" sz="4000" dirty="0"/>
+                                  <m:t> </m:t>
+                                </m:r>
+                              </m:e>
+                              <m:e>
+                                <m:sSub>
+                                  <m:sSubPr>
+                                    <m:ctrlPr>
+                                      <a:rPr lang="en-US" altLang="ja-JP" sz="4000" i="1">
+                                        <a:latin typeface="Cambria Math" panose="02040503050406030204" pitchFamily="18" charset="0"/>
+                                      </a:rPr>
+                                    </m:ctrlPr>
+                                  </m:sSubPr>
+                                  <m:e>
+                                    <m:r>
+                                      <a:rPr lang="en-US" altLang="ja-JP" sz="4000" i="1">
+                                        <a:latin typeface="Cambria Math" panose="02040503050406030204" pitchFamily="18" charset="0"/>
+                                      </a:rPr>
+                                      <m:t>𝑎</m:t>
+                                    </m:r>
+                                  </m:e>
+                                  <m:sub>
+                                    <m:r>
+                                      <a:rPr lang="en-US" altLang="ja-JP" sz="4000" b="0" i="1" smtClean="0">
+                                        <a:latin typeface="Cambria Math" panose="02040503050406030204" pitchFamily="18" charset="0"/>
+                                      </a:rPr>
+                                      <m:t>32</m:t>
+                                    </m:r>
+                                  </m:sub>
+                                </m:sSub>
+                                <m:r>
+                                  <m:rPr>
+                                    <m:nor/>
+                                  </m:rPr>
+                                  <a:rPr lang="ja-JP" altLang="en-US" sz="4000" dirty="0"/>
+                                  <m:t> </m:t>
+                                </m:r>
+                              </m:e>
+                            </m:mr>
+                          </m:m>
+                        </m:e>
+                      </m:d>
+                    </m:oMath>
+                  </m:oMathPara>
+                </a14:m>
+                <a:endParaRPr kumimoji="1" lang="ja-JP" altLang="en-US" sz="4000" dirty="0"/>
+              </a:p>
+            </p:txBody>
+          </p:sp>
+        </mc:Choice>
+        <mc:Fallback>
+          <p:sp>
+            <p:nvSpPr>
+              <p:cNvPr id="11" name="テキスト ボックス 10"/>
+              <p:cNvSpPr txBox="1">
+                <a:spLocks noRot="1" noChangeAspect="1" noMove="1" noResize="1" noEditPoints="1" noAdjustHandles="1" noChangeArrowheads="1" noChangeShapeType="1" noTextEdit="1"/>
+              </p:cNvSpPr>
+              <p:nvPr/>
+            </p:nvSpPr>
+            <p:spPr>
+              <a:xfrm>
+                <a:off x="5436096" y="1556792"/>
+                <a:ext cx="2939523" cy="1626343"/>
+              </a:xfrm>
+              <a:prstGeom prst="rect">
+                <a:avLst/>
+              </a:prstGeom>
+              <a:blipFill>
+                <a:blip r:embed="rId3"/>
+                <a:stretch>
+                  <a:fillRect/>
+                </a:stretch>
+              </a:blipFill>
+            </p:spPr>
+            <p:txBody>
+              <a:bodyPr/>
+              <a:lstStyle/>
+              <a:p>
+                <a:r>
+                  <a:rPr lang="ja-JP" altLang="en-US">
+                    <a:noFill/>
+                  </a:rPr>
+                  <a:t> </a:t>
+                </a:r>
+              </a:p>
+            </p:txBody>
+          </p:sp>
+        </mc:Fallback>
+      </mc:AlternateContent>
+      <p:sp>
+        <p:nvSpPr>
+          <p:cNvPr id="13" name="右矢印 12"/>
           <p:cNvSpPr/>
           <p:nvPr/>
         </p:nvSpPr>
         <p:spPr>
           <a:xfrm>
-            <a:off x="179512" y="2456892"/>
-            <a:ext cx="864096" cy="288032"/>
-          </a:xfrm>
-          <a:prstGeom prst="snip1Rect">
+            <a:off x="5868144" y="764704"/>
+            <a:ext cx="1944216" cy="432048"/>
+          </a:xfrm>
+          <a:prstGeom prst="rightArrow">
             <a:avLst/>
           </a:prstGeom>
           <a:noFill/>
@@ -8969,269 +12450,144 @@
           <a:lstStyle/>
           <a:p>
             <a:pPr algn="ctr"/>
-            <a:r>
-              <a:rPr kumimoji="1" lang="en-US" altLang="ja-JP" sz="2000">
-                <a:solidFill>
-                  <a:schemeClr val="tx1"/>
-                </a:solidFill>
-              </a:rPr>
-              <a:t>b</a:t>
-            </a:r>
-            <a:endParaRPr kumimoji="1" lang="ja-JP" altLang="en-US" sz="2000">
-              <a:solidFill>
-                <a:schemeClr val="tx1"/>
-              </a:solidFill>
-            </a:endParaRPr>
-          </a:p>
-        </p:txBody>
-      </p:sp>
-      <p:cxnSp>
-        <p:nvCxnSpPr>
-          <p:cNvPr id="17" name="直線矢印コネクタ 16">
-            <a:extLst>
-              <a:ext uri="{FF2B5EF4-FFF2-40B4-BE49-F238E27FC236}">
-                <a16:creationId xmlns:a16="http://schemas.microsoft.com/office/drawing/2014/main" id="{2A56B340-0773-9446-BFE7-524FB0E48B32}"/>
-              </a:ext>
-            </a:extLst>
-          </p:cNvPr>
-          <p:cNvCxnSpPr>
-            <a:stCxn id="14" idx="0"/>
-            <a:endCxn id="2" idx="1"/>
-          </p:cNvCxnSpPr>
-          <p:nvPr/>
-        </p:nvCxnSpPr>
-        <p:spPr>
-          <a:xfrm>
-            <a:off x="1043608" y="2240868"/>
-            <a:ext cx="288032" cy="0"/>
-          </a:xfrm>
-          <a:prstGeom prst="straightConnector1">
-            <a:avLst/>
-          </a:prstGeom>
-          <a:ln w="12700">
-            <a:solidFill>
-              <a:schemeClr val="tx1"/>
-            </a:solidFill>
-            <a:tailEnd type="triangle"/>
-          </a:ln>
-        </p:spPr>
-        <p:style>
-          <a:lnRef idx="1">
-            <a:schemeClr val="accent1"/>
-          </a:lnRef>
-          <a:fillRef idx="0">
-            <a:schemeClr val="accent1"/>
-          </a:fillRef>
-          <a:effectRef idx="0">
-            <a:schemeClr val="accent1"/>
-          </a:effectRef>
-          <a:fontRef idx="minor">
-            <a:schemeClr val="tx1"/>
-          </a:fontRef>
-        </p:style>
-      </p:cxnSp>
-      <p:cxnSp>
-        <p:nvCxnSpPr>
-          <p:cNvPr id="20" name="直線矢印コネクタ 19">
-            <a:extLst>
-              <a:ext uri="{FF2B5EF4-FFF2-40B4-BE49-F238E27FC236}">
-                <a16:creationId xmlns:a16="http://schemas.microsoft.com/office/drawing/2014/main" id="{285DE1DD-FEC1-384C-A7DD-64F8961D2732}"/>
-              </a:ext>
-            </a:extLst>
-          </p:cNvPr>
-          <p:cNvCxnSpPr>
-            <a:cxnSpLocks/>
-            <a:stCxn id="15" idx="0"/>
-            <a:endCxn id="3" idx="1"/>
-          </p:cNvCxnSpPr>
-          <p:nvPr/>
-        </p:nvCxnSpPr>
-        <p:spPr>
-          <a:xfrm>
-            <a:off x="1043608" y="2600908"/>
-            <a:ext cx="288032" cy="0"/>
-          </a:xfrm>
-          <a:prstGeom prst="straightConnector1">
-            <a:avLst/>
-          </a:prstGeom>
-          <a:ln w="12700">
-            <a:solidFill>
-              <a:schemeClr val="tx1"/>
-            </a:solidFill>
-            <a:tailEnd type="triangle"/>
-          </a:ln>
-        </p:spPr>
-        <p:style>
-          <a:lnRef idx="1">
-            <a:schemeClr val="accent1"/>
-          </a:lnRef>
-          <a:fillRef idx="0">
-            <a:schemeClr val="accent1"/>
-          </a:fillRef>
-          <a:effectRef idx="0">
-            <a:schemeClr val="accent1"/>
-          </a:effectRef>
-          <a:fontRef idx="minor">
-            <a:schemeClr val="tx1"/>
-          </a:fontRef>
-        </p:style>
-      </p:cxnSp>
-      <p:sp>
-        <p:nvSpPr>
-          <p:cNvPr id="24" name="正方形/長方形 23">
-            <a:extLst>
-              <a:ext uri="{FF2B5EF4-FFF2-40B4-BE49-F238E27FC236}">
-                <a16:creationId xmlns:a16="http://schemas.microsoft.com/office/drawing/2014/main" id="{C4002311-CA67-2242-8123-B6F2B1A34767}"/>
-              </a:ext>
-            </a:extLst>
-          </p:cNvPr>
-          <p:cNvSpPr/>
-          <p:nvPr/>
-        </p:nvSpPr>
-        <p:spPr>
-          <a:xfrm>
-            <a:off x="827584" y="1268760"/>
-            <a:ext cx="1296144" cy="646331"/>
+            <a:endParaRPr kumimoji="1" lang="ja-JP" altLang="en-US"/>
+          </a:p>
+        </p:txBody>
+      </p:sp>
+      <p:sp>
+        <p:nvSpPr>
+          <p:cNvPr id="14" name="テキスト ボックス 13"/>
+          <p:cNvSpPr txBox="1"/>
+          <p:nvPr/>
+        </p:nvSpPr>
+        <p:spPr>
+          <a:xfrm>
+            <a:off x="4788024" y="241484"/>
+            <a:ext cx="4043094" cy="523220"/>
           </a:xfrm>
           <a:prstGeom prst="rect">
             <a:avLst/>
           </a:prstGeom>
-          <a:solidFill>
-            <a:schemeClr val="tx1"/>
-          </a:solidFill>
-        </p:spPr>
-        <p:txBody>
-          <a:bodyPr wrap="square">
+          <a:noFill/>
+        </p:spPr>
+        <p:txBody>
+          <a:bodyPr wrap="none" rtlCol="0">
             <a:spAutoFit/>
           </a:bodyPr>
           <a:lstStyle/>
           <a:p>
             <a:r>
-              <a:rPr lang="en" altLang="ja-JP" b="0">
-                <a:solidFill>
-                  <a:srgbClr val="D4D4D4"/>
-                </a:solidFill>
-                <a:effectLst/>
-                <a:latin typeface="Menlo" panose="020B0609030804020204" pitchFamily="49" charset="0"/>
-              </a:rPr>
-              <a:t>a = </a:t>
-            </a:r>
-            <a:r>
-              <a:rPr lang="en" altLang="ja-JP" b="0">
-                <a:solidFill>
-                  <a:srgbClr val="B5CEA8"/>
-                </a:solidFill>
-                <a:effectLst/>
-                <a:latin typeface="Menlo" panose="020B0609030804020204" pitchFamily="49" charset="0"/>
-              </a:rPr>
-              <a:t>10</a:t>
-            </a:r>
-            <a:endParaRPr lang="en" altLang="ja-JP" b="0">
-              <a:solidFill>
-                <a:srgbClr val="D4D4D4"/>
-              </a:solidFill>
-              <a:effectLst/>
-              <a:latin typeface="Menlo" panose="020B0609030804020204" pitchFamily="49" charset="0"/>
-            </a:endParaRPr>
-          </a:p>
-          <a:p>
-            <a:r>
-              <a:rPr lang="en" altLang="ja-JP" b="0">
-                <a:solidFill>
-                  <a:srgbClr val="D4D4D4"/>
-                </a:solidFill>
-                <a:effectLst/>
-                <a:latin typeface="Menlo" panose="020B0609030804020204" pitchFamily="49" charset="0"/>
-              </a:rPr>
-              <a:t>b = </a:t>
-            </a:r>
-            <a:r>
-              <a:rPr lang="en" altLang="ja-JP" b="0">
-                <a:solidFill>
-                  <a:srgbClr val="B5CEA8"/>
-                </a:solidFill>
-                <a:effectLst/>
-                <a:latin typeface="Menlo" panose="020B0609030804020204" pitchFamily="49" charset="0"/>
-              </a:rPr>
-              <a:t>20</a:t>
-            </a:r>
-            <a:endParaRPr lang="en" altLang="ja-JP" b="0">
-              <a:solidFill>
-                <a:srgbClr val="D4D4D4"/>
-              </a:solidFill>
-              <a:effectLst/>
-              <a:latin typeface="Menlo" panose="020B0609030804020204" pitchFamily="49" charset="0"/>
-            </a:endParaRPr>
-          </a:p>
-        </p:txBody>
-      </p:sp>
-      <p:sp>
-        <p:nvSpPr>
-          <p:cNvPr id="25" name="正方形/長方形 24">
-            <a:extLst>
-              <a:ext uri="{FF2B5EF4-FFF2-40B4-BE49-F238E27FC236}">
-                <a16:creationId xmlns:a16="http://schemas.microsoft.com/office/drawing/2014/main" id="{90E3509D-E92B-D84F-8F10-5A51BD392FE5}"/>
-              </a:ext>
-            </a:extLst>
-          </p:cNvPr>
-          <p:cNvSpPr/>
-          <p:nvPr/>
-        </p:nvSpPr>
-        <p:spPr>
-          <a:xfrm>
-            <a:off x="5364088" y="476672"/>
-            <a:ext cx="1512168" cy="369332"/>
+              <a:rPr lang="ja-JP" altLang="en-US" sz="2800" dirty="0"/>
+              <a:t>列</a:t>
+            </a:r>
+            <a:r>
+              <a:rPr kumimoji="1" lang="en-US" altLang="ja-JP" sz="2800" dirty="0" smtClean="0"/>
+              <a:t>(Column)</a:t>
+            </a:r>
+            <a:r>
+              <a:rPr lang="ja-JP" altLang="en-US" sz="2800" dirty="0" smtClean="0"/>
+              <a:t>が増える方向</a:t>
+            </a:r>
+            <a:endParaRPr kumimoji="1" lang="ja-JP" altLang="en-US" sz="2800" dirty="0"/>
+          </a:p>
+        </p:txBody>
+      </p:sp>
+      <p:sp>
+        <p:nvSpPr>
+          <p:cNvPr id="15" name="テキスト ボックス 14"/>
+          <p:cNvSpPr txBox="1"/>
+          <p:nvPr/>
+        </p:nvSpPr>
+        <p:spPr>
+          <a:xfrm>
+            <a:off x="5796136" y="1196752"/>
+            <a:ext cx="763351" cy="369332"/>
           </a:xfrm>
           <a:prstGeom prst="rect">
             <a:avLst/>
           </a:prstGeom>
-          <a:solidFill>
-            <a:schemeClr val="tx1"/>
-          </a:solidFill>
-        </p:spPr>
-        <p:txBody>
-          <a:bodyPr wrap="square">
+          <a:noFill/>
+        </p:spPr>
+        <p:txBody>
+          <a:bodyPr wrap="none" rtlCol="0">
             <a:spAutoFit/>
           </a:bodyPr>
           <a:lstStyle/>
           <a:p>
             <a:r>
-              <a:rPr lang="en" altLang="ja-JP" b="0">
-                <a:solidFill>
-                  <a:srgbClr val="D4D4D4"/>
-                </a:solidFill>
-                <a:effectLst/>
-                <a:latin typeface="Menlo" panose="020B0609030804020204" pitchFamily="49" charset="0"/>
-              </a:rPr>
-              <a:t>c = a + b</a:t>
-            </a:r>
-          </a:p>
-        </p:txBody>
-      </p:sp>
-      <p:sp>
-        <p:nvSpPr>
-          <p:cNvPr id="26" name="正方形/長方形 25">
-            <a:extLst>
-              <a:ext uri="{FF2B5EF4-FFF2-40B4-BE49-F238E27FC236}">
-                <a16:creationId xmlns:a16="http://schemas.microsoft.com/office/drawing/2014/main" id="{F56DE0E0-8FD2-2647-AC3D-E902B6D82BA1}"/>
-              </a:ext>
-            </a:extLst>
-          </p:cNvPr>
+              <a:rPr kumimoji="1" lang="en-US" altLang="ja-JP" dirty="0" smtClean="0"/>
+              <a:t>1</a:t>
+            </a:r>
+            <a:r>
+              <a:rPr lang="ja-JP" altLang="en-US" dirty="0" smtClean="0"/>
+              <a:t>列</a:t>
+            </a:r>
+            <a:r>
+              <a:rPr kumimoji="1" lang="ja-JP" altLang="en-US" dirty="0" smtClean="0"/>
+              <a:t>目</a:t>
+            </a:r>
+            <a:endParaRPr kumimoji="1" lang="ja-JP" altLang="en-US" dirty="0"/>
+          </a:p>
+        </p:txBody>
+      </p:sp>
+      <p:sp>
+        <p:nvSpPr>
+          <p:cNvPr id="16" name="テキスト ボックス 15"/>
+          <p:cNvSpPr txBox="1"/>
+          <p:nvPr/>
+        </p:nvSpPr>
+        <p:spPr>
+          <a:xfrm>
+            <a:off x="7092280" y="1196752"/>
+            <a:ext cx="763351" cy="369332"/>
+          </a:xfrm>
+          <a:prstGeom prst="rect">
+            <a:avLst/>
+          </a:prstGeom>
+          <a:noFill/>
+        </p:spPr>
+        <p:txBody>
+          <a:bodyPr wrap="none" rtlCol="0">
+            <a:spAutoFit/>
+          </a:bodyPr>
+          <a:lstStyle/>
+          <a:p>
+            <a:r>
+              <a:rPr kumimoji="1" lang="en-US" altLang="ja-JP" dirty="0" smtClean="0"/>
+              <a:t>2</a:t>
+            </a:r>
+            <a:r>
+              <a:rPr lang="ja-JP" altLang="en-US" dirty="0" smtClean="0"/>
+              <a:t>列</a:t>
+            </a:r>
+            <a:r>
+              <a:rPr kumimoji="1" lang="ja-JP" altLang="en-US" dirty="0" smtClean="0"/>
+              <a:t>目</a:t>
+            </a:r>
+            <a:endParaRPr kumimoji="1" lang="ja-JP" altLang="en-US" dirty="0"/>
+          </a:p>
+        </p:txBody>
+      </p:sp>
+      <p:sp>
+        <p:nvSpPr>
+          <p:cNvPr id="17" name="角丸四角形 16"/>
           <p:cNvSpPr/>
           <p:nvPr/>
         </p:nvSpPr>
         <p:spPr>
           <a:xfrm>
-            <a:off x="5364088" y="1196752"/>
-            <a:ext cx="1440160" cy="360040"/>
-          </a:xfrm>
-          <a:prstGeom prst="rect">
-            <a:avLst/>
+            <a:off x="5770309" y="1556792"/>
+            <a:ext cx="804812" cy="1728192"/>
+          </a:xfrm>
+          <a:prstGeom prst="roundRect">
+            <a:avLst>
+              <a:gd name="adj" fmla="val 27197"/>
+            </a:avLst>
           </a:prstGeom>
           <a:noFill/>
-          <a:ln>
+          <a:ln w="38100">
             <a:solidFill>
-              <a:schemeClr val="tx1"/>
+              <a:srgbClr val="92D050"/>
             </a:solidFill>
           </a:ln>
         </p:spPr>
@@ -9256,46 +12612,30 @@
           <a:lstStyle/>
           <a:p>
             <a:pPr algn="ctr"/>
-            <a:r>
-              <a:rPr kumimoji="1" lang="en-US" altLang="ja-JP">
-                <a:solidFill>
-                  <a:schemeClr val="tx1"/>
-                </a:solidFill>
-              </a:rPr>
-              <a:t>10</a:t>
-            </a:r>
-            <a:endParaRPr kumimoji="1" lang="ja-JP" altLang="en-US">
-              <a:solidFill>
-                <a:schemeClr val="tx1"/>
-              </a:solidFill>
-            </a:endParaRPr>
-          </a:p>
-        </p:txBody>
-      </p:sp>
-      <p:sp>
-        <p:nvSpPr>
-          <p:cNvPr id="27" name="正方形/長方形 26">
-            <a:extLst>
-              <a:ext uri="{FF2B5EF4-FFF2-40B4-BE49-F238E27FC236}">
-                <a16:creationId xmlns:a16="http://schemas.microsoft.com/office/drawing/2014/main" id="{E29D8138-D2F4-5A4F-885C-053B7FC7F51F}"/>
-              </a:ext>
-            </a:extLst>
-          </p:cNvPr>
+            <a:endParaRPr kumimoji="1" lang="ja-JP" altLang="en-US"/>
+          </a:p>
+        </p:txBody>
+      </p:sp>
+      <p:sp>
+        <p:nvSpPr>
+          <p:cNvPr id="18" name="角丸四角形 17"/>
           <p:cNvSpPr/>
           <p:nvPr/>
         </p:nvSpPr>
         <p:spPr>
           <a:xfrm>
-            <a:off x="5364088" y="1556792"/>
-            <a:ext cx="1440160" cy="360040"/>
-          </a:xfrm>
-          <a:prstGeom prst="rect">
-            <a:avLst/>
+            <a:off x="7138461" y="1556792"/>
+            <a:ext cx="804812" cy="1728192"/>
+          </a:xfrm>
+          <a:prstGeom prst="roundRect">
+            <a:avLst>
+              <a:gd name="adj" fmla="val 27197"/>
+            </a:avLst>
           </a:prstGeom>
           <a:noFill/>
-          <a:ln>
+          <a:ln w="38100">
             <a:solidFill>
-              <a:schemeClr val="tx1"/>
+              <a:srgbClr val="92D050"/>
             </a:solidFill>
           </a:ln>
         </p:spPr>
@@ -9320,1204 +12660,6 @@
           <a:lstStyle/>
           <a:p>
             <a:pPr algn="ctr"/>
-            <a:r>
-              <a:rPr kumimoji="1" lang="en-US" altLang="ja-JP">
-                <a:solidFill>
-                  <a:schemeClr val="tx1"/>
-                </a:solidFill>
-              </a:rPr>
-              <a:t>20</a:t>
-            </a:r>
-            <a:endParaRPr kumimoji="1" lang="ja-JP" altLang="en-US">
-              <a:solidFill>
-                <a:schemeClr val="tx1"/>
-              </a:solidFill>
-            </a:endParaRPr>
-          </a:p>
-        </p:txBody>
-      </p:sp>
-      <p:sp>
-        <p:nvSpPr>
-          <p:cNvPr id="28" name="正方形/長方形 27">
-            <a:extLst>
-              <a:ext uri="{FF2B5EF4-FFF2-40B4-BE49-F238E27FC236}">
-                <a16:creationId xmlns:a16="http://schemas.microsoft.com/office/drawing/2014/main" id="{F5DE2E29-FEC5-5244-8D7A-0A905435CF27}"/>
-              </a:ext>
-            </a:extLst>
-          </p:cNvPr>
-          <p:cNvSpPr/>
-          <p:nvPr/>
-        </p:nvSpPr>
-        <p:spPr>
-          <a:xfrm>
-            <a:off x="5364088" y="1916832"/>
-            <a:ext cx="1440160" cy="360040"/>
-          </a:xfrm>
-          <a:prstGeom prst="rect">
-            <a:avLst/>
-          </a:prstGeom>
-          <a:noFill/>
-          <a:ln>
-            <a:solidFill>
-              <a:schemeClr val="tx1"/>
-            </a:solidFill>
-          </a:ln>
-        </p:spPr>
-        <p:style>
-          <a:lnRef idx="2">
-            <a:schemeClr val="accent1">
-              <a:shade val="50000"/>
-            </a:schemeClr>
-          </a:lnRef>
-          <a:fillRef idx="1">
-            <a:schemeClr val="accent1"/>
-          </a:fillRef>
-          <a:effectRef idx="0">
-            <a:schemeClr val="accent1"/>
-          </a:effectRef>
-          <a:fontRef idx="minor">
-            <a:schemeClr val="lt1"/>
-          </a:fontRef>
-        </p:style>
-        <p:txBody>
-          <a:bodyPr rtlCol="0" anchor="ctr"/>
-          <a:lstStyle/>
-          <a:p>
-            <a:pPr algn="ctr"/>
-            <a:r>
-              <a:rPr kumimoji="1" lang="en-US" altLang="ja-JP">
-                <a:solidFill>
-                  <a:srgbClr val="FF0000"/>
-                </a:solidFill>
-              </a:rPr>
-              <a:t>30</a:t>
-            </a:r>
-            <a:endParaRPr kumimoji="1" lang="ja-JP" altLang="en-US">
-              <a:solidFill>
-                <a:srgbClr val="FF0000"/>
-              </a:solidFill>
-            </a:endParaRPr>
-          </a:p>
-        </p:txBody>
-      </p:sp>
-      <p:sp>
-        <p:nvSpPr>
-          <p:cNvPr id="32" name="テキスト ボックス 31">
-            <a:extLst>
-              <a:ext uri="{FF2B5EF4-FFF2-40B4-BE49-F238E27FC236}">
-                <a16:creationId xmlns:a16="http://schemas.microsoft.com/office/drawing/2014/main" id="{256A5E38-FA6E-3641-90D4-68ED7C91F0FA}"/>
-              </a:ext>
-            </a:extLst>
-          </p:cNvPr>
-          <p:cNvSpPr txBox="1"/>
-          <p:nvPr/>
-        </p:nvSpPr>
-        <p:spPr>
-          <a:xfrm>
-            <a:off x="6804248" y="1196752"/>
-            <a:ext cx="763351" cy="369332"/>
-          </a:xfrm>
-          <a:prstGeom prst="rect">
-            <a:avLst/>
-          </a:prstGeom>
-          <a:noFill/>
-        </p:spPr>
-        <p:txBody>
-          <a:bodyPr wrap="none" rtlCol="0">
-            <a:spAutoFit/>
-          </a:bodyPr>
-          <a:lstStyle/>
-          <a:p>
-            <a:r>
-              <a:rPr kumimoji="1" lang="en-US" altLang="ja-JP"/>
-              <a:t>0</a:t>
-            </a:r>
-            <a:r>
-              <a:rPr lang="ja-JP" altLang="en-US"/>
-              <a:t>番地</a:t>
-            </a:r>
-            <a:endParaRPr kumimoji="1" lang="ja-JP" altLang="en-US"/>
-          </a:p>
-        </p:txBody>
-      </p:sp>
-      <p:sp>
-        <p:nvSpPr>
-          <p:cNvPr id="33" name="テキスト ボックス 32">
-            <a:extLst>
-              <a:ext uri="{FF2B5EF4-FFF2-40B4-BE49-F238E27FC236}">
-                <a16:creationId xmlns:a16="http://schemas.microsoft.com/office/drawing/2014/main" id="{47C62149-7FD9-FF46-BC44-8B42B1596B3C}"/>
-              </a:ext>
-            </a:extLst>
-          </p:cNvPr>
-          <p:cNvSpPr txBox="1"/>
-          <p:nvPr/>
-        </p:nvSpPr>
-        <p:spPr>
-          <a:xfrm>
-            <a:off x="6804248" y="1556792"/>
-            <a:ext cx="763351" cy="369332"/>
-          </a:xfrm>
-          <a:prstGeom prst="rect">
-            <a:avLst/>
-          </a:prstGeom>
-          <a:noFill/>
-        </p:spPr>
-        <p:txBody>
-          <a:bodyPr wrap="none" rtlCol="0">
-            <a:spAutoFit/>
-          </a:bodyPr>
-          <a:lstStyle/>
-          <a:p>
-            <a:r>
-              <a:rPr kumimoji="1" lang="en-US" altLang="ja-JP"/>
-              <a:t>1</a:t>
-            </a:r>
-            <a:r>
-              <a:rPr lang="ja-JP" altLang="en-US"/>
-              <a:t>番地</a:t>
-            </a:r>
-            <a:endParaRPr kumimoji="1" lang="ja-JP" altLang="en-US"/>
-          </a:p>
-        </p:txBody>
-      </p:sp>
-      <p:sp>
-        <p:nvSpPr>
-          <p:cNvPr id="34" name="テキスト ボックス 33">
-            <a:extLst>
-              <a:ext uri="{FF2B5EF4-FFF2-40B4-BE49-F238E27FC236}">
-                <a16:creationId xmlns:a16="http://schemas.microsoft.com/office/drawing/2014/main" id="{01EF90F6-E88A-DE46-9FAD-575AEFB814BF}"/>
-              </a:ext>
-            </a:extLst>
-          </p:cNvPr>
-          <p:cNvSpPr txBox="1"/>
-          <p:nvPr/>
-        </p:nvSpPr>
-        <p:spPr>
-          <a:xfrm>
-            <a:off x="6804248" y="1916832"/>
-            <a:ext cx="763351" cy="369332"/>
-          </a:xfrm>
-          <a:prstGeom prst="rect">
-            <a:avLst/>
-          </a:prstGeom>
-          <a:noFill/>
-        </p:spPr>
-        <p:txBody>
-          <a:bodyPr wrap="none" rtlCol="0">
-            <a:spAutoFit/>
-          </a:bodyPr>
-          <a:lstStyle/>
-          <a:p>
-            <a:r>
-              <a:rPr kumimoji="1" lang="en-US" altLang="ja-JP"/>
-              <a:t>2</a:t>
-            </a:r>
-            <a:r>
-              <a:rPr lang="ja-JP" altLang="en-US"/>
-              <a:t>番地</a:t>
-            </a:r>
-            <a:endParaRPr kumimoji="1" lang="ja-JP" altLang="en-US"/>
-          </a:p>
-        </p:txBody>
-      </p:sp>
-      <p:sp>
-        <p:nvSpPr>
-          <p:cNvPr id="38" name="1 つの角を切り取った四角形 37">
-            <a:extLst>
-              <a:ext uri="{FF2B5EF4-FFF2-40B4-BE49-F238E27FC236}">
-                <a16:creationId xmlns:a16="http://schemas.microsoft.com/office/drawing/2014/main" id="{098A3B99-5EBC-564C-8F4A-B4CAA732068D}"/>
-              </a:ext>
-            </a:extLst>
-          </p:cNvPr>
-          <p:cNvSpPr/>
-          <p:nvPr/>
-        </p:nvSpPr>
-        <p:spPr>
-          <a:xfrm>
-            <a:off x="4211960" y="1232756"/>
-            <a:ext cx="864096" cy="288032"/>
-          </a:xfrm>
-          <a:prstGeom prst="snip1Rect">
-            <a:avLst/>
-          </a:prstGeom>
-          <a:noFill/>
-          <a:ln>
-            <a:solidFill>
-              <a:schemeClr val="tx1"/>
-            </a:solidFill>
-          </a:ln>
-        </p:spPr>
-        <p:style>
-          <a:lnRef idx="2">
-            <a:schemeClr val="accent1">
-              <a:shade val="50000"/>
-            </a:schemeClr>
-          </a:lnRef>
-          <a:fillRef idx="1">
-            <a:schemeClr val="accent1"/>
-          </a:fillRef>
-          <a:effectRef idx="0">
-            <a:schemeClr val="accent1"/>
-          </a:effectRef>
-          <a:fontRef idx="minor">
-            <a:schemeClr val="lt1"/>
-          </a:fontRef>
-        </p:style>
-        <p:txBody>
-          <a:bodyPr rtlCol="0" anchor="ctr"/>
-          <a:lstStyle/>
-          <a:p>
-            <a:pPr algn="ctr"/>
-            <a:r>
-              <a:rPr kumimoji="1" lang="en-US" altLang="ja-JP" sz="2000">
-                <a:solidFill>
-                  <a:schemeClr val="tx1"/>
-                </a:solidFill>
-              </a:rPr>
-              <a:t>a</a:t>
-            </a:r>
-            <a:endParaRPr kumimoji="1" lang="ja-JP" altLang="en-US" sz="2000">
-              <a:solidFill>
-                <a:schemeClr val="tx1"/>
-              </a:solidFill>
-            </a:endParaRPr>
-          </a:p>
-        </p:txBody>
-      </p:sp>
-      <p:sp>
-        <p:nvSpPr>
-          <p:cNvPr id="39" name="1 つの角を切り取った四角形 38">
-            <a:extLst>
-              <a:ext uri="{FF2B5EF4-FFF2-40B4-BE49-F238E27FC236}">
-                <a16:creationId xmlns:a16="http://schemas.microsoft.com/office/drawing/2014/main" id="{D2CD6298-3CDD-FD42-A662-3DD2FBAB637C}"/>
-              </a:ext>
-            </a:extLst>
-          </p:cNvPr>
-          <p:cNvSpPr/>
-          <p:nvPr/>
-        </p:nvSpPr>
-        <p:spPr>
-          <a:xfrm>
-            <a:off x="4211960" y="1592796"/>
-            <a:ext cx="864096" cy="288032"/>
-          </a:xfrm>
-          <a:prstGeom prst="snip1Rect">
-            <a:avLst/>
-          </a:prstGeom>
-          <a:noFill/>
-          <a:ln>
-            <a:solidFill>
-              <a:schemeClr val="tx1"/>
-            </a:solidFill>
-          </a:ln>
-        </p:spPr>
-        <p:style>
-          <a:lnRef idx="2">
-            <a:schemeClr val="accent1">
-              <a:shade val="50000"/>
-            </a:schemeClr>
-          </a:lnRef>
-          <a:fillRef idx="1">
-            <a:schemeClr val="accent1"/>
-          </a:fillRef>
-          <a:effectRef idx="0">
-            <a:schemeClr val="accent1"/>
-          </a:effectRef>
-          <a:fontRef idx="minor">
-            <a:schemeClr val="lt1"/>
-          </a:fontRef>
-        </p:style>
-        <p:txBody>
-          <a:bodyPr rtlCol="0" anchor="ctr"/>
-          <a:lstStyle/>
-          <a:p>
-            <a:pPr algn="ctr"/>
-            <a:r>
-              <a:rPr kumimoji="1" lang="en-US" altLang="ja-JP" sz="2000">
-                <a:solidFill>
-                  <a:schemeClr val="tx1"/>
-                </a:solidFill>
-              </a:rPr>
-              <a:t>b</a:t>
-            </a:r>
-            <a:endParaRPr kumimoji="1" lang="ja-JP" altLang="en-US" sz="2000">
-              <a:solidFill>
-                <a:schemeClr val="tx1"/>
-              </a:solidFill>
-            </a:endParaRPr>
-          </a:p>
-        </p:txBody>
-      </p:sp>
-      <p:cxnSp>
-        <p:nvCxnSpPr>
-          <p:cNvPr id="40" name="直線矢印コネクタ 39">
-            <a:extLst>
-              <a:ext uri="{FF2B5EF4-FFF2-40B4-BE49-F238E27FC236}">
-                <a16:creationId xmlns:a16="http://schemas.microsoft.com/office/drawing/2014/main" id="{5D894221-2B47-E543-B665-D020D6C6D227}"/>
-              </a:ext>
-            </a:extLst>
-          </p:cNvPr>
-          <p:cNvCxnSpPr>
-            <a:stCxn id="38" idx="0"/>
-            <a:endCxn id="26" idx="1"/>
-          </p:cNvCxnSpPr>
-          <p:nvPr/>
-        </p:nvCxnSpPr>
-        <p:spPr>
-          <a:xfrm>
-            <a:off x="5076056" y="1376772"/>
-            <a:ext cx="288032" cy="0"/>
-          </a:xfrm>
-          <a:prstGeom prst="straightConnector1">
-            <a:avLst/>
-          </a:prstGeom>
-          <a:ln w="12700">
-            <a:solidFill>
-              <a:schemeClr val="tx1"/>
-            </a:solidFill>
-            <a:tailEnd type="triangle"/>
-          </a:ln>
-        </p:spPr>
-        <p:style>
-          <a:lnRef idx="1">
-            <a:schemeClr val="accent1"/>
-          </a:lnRef>
-          <a:fillRef idx="0">
-            <a:schemeClr val="accent1"/>
-          </a:fillRef>
-          <a:effectRef idx="0">
-            <a:schemeClr val="accent1"/>
-          </a:effectRef>
-          <a:fontRef idx="minor">
-            <a:schemeClr val="tx1"/>
-          </a:fontRef>
-        </p:style>
-      </p:cxnSp>
-      <p:cxnSp>
-        <p:nvCxnSpPr>
-          <p:cNvPr id="41" name="直線矢印コネクタ 40">
-            <a:extLst>
-              <a:ext uri="{FF2B5EF4-FFF2-40B4-BE49-F238E27FC236}">
-                <a16:creationId xmlns:a16="http://schemas.microsoft.com/office/drawing/2014/main" id="{E7B38831-E706-A94B-B919-E98DDBB6E136}"/>
-              </a:ext>
-            </a:extLst>
-          </p:cNvPr>
-          <p:cNvCxnSpPr>
-            <a:cxnSpLocks/>
-            <a:stCxn id="39" idx="0"/>
-            <a:endCxn id="27" idx="1"/>
-          </p:cNvCxnSpPr>
-          <p:nvPr/>
-        </p:nvCxnSpPr>
-        <p:spPr>
-          <a:xfrm>
-            <a:off x="5076056" y="1736812"/>
-            <a:ext cx="288032" cy="0"/>
-          </a:xfrm>
-          <a:prstGeom prst="straightConnector1">
-            <a:avLst/>
-          </a:prstGeom>
-          <a:ln w="12700">
-            <a:solidFill>
-              <a:schemeClr val="tx1"/>
-            </a:solidFill>
-            <a:tailEnd type="triangle"/>
-          </a:ln>
-        </p:spPr>
-        <p:style>
-          <a:lnRef idx="1">
-            <a:schemeClr val="accent1"/>
-          </a:lnRef>
-          <a:fillRef idx="0">
-            <a:schemeClr val="accent1"/>
-          </a:fillRef>
-          <a:effectRef idx="0">
-            <a:schemeClr val="accent1"/>
-          </a:effectRef>
-          <a:fontRef idx="minor">
-            <a:schemeClr val="tx1"/>
-          </a:fontRef>
-        </p:style>
-      </p:cxnSp>
-      <p:sp>
-        <p:nvSpPr>
-          <p:cNvPr id="42" name="正方形/長方形 41">
-            <a:extLst>
-              <a:ext uri="{FF2B5EF4-FFF2-40B4-BE49-F238E27FC236}">
-                <a16:creationId xmlns:a16="http://schemas.microsoft.com/office/drawing/2014/main" id="{E06F0334-378C-1141-B81E-DA5D1971C709}"/>
-              </a:ext>
-            </a:extLst>
-          </p:cNvPr>
-          <p:cNvSpPr/>
-          <p:nvPr/>
-        </p:nvSpPr>
-        <p:spPr>
-          <a:xfrm>
-            <a:off x="5364088" y="2564904"/>
-            <a:ext cx="1512168" cy="369332"/>
-          </a:xfrm>
-          <a:prstGeom prst="rect">
-            <a:avLst/>
-          </a:prstGeom>
-          <a:solidFill>
-            <a:schemeClr val="tx1"/>
-          </a:solidFill>
-        </p:spPr>
-        <p:txBody>
-          <a:bodyPr wrap="square">
-            <a:spAutoFit/>
-          </a:bodyPr>
-          <a:lstStyle/>
-          <a:p>
-            <a:r>
-              <a:rPr lang="en" altLang="ja-JP" b="0">
-                <a:solidFill>
-                  <a:srgbClr val="D4D4D4"/>
-                </a:solidFill>
-                <a:effectLst/>
-                <a:latin typeface="Menlo" panose="020B0609030804020204" pitchFamily="49" charset="0"/>
-              </a:rPr>
-              <a:t>a = a + b</a:t>
-            </a:r>
-          </a:p>
-        </p:txBody>
-      </p:sp>
-      <p:sp>
-        <p:nvSpPr>
-          <p:cNvPr id="43" name="正方形/長方形 42">
-            <a:extLst>
-              <a:ext uri="{FF2B5EF4-FFF2-40B4-BE49-F238E27FC236}">
-                <a16:creationId xmlns:a16="http://schemas.microsoft.com/office/drawing/2014/main" id="{46194432-BB80-D04D-8788-8AF9E98C2DEF}"/>
-              </a:ext>
-            </a:extLst>
-          </p:cNvPr>
-          <p:cNvSpPr/>
-          <p:nvPr/>
-        </p:nvSpPr>
-        <p:spPr>
-          <a:xfrm>
-            <a:off x="5364088" y="3284984"/>
-            <a:ext cx="1440160" cy="360040"/>
-          </a:xfrm>
-          <a:prstGeom prst="rect">
-            <a:avLst/>
-          </a:prstGeom>
-          <a:noFill/>
-          <a:ln>
-            <a:solidFill>
-              <a:schemeClr val="tx1"/>
-            </a:solidFill>
-          </a:ln>
-        </p:spPr>
-        <p:style>
-          <a:lnRef idx="2">
-            <a:schemeClr val="accent1">
-              <a:shade val="50000"/>
-            </a:schemeClr>
-          </a:lnRef>
-          <a:fillRef idx="1">
-            <a:schemeClr val="accent1"/>
-          </a:fillRef>
-          <a:effectRef idx="0">
-            <a:schemeClr val="accent1"/>
-          </a:effectRef>
-          <a:fontRef idx="minor">
-            <a:schemeClr val="lt1"/>
-          </a:fontRef>
-        </p:style>
-        <p:txBody>
-          <a:bodyPr rtlCol="0" anchor="ctr"/>
-          <a:lstStyle/>
-          <a:p>
-            <a:pPr algn="ctr"/>
-            <a:r>
-              <a:rPr kumimoji="1" lang="en-US" altLang="ja-JP">
-                <a:solidFill>
-                  <a:srgbClr val="FF0000"/>
-                </a:solidFill>
-              </a:rPr>
-              <a:t>30</a:t>
-            </a:r>
-            <a:endParaRPr kumimoji="1" lang="ja-JP" altLang="en-US">
-              <a:solidFill>
-                <a:srgbClr val="FF0000"/>
-              </a:solidFill>
-            </a:endParaRPr>
-          </a:p>
-        </p:txBody>
-      </p:sp>
-      <p:sp>
-        <p:nvSpPr>
-          <p:cNvPr id="44" name="正方形/長方形 43">
-            <a:extLst>
-              <a:ext uri="{FF2B5EF4-FFF2-40B4-BE49-F238E27FC236}">
-                <a16:creationId xmlns:a16="http://schemas.microsoft.com/office/drawing/2014/main" id="{559FB088-5201-134A-9989-C61BDEE8670C}"/>
-              </a:ext>
-            </a:extLst>
-          </p:cNvPr>
-          <p:cNvSpPr/>
-          <p:nvPr/>
-        </p:nvSpPr>
-        <p:spPr>
-          <a:xfrm>
-            <a:off x="5364088" y="3645024"/>
-            <a:ext cx="1440160" cy="360040"/>
-          </a:xfrm>
-          <a:prstGeom prst="rect">
-            <a:avLst/>
-          </a:prstGeom>
-          <a:noFill/>
-          <a:ln>
-            <a:solidFill>
-              <a:schemeClr val="tx1"/>
-            </a:solidFill>
-          </a:ln>
-        </p:spPr>
-        <p:style>
-          <a:lnRef idx="2">
-            <a:schemeClr val="accent1">
-              <a:shade val="50000"/>
-            </a:schemeClr>
-          </a:lnRef>
-          <a:fillRef idx="1">
-            <a:schemeClr val="accent1"/>
-          </a:fillRef>
-          <a:effectRef idx="0">
-            <a:schemeClr val="accent1"/>
-          </a:effectRef>
-          <a:fontRef idx="minor">
-            <a:schemeClr val="lt1"/>
-          </a:fontRef>
-        </p:style>
-        <p:txBody>
-          <a:bodyPr rtlCol="0" anchor="ctr"/>
-          <a:lstStyle/>
-          <a:p>
-            <a:pPr algn="ctr"/>
-            <a:r>
-              <a:rPr kumimoji="1" lang="en-US" altLang="ja-JP">
-                <a:solidFill>
-                  <a:schemeClr val="tx1"/>
-                </a:solidFill>
-              </a:rPr>
-              <a:t>20</a:t>
-            </a:r>
-            <a:endParaRPr kumimoji="1" lang="ja-JP" altLang="en-US">
-              <a:solidFill>
-                <a:schemeClr val="tx1"/>
-              </a:solidFill>
-            </a:endParaRPr>
-          </a:p>
-        </p:txBody>
-      </p:sp>
-      <p:sp>
-        <p:nvSpPr>
-          <p:cNvPr id="45" name="正方形/長方形 44">
-            <a:extLst>
-              <a:ext uri="{FF2B5EF4-FFF2-40B4-BE49-F238E27FC236}">
-                <a16:creationId xmlns:a16="http://schemas.microsoft.com/office/drawing/2014/main" id="{7A029912-8402-D442-A2AA-94670917CCE0}"/>
-              </a:ext>
-            </a:extLst>
-          </p:cNvPr>
-          <p:cNvSpPr/>
-          <p:nvPr/>
-        </p:nvSpPr>
-        <p:spPr>
-          <a:xfrm>
-            <a:off x="5364088" y="4005064"/>
-            <a:ext cx="1440160" cy="360040"/>
-          </a:xfrm>
-          <a:prstGeom prst="rect">
-            <a:avLst/>
-          </a:prstGeom>
-          <a:noFill/>
-          <a:ln>
-            <a:solidFill>
-              <a:schemeClr val="tx1"/>
-            </a:solidFill>
-          </a:ln>
-        </p:spPr>
-        <p:style>
-          <a:lnRef idx="2">
-            <a:schemeClr val="accent1">
-              <a:shade val="50000"/>
-            </a:schemeClr>
-          </a:lnRef>
-          <a:fillRef idx="1">
-            <a:schemeClr val="accent1"/>
-          </a:fillRef>
-          <a:effectRef idx="0">
-            <a:schemeClr val="accent1"/>
-          </a:effectRef>
-          <a:fontRef idx="minor">
-            <a:schemeClr val="lt1"/>
-          </a:fontRef>
-        </p:style>
-        <p:txBody>
-          <a:bodyPr rtlCol="0" anchor="ctr"/>
-          <a:lstStyle/>
-          <a:p>
-            <a:pPr algn="ctr"/>
-            <a:endParaRPr kumimoji="1" lang="ja-JP" altLang="en-US">
-              <a:solidFill>
-                <a:srgbClr val="FF0000"/>
-              </a:solidFill>
-            </a:endParaRPr>
-          </a:p>
-        </p:txBody>
-      </p:sp>
-      <p:sp>
-        <p:nvSpPr>
-          <p:cNvPr id="49" name="テキスト ボックス 48">
-            <a:extLst>
-              <a:ext uri="{FF2B5EF4-FFF2-40B4-BE49-F238E27FC236}">
-                <a16:creationId xmlns:a16="http://schemas.microsoft.com/office/drawing/2014/main" id="{9D11E5B9-784E-3C43-B0F6-246744652622}"/>
-              </a:ext>
-            </a:extLst>
-          </p:cNvPr>
-          <p:cNvSpPr txBox="1"/>
-          <p:nvPr/>
-        </p:nvSpPr>
-        <p:spPr>
-          <a:xfrm>
-            <a:off x="6804248" y="3284984"/>
-            <a:ext cx="763351" cy="369332"/>
-          </a:xfrm>
-          <a:prstGeom prst="rect">
-            <a:avLst/>
-          </a:prstGeom>
-          <a:noFill/>
-        </p:spPr>
-        <p:txBody>
-          <a:bodyPr wrap="none" rtlCol="0">
-            <a:spAutoFit/>
-          </a:bodyPr>
-          <a:lstStyle/>
-          <a:p>
-            <a:r>
-              <a:rPr kumimoji="1" lang="en-US" altLang="ja-JP"/>
-              <a:t>0</a:t>
-            </a:r>
-            <a:r>
-              <a:rPr lang="ja-JP" altLang="en-US"/>
-              <a:t>番地</a:t>
-            </a:r>
-            <a:endParaRPr kumimoji="1" lang="ja-JP" altLang="en-US"/>
-          </a:p>
-        </p:txBody>
-      </p:sp>
-      <p:sp>
-        <p:nvSpPr>
-          <p:cNvPr id="50" name="テキスト ボックス 49">
-            <a:extLst>
-              <a:ext uri="{FF2B5EF4-FFF2-40B4-BE49-F238E27FC236}">
-                <a16:creationId xmlns:a16="http://schemas.microsoft.com/office/drawing/2014/main" id="{AEA24516-1C23-4343-96DA-F7456CF4072D}"/>
-              </a:ext>
-            </a:extLst>
-          </p:cNvPr>
-          <p:cNvSpPr txBox="1"/>
-          <p:nvPr/>
-        </p:nvSpPr>
-        <p:spPr>
-          <a:xfrm>
-            <a:off x="6804248" y="3645024"/>
-            <a:ext cx="763351" cy="369332"/>
-          </a:xfrm>
-          <a:prstGeom prst="rect">
-            <a:avLst/>
-          </a:prstGeom>
-          <a:noFill/>
-        </p:spPr>
-        <p:txBody>
-          <a:bodyPr wrap="none" rtlCol="0">
-            <a:spAutoFit/>
-          </a:bodyPr>
-          <a:lstStyle/>
-          <a:p>
-            <a:r>
-              <a:rPr kumimoji="1" lang="en-US" altLang="ja-JP"/>
-              <a:t>1</a:t>
-            </a:r>
-            <a:r>
-              <a:rPr lang="ja-JP" altLang="en-US"/>
-              <a:t>番地</a:t>
-            </a:r>
-            <a:endParaRPr kumimoji="1" lang="ja-JP" altLang="en-US"/>
-          </a:p>
-        </p:txBody>
-      </p:sp>
-      <p:sp>
-        <p:nvSpPr>
-          <p:cNvPr id="51" name="テキスト ボックス 50">
-            <a:extLst>
-              <a:ext uri="{FF2B5EF4-FFF2-40B4-BE49-F238E27FC236}">
-                <a16:creationId xmlns:a16="http://schemas.microsoft.com/office/drawing/2014/main" id="{7880C320-2660-0347-962B-8A3867A8DAE3}"/>
-              </a:ext>
-            </a:extLst>
-          </p:cNvPr>
-          <p:cNvSpPr txBox="1"/>
-          <p:nvPr/>
-        </p:nvSpPr>
-        <p:spPr>
-          <a:xfrm>
-            <a:off x="6804248" y="4005064"/>
-            <a:ext cx="763351" cy="369332"/>
-          </a:xfrm>
-          <a:prstGeom prst="rect">
-            <a:avLst/>
-          </a:prstGeom>
-          <a:noFill/>
-        </p:spPr>
-        <p:txBody>
-          <a:bodyPr wrap="none" rtlCol="0">
-            <a:spAutoFit/>
-          </a:bodyPr>
-          <a:lstStyle/>
-          <a:p>
-            <a:r>
-              <a:rPr kumimoji="1" lang="en-US" altLang="ja-JP"/>
-              <a:t>2</a:t>
-            </a:r>
-            <a:r>
-              <a:rPr lang="ja-JP" altLang="en-US"/>
-              <a:t>番地</a:t>
-            </a:r>
-            <a:endParaRPr kumimoji="1" lang="ja-JP" altLang="en-US"/>
-          </a:p>
-        </p:txBody>
-      </p:sp>
-      <p:sp>
-        <p:nvSpPr>
-          <p:cNvPr id="55" name="1 つの角を切り取った四角形 54">
-            <a:extLst>
-              <a:ext uri="{FF2B5EF4-FFF2-40B4-BE49-F238E27FC236}">
-                <a16:creationId xmlns:a16="http://schemas.microsoft.com/office/drawing/2014/main" id="{754ACFCA-ACF6-C148-8ECB-695926E5158A}"/>
-              </a:ext>
-            </a:extLst>
-          </p:cNvPr>
-          <p:cNvSpPr/>
-          <p:nvPr/>
-        </p:nvSpPr>
-        <p:spPr>
-          <a:xfrm>
-            <a:off x="4211960" y="3320988"/>
-            <a:ext cx="864096" cy="288032"/>
-          </a:xfrm>
-          <a:prstGeom prst="snip1Rect">
-            <a:avLst/>
-          </a:prstGeom>
-          <a:noFill/>
-          <a:ln>
-            <a:solidFill>
-              <a:schemeClr val="tx1"/>
-            </a:solidFill>
-          </a:ln>
-        </p:spPr>
-        <p:style>
-          <a:lnRef idx="2">
-            <a:schemeClr val="accent1">
-              <a:shade val="50000"/>
-            </a:schemeClr>
-          </a:lnRef>
-          <a:fillRef idx="1">
-            <a:schemeClr val="accent1"/>
-          </a:fillRef>
-          <a:effectRef idx="0">
-            <a:schemeClr val="accent1"/>
-          </a:effectRef>
-          <a:fontRef idx="minor">
-            <a:schemeClr val="lt1"/>
-          </a:fontRef>
-        </p:style>
-        <p:txBody>
-          <a:bodyPr rtlCol="0" anchor="ctr"/>
-          <a:lstStyle/>
-          <a:p>
-            <a:pPr algn="ctr"/>
-            <a:r>
-              <a:rPr kumimoji="1" lang="en-US" altLang="ja-JP" sz="2000">
-                <a:solidFill>
-                  <a:schemeClr val="tx1"/>
-                </a:solidFill>
-              </a:rPr>
-              <a:t>a</a:t>
-            </a:r>
-            <a:endParaRPr kumimoji="1" lang="ja-JP" altLang="en-US" sz="2000">
-              <a:solidFill>
-                <a:schemeClr val="tx1"/>
-              </a:solidFill>
-            </a:endParaRPr>
-          </a:p>
-        </p:txBody>
-      </p:sp>
-      <p:sp>
-        <p:nvSpPr>
-          <p:cNvPr id="56" name="1 つの角を切り取った四角形 55">
-            <a:extLst>
-              <a:ext uri="{FF2B5EF4-FFF2-40B4-BE49-F238E27FC236}">
-                <a16:creationId xmlns:a16="http://schemas.microsoft.com/office/drawing/2014/main" id="{C03716EB-EB01-E341-ADAB-94D3E031B2A4}"/>
-              </a:ext>
-            </a:extLst>
-          </p:cNvPr>
-          <p:cNvSpPr/>
-          <p:nvPr/>
-        </p:nvSpPr>
-        <p:spPr>
-          <a:xfrm>
-            <a:off x="4211960" y="3681028"/>
-            <a:ext cx="864096" cy="288032"/>
-          </a:xfrm>
-          <a:prstGeom prst="snip1Rect">
-            <a:avLst/>
-          </a:prstGeom>
-          <a:noFill/>
-          <a:ln>
-            <a:solidFill>
-              <a:schemeClr val="tx1"/>
-            </a:solidFill>
-          </a:ln>
-        </p:spPr>
-        <p:style>
-          <a:lnRef idx="2">
-            <a:schemeClr val="accent1">
-              <a:shade val="50000"/>
-            </a:schemeClr>
-          </a:lnRef>
-          <a:fillRef idx="1">
-            <a:schemeClr val="accent1"/>
-          </a:fillRef>
-          <a:effectRef idx="0">
-            <a:schemeClr val="accent1"/>
-          </a:effectRef>
-          <a:fontRef idx="minor">
-            <a:schemeClr val="lt1"/>
-          </a:fontRef>
-        </p:style>
-        <p:txBody>
-          <a:bodyPr rtlCol="0" anchor="ctr"/>
-          <a:lstStyle/>
-          <a:p>
-            <a:pPr algn="ctr"/>
-            <a:r>
-              <a:rPr kumimoji="1" lang="en-US" altLang="ja-JP" sz="2000">
-                <a:solidFill>
-                  <a:schemeClr val="tx1"/>
-                </a:solidFill>
-              </a:rPr>
-              <a:t>b</a:t>
-            </a:r>
-            <a:endParaRPr kumimoji="1" lang="ja-JP" altLang="en-US" sz="2000">
-              <a:solidFill>
-                <a:schemeClr val="tx1"/>
-              </a:solidFill>
-            </a:endParaRPr>
-          </a:p>
-        </p:txBody>
-      </p:sp>
-      <p:cxnSp>
-        <p:nvCxnSpPr>
-          <p:cNvPr id="57" name="直線矢印コネクタ 56">
-            <a:extLst>
-              <a:ext uri="{FF2B5EF4-FFF2-40B4-BE49-F238E27FC236}">
-                <a16:creationId xmlns:a16="http://schemas.microsoft.com/office/drawing/2014/main" id="{A3415B5E-BBD1-7145-A733-6503FD145441}"/>
-              </a:ext>
-            </a:extLst>
-          </p:cNvPr>
-          <p:cNvCxnSpPr>
-            <a:stCxn id="55" idx="0"/>
-            <a:endCxn id="43" idx="1"/>
-          </p:cNvCxnSpPr>
-          <p:nvPr/>
-        </p:nvCxnSpPr>
-        <p:spPr>
-          <a:xfrm>
-            <a:off x="5076056" y="3465004"/>
-            <a:ext cx="288032" cy="0"/>
-          </a:xfrm>
-          <a:prstGeom prst="straightConnector1">
-            <a:avLst/>
-          </a:prstGeom>
-          <a:ln w="12700">
-            <a:solidFill>
-              <a:schemeClr val="tx1"/>
-            </a:solidFill>
-            <a:tailEnd type="triangle"/>
-          </a:ln>
-        </p:spPr>
-        <p:style>
-          <a:lnRef idx="1">
-            <a:schemeClr val="accent1"/>
-          </a:lnRef>
-          <a:fillRef idx="0">
-            <a:schemeClr val="accent1"/>
-          </a:fillRef>
-          <a:effectRef idx="0">
-            <a:schemeClr val="accent1"/>
-          </a:effectRef>
-          <a:fontRef idx="minor">
-            <a:schemeClr val="tx1"/>
-          </a:fontRef>
-        </p:style>
-      </p:cxnSp>
-      <p:cxnSp>
-        <p:nvCxnSpPr>
-          <p:cNvPr id="58" name="直線矢印コネクタ 57">
-            <a:extLst>
-              <a:ext uri="{FF2B5EF4-FFF2-40B4-BE49-F238E27FC236}">
-                <a16:creationId xmlns:a16="http://schemas.microsoft.com/office/drawing/2014/main" id="{46A7F411-14A3-EF47-B135-2DF623042CAC}"/>
-              </a:ext>
-            </a:extLst>
-          </p:cNvPr>
-          <p:cNvCxnSpPr>
-            <a:cxnSpLocks/>
-            <a:stCxn id="56" idx="0"/>
-            <a:endCxn id="44" idx="1"/>
-          </p:cNvCxnSpPr>
-          <p:nvPr/>
-        </p:nvCxnSpPr>
-        <p:spPr>
-          <a:xfrm>
-            <a:off x="5076056" y="3825044"/>
-            <a:ext cx="288032" cy="0"/>
-          </a:xfrm>
-          <a:prstGeom prst="straightConnector1">
-            <a:avLst/>
-          </a:prstGeom>
-          <a:ln w="12700">
-            <a:solidFill>
-              <a:schemeClr val="tx1"/>
-            </a:solidFill>
-            <a:tailEnd type="triangle"/>
-          </a:ln>
-        </p:spPr>
-        <p:style>
-          <a:lnRef idx="1">
-            <a:schemeClr val="accent1"/>
-          </a:lnRef>
-          <a:fillRef idx="0">
-            <a:schemeClr val="accent1"/>
-          </a:fillRef>
-          <a:effectRef idx="0">
-            <a:schemeClr val="accent1"/>
-          </a:effectRef>
-          <a:fontRef idx="minor">
-            <a:schemeClr val="tx1"/>
-          </a:fontRef>
-        </p:style>
-      </p:cxnSp>
-      <p:sp>
-        <p:nvSpPr>
-          <p:cNvPr id="61" name="1 つの角を切り取った四角形 60">
-            <a:extLst>
-              <a:ext uri="{FF2B5EF4-FFF2-40B4-BE49-F238E27FC236}">
-                <a16:creationId xmlns:a16="http://schemas.microsoft.com/office/drawing/2014/main" id="{626E90B5-DA84-AB49-9EF4-D1E8324EFACB}"/>
-              </a:ext>
-            </a:extLst>
-          </p:cNvPr>
-          <p:cNvSpPr/>
-          <p:nvPr/>
-        </p:nvSpPr>
-        <p:spPr>
-          <a:xfrm>
-            <a:off x="4211960" y="1988840"/>
-            <a:ext cx="864096" cy="288032"/>
-          </a:xfrm>
-          <a:prstGeom prst="snip1Rect">
-            <a:avLst/>
-          </a:prstGeom>
-          <a:noFill/>
-          <a:ln>
-            <a:solidFill>
-              <a:srgbClr val="FF0000"/>
-            </a:solidFill>
-          </a:ln>
-        </p:spPr>
-        <p:style>
-          <a:lnRef idx="2">
-            <a:schemeClr val="accent1">
-              <a:shade val="50000"/>
-            </a:schemeClr>
-          </a:lnRef>
-          <a:fillRef idx="1">
-            <a:schemeClr val="accent1"/>
-          </a:fillRef>
-          <a:effectRef idx="0">
-            <a:schemeClr val="accent1"/>
-          </a:effectRef>
-          <a:fontRef idx="minor">
-            <a:schemeClr val="lt1"/>
-          </a:fontRef>
-        </p:style>
-        <p:txBody>
-          <a:bodyPr rtlCol="0" anchor="ctr"/>
-          <a:lstStyle/>
-          <a:p>
-            <a:pPr algn="ctr"/>
-            <a:r>
-              <a:rPr kumimoji="1" lang="en-US" altLang="ja-JP" sz="2000">
-                <a:solidFill>
-                  <a:srgbClr val="FF0000"/>
-                </a:solidFill>
-              </a:rPr>
-              <a:t>c</a:t>
-            </a:r>
-            <a:endParaRPr kumimoji="1" lang="ja-JP" altLang="en-US" sz="2000">
-              <a:solidFill>
-                <a:srgbClr val="FF0000"/>
-              </a:solidFill>
-            </a:endParaRPr>
-          </a:p>
-        </p:txBody>
-      </p:sp>
-      <p:cxnSp>
-        <p:nvCxnSpPr>
-          <p:cNvPr id="62" name="直線矢印コネクタ 61">
-            <a:extLst>
-              <a:ext uri="{FF2B5EF4-FFF2-40B4-BE49-F238E27FC236}">
-                <a16:creationId xmlns:a16="http://schemas.microsoft.com/office/drawing/2014/main" id="{A4BEB851-9083-4C4A-86A9-2B1E4F78B994}"/>
-              </a:ext>
-            </a:extLst>
-          </p:cNvPr>
-          <p:cNvCxnSpPr>
-            <a:cxnSpLocks/>
-            <a:stCxn id="61" idx="0"/>
-          </p:cNvCxnSpPr>
-          <p:nvPr/>
-        </p:nvCxnSpPr>
-        <p:spPr>
-          <a:xfrm>
-            <a:off x="5076056" y="2132856"/>
-            <a:ext cx="288032" cy="0"/>
-          </a:xfrm>
-          <a:prstGeom prst="straightConnector1">
-            <a:avLst/>
-          </a:prstGeom>
-          <a:ln w="12700">
-            <a:solidFill>
-              <a:schemeClr val="tx1"/>
-            </a:solidFill>
-            <a:tailEnd type="triangle"/>
-          </a:ln>
-        </p:spPr>
-        <p:style>
-          <a:lnRef idx="1">
-            <a:schemeClr val="accent1"/>
-          </a:lnRef>
-          <a:fillRef idx="0">
-            <a:schemeClr val="accent1"/>
-          </a:fillRef>
-          <a:effectRef idx="0">
-            <a:schemeClr val="accent1"/>
-          </a:effectRef>
-          <a:fontRef idx="minor">
-            <a:schemeClr val="tx1"/>
-          </a:fontRef>
-        </p:style>
-      </p:cxnSp>
-      <p:sp>
-        <p:nvSpPr>
-          <p:cNvPr id="63" name="右矢印 62">
-            <a:extLst>
-              <a:ext uri="{FF2B5EF4-FFF2-40B4-BE49-F238E27FC236}">
-                <a16:creationId xmlns:a16="http://schemas.microsoft.com/office/drawing/2014/main" id="{75EDCAAD-63B3-7C49-82BD-074358DC33A3}"/>
-              </a:ext>
-            </a:extLst>
-          </p:cNvPr>
-          <p:cNvSpPr/>
-          <p:nvPr/>
-        </p:nvSpPr>
-        <p:spPr>
-          <a:xfrm rot="20700000">
-            <a:off x="3595028" y="1670485"/>
-            <a:ext cx="360040" cy="288032"/>
-          </a:xfrm>
-          <a:prstGeom prst="rightArrow">
-            <a:avLst/>
-          </a:prstGeom>
-          <a:solidFill>
-            <a:srgbClr val="FF0000"/>
-          </a:solidFill>
-          <a:ln>
-            <a:solidFill>
-              <a:schemeClr val="tx1"/>
-            </a:solidFill>
-          </a:ln>
-        </p:spPr>
-        <p:style>
-          <a:lnRef idx="2">
-            <a:schemeClr val="accent1">
-              <a:shade val="50000"/>
-            </a:schemeClr>
-          </a:lnRef>
-          <a:fillRef idx="1">
-            <a:schemeClr val="accent1"/>
-          </a:fillRef>
-          <a:effectRef idx="0">
-            <a:schemeClr val="accent1"/>
-          </a:effectRef>
-          <a:fontRef idx="minor">
-            <a:schemeClr val="lt1"/>
-          </a:fontRef>
-        </p:style>
-        <p:txBody>
-          <a:bodyPr rtlCol="0" anchor="ctr"/>
-          <a:lstStyle/>
-          <a:p>
-            <a:pPr algn="ctr"/>
-            <a:endParaRPr kumimoji="1" lang="ja-JP" altLang="en-US"/>
-          </a:p>
-        </p:txBody>
-      </p:sp>
-      <p:sp>
-        <p:nvSpPr>
-          <p:cNvPr id="64" name="右矢印 63">
-            <a:extLst>
-              <a:ext uri="{FF2B5EF4-FFF2-40B4-BE49-F238E27FC236}">
-                <a16:creationId xmlns:a16="http://schemas.microsoft.com/office/drawing/2014/main" id="{C797DB0C-3E10-094A-9E6B-64323C3F3933}"/>
-              </a:ext>
-            </a:extLst>
-          </p:cNvPr>
-          <p:cNvSpPr/>
-          <p:nvPr/>
-        </p:nvSpPr>
-        <p:spPr>
-          <a:xfrm rot="1800000">
-            <a:off x="3539771" y="2995659"/>
-            <a:ext cx="360040" cy="288032"/>
-          </a:xfrm>
-          <a:prstGeom prst="rightArrow">
-            <a:avLst/>
-          </a:prstGeom>
-          <a:solidFill>
-            <a:srgbClr val="FF0000"/>
-          </a:solidFill>
-          <a:ln>
-            <a:solidFill>
-              <a:schemeClr val="tx1"/>
-            </a:solidFill>
-          </a:ln>
-        </p:spPr>
-        <p:style>
-          <a:lnRef idx="2">
-            <a:schemeClr val="accent1">
-              <a:shade val="50000"/>
-            </a:schemeClr>
-          </a:lnRef>
-          <a:fillRef idx="1">
-            <a:schemeClr val="accent1"/>
-          </a:fillRef>
-          <a:effectRef idx="0">
-            <a:schemeClr val="accent1"/>
-          </a:effectRef>
-          <a:fontRef idx="minor">
-            <a:schemeClr val="lt1"/>
-          </a:fontRef>
-        </p:style>
-        <p:txBody>
-          <a:bodyPr rtlCol="0" anchor="ctr"/>
-          <a:lstStyle/>
-          <a:p>
-            <a:pPr algn="ctr"/>
             <a:endParaRPr kumimoji="1" lang="ja-JP" altLang="en-US"/>
           </a:p>
         </p:txBody>
@@ -10525,7 +12667,7 @@
     </p:spTree>
     <p:extLst>
       <p:ext uri="{BB962C8B-B14F-4D97-AF65-F5344CB8AC3E}">
-        <p14:creationId xmlns:p14="http://schemas.microsoft.com/office/powerpoint/2010/main" val="1306766367"/>
+        <p14:creationId xmlns:p14="http://schemas.microsoft.com/office/powerpoint/2010/main" val="2977580870"/>
       </p:ext>
     </p:extLst>
   </p:cSld>
